--- a/Project 1 Presentation Slides.pptx
+++ b/Project 1 Presentation Slides.pptx
@@ -11,16 +11,18 @@
     <p:sldId id="278" r:id="rId5"/>
     <p:sldId id="279" r:id="rId6"/>
     <p:sldId id="280" r:id="rId7"/>
-    <p:sldId id="281" r:id="rId8"/>
-    <p:sldId id="282" r:id="rId9"/>
-    <p:sldId id="283" r:id="rId10"/>
-    <p:sldId id="284" r:id="rId11"/>
-    <p:sldId id="285" r:id="rId12"/>
-    <p:sldId id="261" r:id="rId13"/>
-    <p:sldId id="264" r:id="rId14"/>
-    <p:sldId id="262" r:id="rId15"/>
-    <p:sldId id="265" r:id="rId16"/>
-    <p:sldId id="266" r:id="rId17"/>
+    <p:sldId id="286" r:id="rId8"/>
+    <p:sldId id="281" r:id="rId9"/>
+    <p:sldId id="282" r:id="rId10"/>
+    <p:sldId id="283" r:id="rId11"/>
+    <p:sldId id="284" r:id="rId12"/>
+    <p:sldId id="285" r:id="rId13"/>
+    <p:sldId id="288" r:id="rId14"/>
+    <p:sldId id="261" r:id="rId15"/>
+    <p:sldId id="290" r:id="rId16"/>
+    <p:sldId id="262" r:id="rId17"/>
+    <p:sldId id="265" r:id="rId18"/>
+    <p:sldId id="292" r:id="rId19"/>
   </p:sldIdLst>
   <p:sldSz cx="12192000" cy="6858000"/>
   <p:notesSz cx="6858000" cy="9144000"/>
@@ -125,6 +127,2553 @@
     </p:ext>
   </p:extLst>
 </p:presentation>
+</file>
+
+<file path=ppt/diagrams/colors1.xml><?xml version="1.0" encoding="utf-8"?>
+<dgm:colorsDef xmlns:dgm="http://schemas.openxmlformats.org/drawingml/2006/diagram" xmlns:a="http://schemas.openxmlformats.org/drawingml/2006/main" uniqueId="urn:microsoft.com/office/officeart/2005/8/colors/accent2_2">
+  <dgm:title val=""/>
+  <dgm:desc val=""/>
+  <dgm:catLst>
+    <dgm:cat type="accent2" pri="11200"/>
+  </dgm:catLst>
+  <dgm:styleLbl name="node0">
+    <dgm:fillClrLst meth="repeat">
+      <a:schemeClr val="accent2"/>
+    </dgm:fillClrLst>
+    <dgm:linClrLst meth="repeat">
+      <a:schemeClr val="lt1"/>
+    </dgm:linClrLst>
+    <dgm:effectClrLst/>
+    <dgm:txLinClrLst/>
+    <dgm:txFillClrLst/>
+    <dgm:txEffectClrLst/>
+  </dgm:styleLbl>
+  <dgm:styleLbl name="node1">
+    <dgm:fillClrLst meth="repeat">
+      <a:schemeClr val="accent2"/>
+    </dgm:fillClrLst>
+    <dgm:linClrLst meth="repeat">
+      <a:schemeClr val="lt1"/>
+    </dgm:linClrLst>
+    <dgm:effectClrLst/>
+    <dgm:txLinClrLst/>
+    <dgm:txFillClrLst/>
+    <dgm:txEffectClrLst/>
+  </dgm:styleLbl>
+  <dgm:styleLbl name="alignNode1">
+    <dgm:fillClrLst meth="repeat">
+      <a:schemeClr val="accent2"/>
+    </dgm:fillClrLst>
+    <dgm:linClrLst meth="repeat">
+      <a:schemeClr val="accent2"/>
+    </dgm:linClrLst>
+    <dgm:effectClrLst/>
+    <dgm:txLinClrLst/>
+    <dgm:txFillClrLst/>
+    <dgm:txEffectClrLst/>
+  </dgm:styleLbl>
+  <dgm:styleLbl name="lnNode1">
+    <dgm:fillClrLst meth="repeat">
+      <a:schemeClr val="accent2"/>
+    </dgm:fillClrLst>
+    <dgm:linClrLst meth="repeat">
+      <a:schemeClr val="lt1"/>
+    </dgm:linClrLst>
+    <dgm:effectClrLst/>
+    <dgm:txLinClrLst/>
+    <dgm:txFillClrLst/>
+    <dgm:txEffectClrLst/>
+  </dgm:styleLbl>
+  <dgm:styleLbl name="vennNode1">
+    <dgm:fillClrLst meth="repeat">
+      <a:schemeClr val="accent2">
+        <a:alpha val="50000"/>
+      </a:schemeClr>
+    </dgm:fillClrLst>
+    <dgm:linClrLst meth="repeat">
+      <a:schemeClr val="lt1"/>
+    </dgm:linClrLst>
+    <dgm:effectClrLst/>
+    <dgm:txLinClrLst/>
+    <dgm:txFillClrLst/>
+    <dgm:txEffectClrLst/>
+  </dgm:styleLbl>
+  <dgm:styleLbl name="node2">
+    <dgm:fillClrLst meth="repeat">
+      <a:schemeClr val="accent2"/>
+    </dgm:fillClrLst>
+    <dgm:linClrLst meth="repeat">
+      <a:schemeClr val="lt1"/>
+    </dgm:linClrLst>
+    <dgm:effectClrLst/>
+    <dgm:txLinClrLst/>
+    <dgm:txFillClrLst/>
+    <dgm:txEffectClrLst/>
+  </dgm:styleLbl>
+  <dgm:styleLbl name="node3">
+    <dgm:fillClrLst meth="repeat">
+      <a:schemeClr val="accent2"/>
+    </dgm:fillClrLst>
+    <dgm:linClrLst meth="repeat">
+      <a:schemeClr val="lt1"/>
+    </dgm:linClrLst>
+    <dgm:effectClrLst/>
+    <dgm:txLinClrLst/>
+    <dgm:txFillClrLst/>
+    <dgm:txEffectClrLst/>
+  </dgm:styleLbl>
+  <dgm:styleLbl name="node4">
+    <dgm:fillClrLst meth="repeat">
+      <a:schemeClr val="accent2"/>
+    </dgm:fillClrLst>
+    <dgm:linClrLst meth="repeat">
+      <a:schemeClr val="lt1"/>
+    </dgm:linClrLst>
+    <dgm:effectClrLst/>
+    <dgm:txLinClrLst/>
+    <dgm:txFillClrLst/>
+    <dgm:txEffectClrLst/>
+  </dgm:styleLbl>
+  <dgm:styleLbl name="fgImgPlace1">
+    <dgm:fillClrLst meth="repeat">
+      <a:schemeClr val="accent2">
+        <a:tint val="50000"/>
+      </a:schemeClr>
+    </dgm:fillClrLst>
+    <dgm:linClrLst meth="repeat">
+      <a:schemeClr val="lt1"/>
+    </dgm:linClrLst>
+    <dgm:effectClrLst/>
+    <dgm:txLinClrLst/>
+    <dgm:txFillClrLst meth="repeat">
+      <a:schemeClr val="lt1"/>
+    </dgm:txFillClrLst>
+    <dgm:txEffectClrLst/>
+  </dgm:styleLbl>
+  <dgm:styleLbl name="alignImgPlace1">
+    <dgm:fillClrLst meth="repeat">
+      <a:schemeClr val="accent2">
+        <a:tint val="50000"/>
+      </a:schemeClr>
+    </dgm:fillClrLst>
+    <dgm:linClrLst meth="repeat">
+      <a:schemeClr val="lt1"/>
+    </dgm:linClrLst>
+    <dgm:effectClrLst/>
+    <dgm:txLinClrLst/>
+    <dgm:txFillClrLst meth="repeat">
+      <a:schemeClr val="lt1"/>
+    </dgm:txFillClrLst>
+    <dgm:txEffectClrLst/>
+  </dgm:styleLbl>
+  <dgm:styleLbl name="bgImgPlace1">
+    <dgm:fillClrLst meth="repeat">
+      <a:schemeClr val="accent2">
+        <a:tint val="50000"/>
+      </a:schemeClr>
+    </dgm:fillClrLst>
+    <dgm:linClrLst meth="repeat">
+      <a:schemeClr val="lt1"/>
+    </dgm:linClrLst>
+    <dgm:effectClrLst/>
+    <dgm:txLinClrLst/>
+    <dgm:txFillClrLst meth="repeat">
+      <a:schemeClr val="lt1"/>
+    </dgm:txFillClrLst>
+    <dgm:txEffectClrLst/>
+  </dgm:styleLbl>
+  <dgm:styleLbl name="sibTrans2D1">
+    <dgm:fillClrLst meth="repeat">
+      <a:schemeClr val="accent2">
+        <a:tint val="60000"/>
+      </a:schemeClr>
+    </dgm:fillClrLst>
+    <dgm:linClrLst meth="repeat">
+      <a:schemeClr val="accent2">
+        <a:tint val="60000"/>
+      </a:schemeClr>
+    </dgm:linClrLst>
+    <dgm:effectClrLst/>
+    <dgm:txLinClrLst/>
+    <dgm:txFillClrLst/>
+    <dgm:txEffectClrLst/>
+  </dgm:styleLbl>
+  <dgm:styleLbl name="fgSibTrans2D1">
+    <dgm:fillClrLst meth="repeat">
+      <a:schemeClr val="accent2">
+        <a:tint val="60000"/>
+      </a:schemeClr>
+    </dgm:fillClrLst>
+    <dgm:linClrLst meth="repeat">
+      <a:schemeClr val="accent2">
+        <a:tint val="60000"/>
+      </a:schemeClr>
+    </dgm:linClrLst>
+    <dgm:effectClrLst/>
+    <dgm:txLinClrLst/>
+    <dgm:txFillClrLst/>
+    <dgm:txEffectClrLst/>
+  </dgm:styleLbl>
+  <dgm:styleLbl name="bgSibTrans2D1">
+    <dgm:fillClrLst meth="repeat">
+      <a:schemeClr val="accent2">
+        <a:tint val="60000"/>
+      </a:schemeClr>
+    </dgm:fillClrLst>
+    <dgm:linClrLst meth="repeat">
+      <a:schemeClr val="accent2">
+        <a:tint val="60000"/>
+      </a:schemeClr>
+    </dgm:linClrLst>
+    <dgm:effectClrLst/>
+    <dgm:txLinClrLst/>
+    <dgm:txFillClrLst/>
+    <dgm:txEffectClrLst/>
+  </dgm:styleLbl>
+  <dgm:styleLbl name="sibTrans1D1">
+    <dgm:fillClrLst meth="repeat">
+      <a:schemeClr val="accent2"/>
+    </dgm:fillClrLst>
+    <dgm:linClrLst meth="repeat">
+      <a:schemeClr val="accent2"/>
+    </dgm:linClrLst>
+    <dgm:effectClrLst/>
+    <dgm:txLinClrLst/>
+    <dgm:txFillClrLst meth="repeat">
+      <a:schemeClr val="tx1"/>
+    </dgm:txFillClrLst>
+    <dgm:txEffectClrLst/>
+  </dgm:styleLbl>
+  <dgm:styleLbl name="callout">
+    <dgm:fillClrLst meth="repeat">
+      <a:schemeClr val="accent2"/>
+    </dgm:fillClrLst>
+    <dgm:linClrLst meth="repeat">
+      <a:schemeClr val="accent2">
+        <a:tint val="50000"/>
+      </a:schemeClr>
+    </dgm:linClrLst>
+    <dgm:effectClrLst/>
+    <dgm:txLinClrLst/>
+    <dgm:txFillClrLst meth="repeat">
+      <a:schemeClr val="tx1"/>
+    </dgm:txFillClrLst>
+    <dgm:txEffectClrLst/>
+  </dgm:styleLbl>
+  <dgm:styleLbl name="asst0">
+    <dgm:fillClrLst meth="repeat">
+      <a:schemeClr val="accent2"/>
+    </dgm:fillClrLst>
+    <dgm:linClrLst meth="repeat">
+      <a:schemeClr val="lt1"/>
+    </dgm:linClrLst>
+    <dgm:effectClrLst/>
+    <dgm:txLinClrLst/>
+    <dgm:txFillClrLst/>
+    <dgm:txEffectClrLst/>
+  </dgm:styleLbl>
+  <dgm:styleLbl name="asst1">
+    <dgm:fillClrLst meth="repeat">
+      <a:schemeClr val="accent2"/>
+    </dgm:fillClrLst>
+    <dgm:linClrLst meth="repeat">
+      <a:schemeClr val="lt1"/>
+    </dgm:linClrLst>
+    <dgm:effectClrLst/>
+    <dgm:txLinClrLst/>
+    <dgm:txFillClrLst/>
+    <dgm:txEffectClrLst/>
+  </dgm:styleLbl>
+  <dgm:styleLbl name="asst2">
+    <dgm:fillClrLst meth="repeat">
+      <a:schemeClr val="accent2"/>
+    </dgm:fillClrLst>
+    <dgm:linClrLst meth="repeat">
+      <a:schemeClr val="lt1"/>
+    </dgm:linClrLst>
+    <dgm:effectClrLst/>
+    <dgm:txLinClrLst/>
+    <dgm:txFillClrLst/>
+    <dgm:txEffectClrLst/>
+  </dgm:styleLbl>
+  <dgm:styleLbl name="asst3">
+    <dgm:fillClrLst meth="repeat">
+      <a:schemeClr val="accent2"/>
+    </dgm:fillClrLst>
+    <dgm:linClrLst meth="repeat">
+      <a:schemeClr val="lt1"/>
+    </dgm:linClrLst>
+    <dgm:effectClrLst/>
+    <dgm:txLinClrLst/>
+    <dgm:txFillClrLst/>
+    <dgm:txEffectClrLst/>
+  </dgm:styleLbl>
+  <dgm:styleLbl name="asst4">
+    <dgm:fillClrLst meth="repeat">
+      <a:schemeClr val="accent2"/>
+    </dgm:fillClrLst>
+    <dgm:linClrLst meth="repeat">
+      <a:schemeClr val="lt1"/>
+    </dgm:linClrLst>
+    <dgm:effectClrLst/>
+    <dgm:txLinClrLst/>
+    <dgm:txFillClrLst/>
+    <dgm:txEffectClrLst/>
+  </dgm:styleLbl>
+  <dgm:styleLbl name="parChTrans2D1">
+    <dgm:fillClrLst meth="repeat">
+      <a:schemeClr val="accent2">
+        <a:tint val="60000"/>
+      </a:schemeClr>
+    </dgm:fillClrLst>
+    <dgm:linClrLst meth="repeat">
+      <a:schemeClr val="accent2">
+        <a:tint val="60000"/>
+      </a:schemeClr>
+    </dgm:linClrLst>
+    <dgm:effectClrLst/>
+    <dgm:txLinClrLst/>
+    <dgm:txFillClrLst meth="repeat">
+      <a:schemeClr val="lt1"/>
+    </dgm:txFillClrLst>
+    <dgm:txEffectClrLst/>
+  </dgm:styleLbl>
+  <dgm:styleLbl name="parChTrans2D2">
+    <dgm:fillClrLst meth="repeat">
+      <a:schemeClr val="accent2"/>
+    </dgm:fillClrLst>
+    <dgm:linClrLst meth="repeat">
+      <a:schemeClr val="accent2"/>
+    </dgm:linClrLst>
+    <dgm:effectClrLst/>
+    <dgm:txLinClrLst/>
+    <dgm:txFillClrLst meth="repeat">
+      <a:schemeClr val="lt1"/>
+    </dgm:txFillClrLst>
+    <dgm:txEffectClrLst/>
+  </dgm:styleLbl>
+  <dgm:styleLbl name="parChTrans2D3">
+    <dgm:fillClrLst meth="repeat">
+      <a:schemeClr val="accent2"/>
+    </dgm:fillClrLst>
+    <dgm:linClrLst meth="repeat">
+      <a:schemeClr val="accent2"/>
+    </dgm:linClrLst>
+    <dgm:effectClrLst/>
+    <dgm:txLinClrLst/>
+    <dgm:txFillClrLst meth="repeat">
+      <a:schemeClr val="lt1"/>
+    </dgm:txFillClrLst>
+    <dgm:txEffectClrLst/>
+  </dgm:styleLbl>
+  <dgm:styleLbl name="parChTrans2D4">
+    <dgm:fillClrLst meth="repeat">
+      <a:schemeClr val="accent2"/>
+    </dgm:fillClrLst>
+    <dgm:linClrLst meth="repeat">
+      <a:schemeClr val="accent2"/>
+    </dgm:linClrLst>
+    <dgm:effectClrLst/>
+    <dgm:txLinClrLst/>
+    <dgm:txFillClrLst meth="repeat">
+      <a:schemeClr val="lt1"/>
+    </dgm:txFillClrLst>
+    <dgm:txEffectClrLst/>
+  </dgm:styleLbl>
+  <dgm:styleLbl name="parChTrans1D1">
+    <dgm:fillClrLst meth="repeat">
+      <a:schemeClr val="accent2"/>
+    </dgm:fillClrLst>
+    <dgm:linClrLst meth="repeat">
+      <a:schemeClr val="accent2">
+        <a:shade val="60000"/>
+      </a:schemeClr>
+    </dgm:linClrLst>
+    <dgm:effectClrLst/>
+    <dgm:txLinClrLst/>
+    <dgm:txFillClrLst meth="repeat">
+      <a:schemeClr val="tx1"/>
+    </dgm:txFillClrLst>
+    <dgm:txEffectClrLst/>
+  </dgm:styleLbl>
+  <dgm:styleLbl name="parChTrans1D2">
+    <dgm:fillClrLst meth="repeat">
+      <a:schemeClr val="accent2"/>
+    </dgm:fillClrLst>
+    <dgm:linClrLst meth="repeat">
+      <a:schemeClr val="accent2">
+        <a:shade val="60000"/>
+      </a:schemeClr>
+    </dgm:linClrLst>
+    <dgm:effectClrLst/>
+    <dgm:txLinClrLst/>
+    <dgm:txFillClrLst meth="repeat">
+      <a:schemeClr val="tx1"/>
+    </dgm:txFillClrLst>
+    <dgm:txEffectClrLst/>
+  </dgm:styleLbl>
+  <dgm:styleLbl name="parChTrans1D3">
+    <dgm:fillClrLst meth="repeat">
+      <a:schemeClr val="accent2"/>
+    </dgm:fillClrLst>
+    <dgm:linClrLst meth="repeat">
+      <a:schemeClr val="accent2">
+        <a:shade val="80000"/>
+      </a:schemeClr>
+    </dgm:linClrLst>
+    <dgm:effectClrLst/>
+    <dgm:txLinClrLst/>
+    <dgm:txFillClrLst meth="repeat">
+      <a:schemeClr val="tx1"/>
+    </dgm:txFillClrLst>
+    <dgm:txEffectClrLst/>
+  </dgm:styleLbl>
+  <dgm:styleLbl name="parChTrans1D4">
+    <dgm:fillClrLst meth="repeat">
+      <a:schemeClr val="accent2"/>
+    </dgm:fillClrLst>
+    <dgm:linClrLst meth="repeat">
+      <a:schemeClr val="accent2">
+        <a:shade val="80000"/>
+      </a:schemeClr>
+    </dgm:linClrLst>
+    <dgm:effectClrLst/>
+    <dgm:txLinClrLst/>
+    <dgm:txFillClrLst meth="repeat">
+      <a:schemeClr val="tx1"/>
+    </dgm:txFillClrLst>
+    <dgm:txEffectClrLst/>
+  </dgm:styleLbl>
+  <dgm:styleLbl name="fgAcc1">
+    <dgm:fillClrLst meth="repeat">
+      <a:schemeClr val="lt1">
+        <a:alpha val="90000"/>
+      </a:schemeClr>
+    </dgm:fillClrLst>
+    <dgm:linClrLst meth="repeat">
+      <a:schemeClr val="accent2"/>
+    </dgm:linClrLst>
+    <dgm:effectClrLst/>
+    <dgm:txLinClrLst/>
+    <dgm:txFillClrLst meth="repeat">
+      <a:schemeClr val="dk1"/>
+    </dgm:txFillClrLst>
+    <dgm:txEffectClrLst/>
+  </dgm:styleLbl>
+  <dgm:styleLbl name="conFgAcc1">
+    <dgm:fillClrLst meth="repeat">
+      <a:schemeClr val="lt1">
+        <a:alpha val="90000"/>
+      </a:schemeClr>
+    </dgm:fillClrLst>
+    <dgm:linClrLst meth="repeat">
+      <a:schemeClr val="accent2"/>
+    </dgm:linClrLst>
+    <dgm:effectClrLst/>
+    <dgm:txLinClrLst/>
+    <dgm:txFillClrLst meth="repeat">
+      <a:schemeClr val="dk1"/>
+    </dgm:txFillClrLst>
+    <dgm:txEffectClrLst/>
+  </dgm:styleLbl>
+  <dgm:styleLbl name="alignAcc1">
+    <dgm:fillClrLst meth="repeat">
+      <a:schemeClr val="lt1">
+        <a:alpha val="90000"/>
+      </a:schemeClr>
+    </dgm:fillClrLst>
+    <dgm:linClrLst meth="repeat">
+      <a:schemeClr val="accent2"/>
+    </dgm:linClrLst>
+    <dgm:effectClrLst/>
+    <dgm:txLinClrLst/>
+    <dgm:txFillClrLst meth="repeat">
+      <a:schemeClr val="dk1"/>
+    </dgm:txFillClrLst>
+    <dgm:txEffectClrLst/>
+  </dgm:styleLbl>
+  <dgm:styleLbl name="trAlignAcc1">
+    <dgm:fillClrLst meth="repeat">
+      <a:schemeClr val="lt1">
+        <a:alpha val="40000"/>
+      </a:schemeClr>
+    </dgm:fillClrLst>
+    <dgm:linClrLst meth="repeat">
+      <a:schemeClr val="accent2"/>
+    </dgm:linClrLst>
+    <dgm:effectClrLst/>
+    <dgm:txLinClrLst/>
+    <dgm:txFillClrLst meth="repeat">
+      <a:schemeClr val="dk1"/>
+    </dgm:txFillClrLst>
+    <dgm:txEffectClrLst/>
+  </dgm:styleLbl>
+  <dgm:styleLbl name="bgAcc1">
+    <dgm:fillClrLst meth="repeat">
+      <a:schemeClr val="lt1">
+        <a:alpha val="90000"/>
+      </a:schemeClr>
+    </dgm:fillClrLst>
+    <dgm:linClrLst meth="repeat">
+      <a:schemeClr val="accent2"/>
+    </dgm:linClrLst>
+    <dgm:effectClrLst/>
+    <dgm:txLinClrLst/>
+    <dgm:txFillClrLst meth="repeat">
+      <a:schemeClr val="dk1"/>
+    </dgm:txFillClrLst>
+    <dgm:txEffectClrLst/>
+  </dgm:styleLbl>
+  <dgm:styleLbl name="solidFgAcc1">
+    <dgm:fillClrLst meth="repeat">
+      <a:schemeClr val="lt1"/>
+    </dgm:fillClrLst>
+    <dgm:linClrLst meth="repeat">
+      <a:schemeClr val="accent2"/>
+    </dgm:linClrLst>
+    <dgm:effectClrLst/>
+    <dgm:txLinClrLst/>
+    <dgm:txFillClrLst meth="repeat">
+      <a:schemeClr val="dk1"/>
+    </dgm:txFillClrLst>
+    <dgm:txEffectClrLst/>
+  </dgm:styleLbl>
+  <dgm:styleLbl name="solidAlignAcc1">
+    <dgm:fillClrLst meth="repeat">
+      <a:schemeClr val="lt1"/>
+    </dgm:fillClrLst>
+    <dgm:linClrLst meth="repeat">
+      <a:schemeClr val="accent2"/>
+    </dgm:linClrLst>
+    <dgm:effectClrLst/>
+    <dgm:txLinClrLst/>
+    <dgm:txFillClrLst meth="repeat">
+      <a:schemeClr val="dk1"/>
+    </dgm:txFillClrLst>
+    <dgm:txEffectClrLst/>
+  </dgm:styleLbl>
+  <dgm:styleLbl name="solidBgAcc1">
+    <dgm:fillClrLst meth="repeat">
+      <a:schemeClr val="lt1"/>
+    </dgm:fillClrLst>
+    <dgm:linClrLst meth="repeat">
+      <a:schemeClr val="accent2"/>
+    </dgm:linClrLst>
+    <dgm:effectClrLst/>
+    <dgm:txLinClrLst/>
+    <dgm:txFillClrLst meth="repeat">
+      <a:schemeClr val="dk1"/>
+    </dgm:txFillClrLst>
+    <dgm:txEffectClrLst/>
+  </dgm:styleLbl>
+  <dgm:styleLbl name="fgAccFollowNode1">
+    <dgm:fillClrLst meth="repeat">
+      <a:schemeClr val="accent2">
+        <a:alpha val="90000"/>
+        <a:tint val="40000"/>
+      </a:schemeClr>
+    </dgm:fillClrLst>
+    <dgm:linClrLst meth="repeat">
+      <a:schemeClr val="accent2">
+        <a:alpha val="90000"/>
+        <a:tint val="40000"/>
+      </a:schemeClr>
+    </dgm:linClrLst>
+    <dgm:effectClrLst/>
+    <dgm:txLinClrLst/>
+    <dgm:txFillClrLst meth="repeat">
+      <a:schemeClr val="dk1"/>
+    </dgm:txFillClrLst>
+    <dgm:txEffectClrLst/>
+  </dgm:styleLbl>
+  <dgm:styleLbl name="alignAccFollowNode1">
+    <dgm:fillClrLst meth="repeat">
+      <a:schemeClr val="accent2">
+        <a:alpha val="90000"/>
+        <a:tint val="40000"/>
+      </a:schemeClr>
+    </dgm:fillClrLst>
+    <dgm:linClrLst meth="repeat">
+      <a:schemeClr val="accent2">
+        <a:alpha val="90000"/>
+        <a:tint val="40000"/>
+      </a:schemeClr>
+    </dgm:linClrLst>
+    <dgm:effectClrLst/>
+    <dgm:txLinClrLst/>
+    <dgm:txFillClrLst meth="repeat">
+      <a:schemeClr val="dk1"/>
+    </dgm:txFillClrLst>
+    <dgm:txEffectClrLst/>
+  </dgm:styleLbl>
+  <dgm:styleLbl name="bgAccFollowNode1">
+    <dgm:fillClrLst meth="repeat">
+      <a:schemeClr val="accent2">
+        <a:alpha val="90000"/>
+        <a:tint val="40000"/>
+      </a:schemeClr>
+    </dgm:fillClrLst>
+    <dgm:linClrLst meth="repeat">
+      <a:schemeClr val="accent2">
+        <a:alpha val="90000"/>
+        <a:tint val="40000"/>
+      </a:schemeClr>
+    </dgm:linClrLst>
+    <dgm:effectClrLst/>
+    <dgm:txLinClrLst/>
+    <dgm:txFillClrLst meth="repeat">
+      <a:schemeClr val="dk1"/>
+    </dgm:txFillClrLst>
+    <dgm:txEffectClrLst/>
+  </dgm:styleLbl>
+  <dgm:styleLbl name="fgAcc0">
+    <dgm:fillClrLst meth="repeat">
+      <a:schemeClr val="lt1">
+        <a:alpha val="90000"/>
+      </a:schemeClr>
+    </dgm:fillClrLst>
+    <dgm:linClrLst meth="repeat">
+      <a:schemeClr val="accent2"/>
+    </dgm:linClrLst>
+    <dgm:effectClrLst/>
+    <dgm:txLinClrLst/>
+    <dgm:txFillClrLst meth="repeat">
+      <a:schemeClr val="dk1"/>
+    </dgm:txFillClrLst>
+    <dgm:txEffectClrLst/>
+  </dgm:styleLbl>
+  <dgm:styleLbl name="fgAcc2">
+    <dgm:fillClrLst meth="repeat">
+      <a:schemeClr val="lt1">
+        <a:alpha val="90000"/>
+      </a:schemeClr>
+    </dgm:fillClrLst>
+    <dgm:linClrLst meth="repeat">
+      <a:schemeClr val="accent2"/>
+    </dgm:linClrLst>
+    <dgm:effectClrLst/>
+    <dgm:txLinClrLst/>
+    <dgm:txFillClrLst meth="repeat">
+      <a:schemeClr val="dk1"/>
+    </dgm:txFillClrLst>
+    <dgm:txEffectClrLst/>
+  </dgm:styleLbl>
+  <dgm:styleLbl name="fgAcc3">
+    <dgm:fillClrLst meth="repeat">
+      <a:schemeClr val="lt1">
+        <a:alpha val="90000"/>
+      </a:schemeClr>
+    </dgm:fillClrLst>
+    <dgm:linClrLst meth="repeat">
+      <a:schemeClr val="accent2"/>
+    </dgm:linClrLst>
+    <dgm:effectClrLst/>
+    <dgm:txLinClrLst/>
+    <dgm:txFillClrLst meth="repeat">
+      <a:schemeClr val="dk1"/>
+    </dgm:txFillClrLst>
+    <dgm:txEffectClrLst/>
+  </dgm:styleLbl>
+  <dgm:styleLbl name="fgAcc4">
+    <dgm:fillClrLst meth="repeat">
+      <a:schemeClr val="lt1">
+        <a:alpha val="90000"/>
+      </a:schemeClr>
+    </dgm:fillClrLst>
+    <dgm:linClrLst meth="repeat">
+      <a:schemeClr val="accent2"/>
+    </dgm:linClrLst>
+    <dgm:effectClrLst/>
+    <dgm:txLinClrLst/>
+    <dgm:txFillClrLst meth="repeat">
+      <a:schemeClr val="dk1"/>
+    </dgm:txFillClrLst>
+    <dgm:txEffectClrLst/>
+  </dgm:styleLbl>
+  <dgm:styleLbl name="bgShp">
+    <dgm:fillClrLst meth="repeat">
+      <a:schemeClr val="accent2">
+        <a:tint val="40000"/>
+      </a:schemeClr>
+    </dgm:fillClrLst>
+    <dgm:linClrLst meth="repeat">
+      <a:schemeClr val="accent2"/>
+    </dgm:linClrLst>
+    <dgm:effectClrLst/>
+    <dgm:txLinClrLst/>
+    <dgm:txFillClrLst meth="repeat">
+      <a:schemeClr val="dk1"/>
+    </dgm:txFillClrLst>
+    <dgm:txEffectClrLst/>
+  </dgm:styleLbl>
+  <dgm:styleLbl name="dkBgShp">
+    <dgm:fillClrLst meth="repeat">
+      <a:schemeClr val="accent2">
+        <a:shade val="80000"/>
+      </a:schemeClr>
+    </dgm:fillClrLst>
+    <dgm:linClrLst meth="repeat">
+      <a:schemeClr val="accent2"/>
+    </dgm:linClrLst>
+    <dgm:effectClrLst/>
+    <dgm:txLinClrLst/>
+    <dgm:txFillClrLst meth="repeat">
+      <a:schemeClr val="lt1"/>
+    </dgm:txFillClrLst>
+    <dgm:txEffectClrLst/>
+  </dgm:styleLbl>
+  <dgm:styleLbl name="trBgShp">
+    <dgm:fillClrLst meth="repeat">
+      <a:schemeClr val="accent2">
+        <a:tint val="50000"/>
+        <a:alpha val="40000"/>
+      </a:schemeClr>
+    </dgm:fillClrLst>
+    <dgm:linClrLst meth="repeat">
+      <a:schemeClr val="accent2"/>
+    </dgm:linClrLst>
+    <dgm:effectClrLst/>
+    <dgm:txLinClrLst/>
+    <dgm:txFillClrLst meth="repeat">
+      <a:schemeClr val="lt1"/>
+    </dgm:txFillClrLst>
+    <dgm:txEffectClrLst/>
+  </dgm:styleLbl>
+  <dgm:styleLbl name="fgShp">
+    <dgm:fillClrLst meth="repeat">
+      <a:schemeClr val="accent2">
+        <a:tint val="60000"/>
+      </a:schemeClr>
+    </dgm:fillClrLst>
+    <dgm:linClrLst meth="repeat">
+      <a:schemeClr val="lt1"/>
+    </dgm:linClrLst>
+    <dgm:effectClrLst/>
+    <dgm:txLinClrLst/>
+    <dgm:txFillClrLst meth="repeat">
+      <a:schemeClr val="dk1"/>
+    </dgm:txFillClrLst>
+    <dgm:txEffectClrLst/>
+  </dgm:styleLbl>
+  <dgm:styleLbl name="revTx">
+    <dgm:fillClrLst meth="repeat">
+      <a:schemeClr val="lt1">
+        <a:alpha val="0"/>
+      </a:schemeClr>
+    </dgm:fillClrLst>
+    <dgm:linClrLst meth="repeat">
+      <a:schemeClr val="dk1">
+        <a:alpha val="0"/>
+      </a:schemeClr>
+    </dgm:linClrLst>
+    <dgm:effectClrLst/>
+    <dgm:txLinClrLst/>
+    <dgm:txFillClrLst meth="repeat">
+      <a:schemeClr val="tx1"/>
+    </dgm:txFillClrLst>
+    <dgm:txEffectClrLst/>
+  </dgm:styleLbl>
+</dgm:colorsDef>
+</file>
+
+<file path=ppt/diagrams/data1.xml><?xml version="1.0" encoding="utf-8"?>
+<dgm:dataModel xmlns:dgm="http://schemas.openxmlformats.org/drawingml/2006/diagram" xmlns:a="http://schemas.openxmlformats.org/drawingml/2006/main">
+  <dgm:ptLst>
+    <dgm:pt modelId="{0FB2FB3D-2ECD-4B91-9F49-E0C204573BA9}" type="doc">
+      <dgm:prSet loTypeId="urn:microsoft.com/office/officeart/2005/8/layout/vList2" loCatId="list" qsTypeId="urn:microsoft.com/office/officeart/2005/8/quickstyle/simple5" qsCatId="simple" csTypeId="urn:microsoft.com/office/officeart/2005/8/colors/accent2_2" csCatId="accent2"/>
+      <dgm:spPr/>
+      <dgm:t>
+        <a:bodyPr/>
+        <a:lstStyle/>
+        <a:p>
+          <a:endParaRPr lang="en-US"/>
+        </a:p>
+      </dgm:t>
+    </dgm:pt>
+    <dgm:pt modelId="{171C1037-9DED-41E6-9541-5849335642C8}">
+      <dgm:prSet custT="1"/>
+      <dgm:spPr/>
+      <dgm:t>
+        <a:bodyPr/>
+        <a:lstStyle/>
+        <a:p>
+          <a:r>
+            <a:rPr lang="en-AU" sz="3000" kern="1200" spc="-100" baseline="0" dirty="0">
+              <a:solidFill>
+                <a:schemeClr val="tx1"/>
+              </a:solidFill>
+              <a:latin typeface="Batang" panose="02030600000101010101" pitchFamily="18" charset="-127"/>
+              <a:ea typeface="Batang" panose="02030600000101010101" pitchFamily="18" charset="-127"/>
+              <a:cs typeface="+mj-cs"/>
+            </a:rPr>
+            <a:t>Conclusion</a:t>
+          </a:r>
+          <a:endParaRPr lang="en-US" sz="3000" kern="1200" spc="-100" baseline="0" dirty="0">
+            <a:solidFill>
+              <a:schemeClr val="tx1"/>
+            </a:solidFill>
+            <a:latin typeface="Batang" panose="02030600000101010101" pitchFamily="18" charset="-127"/>
+            <a:ea typeface="Batang" panose="02030600000101010101" pitchFamily="18" charset="-127"/>
+            <a:cs typeface="+mj-cs"/>
+          </a:endParaRPr>
+        </a:p>
+      </dgm:t>
+    </dgm:pt>
+    <dgm:pt modelId="{6A526BD7-04BE-4B4C-8890-67DDB362FA14}" type="parTrans" cxnId="{FF0C09B9-C939-4F8E-B9D6-58BB54AB4AA4}">
+      <dgm:prSet/>
+      <dgm:spPr/>
+      <dgm:t>
+        <a:bodyPr/>
+        <a:lstStyle/>
+        <a:p>
+          <a:endParaRPr lang="en-US"/>
+        </a:p>
+      </dgm:t>
+    </dgm:pt>
+    <dgm:pt modelId="{FE0B6061-628E-4BFD-99E3-2669D06425A9}" type="sibTrans" cxnId="{FF0C09B9-C939-4F8E-B9D6-58BB54AB4AA4}">
+      <dgm:prSet/>
+      <dgm:spPr/>
+      <dgm:t>
+        <a:bodyPr/>
+        <a:lstStyle/>
+        <a:p>
+          <a:endParaRPr lang="en-US"/>
+        </a:p>
+      </dgm:t>
+    </dgm:pt>
+    <dgm:pt modelId="{641D2804-3353-4469-8E51-D7A46691546E}">
+      <dgm:prSet custT="1"/>
+      <dgm:spPr/>
+      <dgm:t>
+        <a:bodyPr/>
+        <a:lstStyle/>
+        <a:p>
+          <a:r>
+            <a:rPr lang="en-AU" sz="3000" kern="1200" spc="-100" baseline="0" dirty="0">
+              <a:solidFill>
+                <a:schemeClr val="tx1"/>
+              </a:solidFill>
+              <a:latin typeface="Batang" panose="02030600000101010101" pitchFamily="18" charset="-127"/>
+              <a:ea typeface="Batang" panose="02030600000101010101" pitchFamily="18" charset="-127"/>
+              <a:cs typeface="+mj-cs"/>
+            </a:rPr>
+            <a:t>Results</a:t>
+          </a:r>
+          <a:endParaRPr lang="en-US" sz="3000" kern="1200" spc="-100" baseline="0" dirty="0">
+            <a:solidFill>
+              <a:schemeClr val="tx1"/>
+            </a:solidFill>
+            <a:latin typeface="Batang" panose="02030600000101010101" pitchFamily="18" charset="-127"/>
+            <a:ea typeface="Batang" panose="02030600000101010101" pitchFamily="18" charset="-127"/>
+            <a:cs typeface="+mj-cs"/>
+          </a:endParaRPr>
+        </a:p>
+      </dgm:t>
+    </dgm:pt>
+    <dgm:pt modelId="{321BCD36-3803-4154-9C5D-02861BF6A4CC}" type="sibTrans" cxnId="{73472FB1-DAA0-4B28-BAEF-6564B60C4855}">
+      <dgm:prSet/>
+      <dgm:spPr/>
+      <dgm:t>
+        <a:bodyPr/>
+        <a:lstStyle/>
+        <a:p>
+          <a:endParaRPr lang="en-US"/>
+        </a:p>
+      </dgm:t>
+    </dgm:pt>
+    <dgm:pt modelId="{1EAB9EE7-AEC6-469A-958D-DE40CA63AD71}" type="parTrans" cxnId="{73472FB1-DAA0-4B28-BAEF-6564B60C4855}">
+      <dgm:prSet/>
+      <dgm:spPr/>
+      <dgm:t>
+        <a:bodyPr/>
+        <a:lstStyle/>
+        <a:p>
+          <a:endParaRPr lang="en-US"/>
+        </a:p>
+      </dgm:t>
+    </dgm:pt>
+    <dgm:pt modelId="{B4DE6D4E-5A4B-42A7-8AA7-B7781767279E}">
+      <dgm:prSet custT="1"/>
+      <dgm:spPr/>
+      <dgm:t>
+        <a:bodyPr/>
+        <a:lstStyle/>
+        <a:p>
+          <a:r>
+            <a:rPr lang="en-AU" sz="3000" kern="1200" spc="-100" baseline="0" dirty="0">
+              <a:solidFill>
+                <a:schemeClr val="tx1"/>
+              </a:solidFill>
+              <a:latin typeface="Batang" panose="02030600000101010101" pitchFamily="18" charset="-127"/>
+              <a:ea typeface="Batang" panose="02030600000101010101" pitchFamily="18" charset="-127"/>
+              <a:cs typeface="+mj-cs"/>
+            </a:rPr>
+            <a:t>Assumptions</a:t>
+          </a:r>
+          <a:endParaRPr lang="en-US" sz="3000" kern="1200" spc="-100" baseline="0" dirty="0">
+            <a:solidFill>
+              <a:schemeClr val="tx1"/>
+            </a:solidFill>
+            <a:latin typeface="Batang" panose="02030600000101010101" pitchFamily="18" charset="-127"/>
+            <a:ea typeface="Batang" panose="02030600000101010101" pitchFamily="18" charset="-127"/>
+            <a:cs typeface="+mj-cs"/>
+          </a:endParaRPr>
+        </a:p>
+      </dgm:t>
+    </dgm:pt>
+    <dgm:pt modelId="{D1F66344-0AF2-4367-B071-F13FCB1A65CB}" type="sibTrans" cxnId="{7F996FB6-4BC3-4BBC-AD91-E7CF8C8E3773}">
+      <dgm:prSet/>
+      <dgm:spPr/>
+      <dgm:t>
+        <a:bodyPr/>
+        <a:lstStyle/>
+        <a:p>
+          <a:endParaRPr lang="en-US"/>
+        </a:p>
+      </dgm:t>
+    </dgm:pt>
+    <dgm:pt modelId="{37958340-7C4B-401B-92B4-0B1FBE3062F3}" type="parTrans" cxnId="{7F996FB6-4BC3-4BBC-AD91-E7CF8C8E3773}">
+      <dgm:prSet/>
+      <dgm:spPr/>
+      <dgm:t>
+        <a:bodyPr/>
+        <a:lstStyle/>
+        <a:p>
+          <a:endParaRPr lang="en-US"/>
+        </a:p>
+      </dgm:t>
+    </dgm:pt>
+    <dgm:pt modelId="{956FF50E-93F7-4E87-9E4F-9347B7D9341A}">
+      <dgm:prSet custT="1"/>
+      <dgm:spPr/>
+      <dgm:t>
+        <a:bodyPr/>
+        <a:lstStyle/>
+        <a:p>
+          <a:r>
+            <a:rPr lang="en-AU" sz="3000" kern="1200" spc="-100" baseline="0" dirty="0">
+              <a:solidFill>
+                <a:schemeClr val="tx1"/>
+              </a:solidFill>
+              <a:latin typeface="Batang" panose="02030600000101010101" pitchFamily="18" charset="-127"/>
+              <a:ea typeface="Batang" panose="02030600000101010101" pitchFamily="18" charset="-127"/>
+              <a:cs typeface="+mj-cs"/>
+            </a:rPr>
+            <a:t>Hypothesis Testing</a:t>
+          </a:r>
+          <a:endParaRPr lang="en-US" sz="3000" kern="1200" spc="-100" baseline="0" dirty="0">
+            <a:solidFill>
+              <a:schemeClr val="tx1"/>
+            </a:solidFill>
+            <a:latin typeface="Batang" panose="02030600000101010101" pitchFamily="18" charset="-127"/>
+            <a:ea typeface="Batang" panose="02030600000101010101" pitchFamily="18" charset="-127"/>
+            <a:cs typeface="+mj-cs"/>
+          </a:endParaRPr>
+        </a:p>
+      </dgm:t>
+    </dgm:pt>
+    <dgm:pt modelId="{68B3C6FF-6521-4083-A6A8-CC95C0CAEBA5}" type="sibTrans" cxnId="{C8E6FBDA-377A-4FC6-8AD2-2BB057845DC2}">
+      <dgm:prSet/>
+      <dgm:spPr/>
+      <dgm:t>
+        <a:bodyPr/>
+        <a:lstStyle/>
+        <a:p>
+          <a:endParaRPr lang="en-US"/>
+        </a:p>
+      </dgm:t>
+    </dgm:pt>
+    <dgm:pt modelId="{5456347D-DC0B-460F-BC8A-0823D70C0181}" type="parTrans" cxnId="{C8E6FBDA-377A-4FC6-8AD2-2BB057845DC2}">
+      <dgm:prSet/>
+      <dgm:spPr/>
+      <dgm:t>
+        <a:bodyPr/>
+        <a:lstStyle/>
+        <a:p>
+          <a:endParaRPr lang="en-US"/>
+        </a:p>
+      </dgm:t>
+    </dgm:pt>
+    <dgm:pt modelId="{3466A4FC-B2C8-4C96-B2C6-856911ABAB9A}">
+      <dgm:prSet/>
+      <dgm:spPr/>
+      <dgm:t>
+        <a:bodyPr/>
+        <a:lstStyle/>
+        <a:p>
+          <a:r>
+            <a:rPr lang="en-AU" dirty="0"/>
+            <a:t>T-Test</a:t>
+          </a:r>
+          <a:endParaRPr lang="en-US" dirty="0"/>
+        </a:p>
+      </dgm:t>
+    </dgm:pt>
+    <dgm:pt modelId="{7E5876FF-347D-4561-9D52-80A674E93C4D}" type="sibTrans" cxnId="{82F7F3F5-948B-48AB-901E-3580C87AA4A9}">
+      <dgm:prSet/>
+      <dgm:spPr/>
+      <dgm:t>
+        <a:bodyPr/>
+        <a:lstStyle/>
+        <a:p>
+          <a:endParaRPr lang="en-US"/>
+        </a:p>
+      </dgm:t>
+    </dgm:pt>
+    <dgm:pt modelId="{CD4F7598-2D9C-479E-A89D-35134EB8529C}" type="parTrans" cxnId="{82F7F3F5-948B-48AB-901E-3580C87AA4A9}">
+      <dgm:prSet/>
+      <dgm:spPr/>
+      <dgm:t>
+        <a:bodyPr/>
+        <a:lstStyle/>
+        <a:p>
+          <a:endParaRPr lang="en-US"/>
+        </a:p>
+      </dgm:t>
+    </dgm:pt>
+    <dgm:pt modelId="{84DCD566-A3AA-804F-BF3E-183CB1123DCB}" type="pres">
+      <dgm:prSet presAssocID="{0FB2FB3D-2ECD-4B91-9F49-E0C204573BA9}" presName="linear" presStyleCnt="0">
+        <dgm:presLayoutVars>
+          <dgm:animLvl val="lvl"/>
+          <dgm:resizeHandles val="exact"/>
+        </dgm:presLayoutVars>
+      </dgm:prSet>
+      <dgm:spPr/>
+    </dgm:pt>
+    <dgm:pt modelId="{527F7773-47D3-254B-A871-478DA47DD286}" type="pres">
+      <dgm:prSet presAssocID="{3466A4FC-B2C8-4C96-B2C6-856911ABAB9A}" presName="parentText" presStyleLbl="node1" presStyleIdx="0" presStyleCnt="1">
+        <dgm:presLayoutVars>
+          <dgm:chMax val="0"/>
+          <dgm:bulletEnabled val="1"/>
+        </dgm:presLayoutVars>
+      </dgm:prSet>
+      <dgm:spPr/>
+    </dgm:pt>
+    <dgm:pt modelId="{DBEB7610-2B53-FF44-BDEF-956BBEE3B1DA}" type="pres">
+      <dgm:prSet presAssocID="{3466A4FC-B2C8-4C96-B2C6-856911ABAB9A}" presName="childText" presStyleLbl="revTx" presStyleIdx="0" presStyleCnt="1">
+        <dgm:presLayoutVars>
+          <dgm:bulletEnabled val="1"/>
+        </dgm:presLayoutVars>
+      </dgm:prSet>
+      <dgm:spPr/>
+    </dgm:pt>
+  </dgm:ptLst>
+  <dgm:cxnLst>
+    <dgm:cxn modelId="{669B8C40-F3B6-6B4A-8DFC-FB5CB961B7BB}" type="presOf" srcId="{171C1037-9DED-41E6-9541-5849335642C8}" destId="{DBEB7610-2B53-FF44-BDEF-956BBEE3B1DA}" srcOrd="0" destOrd="3" presId="urn:microsoft.com/office/officeart/2005/8/layout/vList2"/>
+    <dgm:cxn modelId="{592F5470-EC0E-324D-8B54-556E604E8D38}" type="presOf" srcId="{956FF50E-93F7-4E87-9E4F-9347B7D9341A}" destId="{DBEB7610-2B53-FF44-BDEF-956BBEE3B1DA}" srcOrd="0" destOrd="0" presId="urn:microsoft.com/office/officeart/2005/8/layout/vList2"/>
+    <dgm:cxn modelId="{6F5EDC80-1F81-ED43-8349-F171EC2AEF71}" type="presOf" srcId="{0FB2FB3D-2ECD-4B91-9F49-E0C204573BA9}" destId="{84DCD566-A3AA-804F-BF3E-183CB1123DCB}" srcOrd="0" destOrd="0" presId="urn:microsoft.com/office/officeart/2005/8/layout/vList2"/>
+    <dgm:cxn modelId="{894CE699-BBBD-CB4A-BF64-6C69DC76BB0B}" type="presOf" srcId="{3466A4FC-B2C8-4C96-B2C6-856911ABAB9A}" destId="{527F7773-47D3-254B-A871-478DA47DD286}" srcOrd="0" destOrd="0" presId="urn:microsoft.com/office/officeart/2005/8/layout/vList2"/>
+    <dgm:cxn modelId="{73472FB1-DAA0-4B28-BAEF-6564B60C4855}" srcId="{3466A4FC-B2C8-4C96-B2C6-856911ABAB9A}" destId="{641D2804-3353-4469-8E51-D7A46691546E}" srcOrd="2" destOrd="0" parTransId="{1EAB9EE7-AEC6-469A-958D-DE40CA63AD71}" sibTransId="{321BCD36-3803-4154-9C5D-02861BF6A4CC}"/>
+    <dgm:cxn modelId="{7F996FB6-4BC3-4BBC-AD91-E7CF8C8E3773}" srcId="{3466A4FC-B2C8-4C96-B2C6-856911ABAB9A}" destId="{B4DE6D4E-5A4B-42A7-8AA7-B7781767279E}" srcOrd="1" destOrd="0" parTransId="{37958340-7C4B-401B-92B4-0B1FBE3062F3}" sibTransId="{D1F66344-0AF2-4367-B071-F13FCB1A65CB}"/>
+    <dgm:cxn modelId="{FF0C09B9-C939-4F8E-B9D6-58BB54AB4AA4}" srcId="{3466A4FC-B2C8-4C96-B2C6-856911ABAB9A}" destId="{171C1037-9DED-41E6-9541-5849335642C8}" srcOrd="3" destOrd="0" parTransId="{6A526BD7-04BE-4B4C-8890-67DDB362FA14}" sibTransId="{FE0B6061-628E-4BFD-99E3-2669D06425A9}"/>
+    <dgm:cxn modelId="{9A4C32D1-C6FB-7844-8619-CE514C108BA7}" type="presOf" srcId="{B4DE6D4E-5A4B-42A7-8AA7-B7781767279E}" destId="{DBEB7610-2B53-FF44-BDEF-956BBEE3B1DA}" srcOrd="0" destOrd="1" presId="urn:microsoft.com/office/officeart/2005/8/layout/vList2"/>
+    <dgm:cxn modelId="{C8E6FBDA-377A-4FC6-8AD2-2BB057845DC2}" srcId="{3466A4FC-B2C8-4C96-B2C6-856911ABAB9A}" destId="{956FF50E-93F7-4E87-9E4F-9347B7D9341A}" srcOrd="0" destOrd="0" parTransId="{5456347D-DC0B-460F-BC8A-0823D70C0181}" sibTransId="{68B3C6FF-6521-4083-A6A8-CC95C0CAEBA5}"/>
+    <dgm:cxn modelId="{82F7F3F5-948B-48AB-901E-3580C87AA4A9}" srcId="{0FB2FB3D-2ECD-4B91-9F49-E0C204573BA9}" destId="{3466A4FC-B2C8-4C96-B2C6-856911ABAB9A}" srcOrd="0" destOrd="0" parTransId="{CD4F7598-2D9C-479E-A89D-35134EB8529C}" sibTransId="{7E5876FF-347D-4561-9D52-80A674E93C4D}"/>
+    <dgm:cxn modelId="{08FA73FE-167B-134B-95A3-02E38ED81F70}" type="presOf" srcId="{641D2804-3353-4469-8E51-D7A46691546E}" destId="{DBEB7610-2B53-FF44-BDEF-956BBEE3B1DA}" srcOrd="0" destOrd="2" presId="urn:microsoft.com/office/officeart/2005/8/layout/vList2"/>
+    <dgm:cxn modelId="{86B999C4-0C43-AD4E-9C63-6451E8DC4D0A}" type="presParOf" srcId="{84DCD566-A3AA-804F-BF3E-183CB1123DCB}" destId="{527F7773-47D3-254B-A871-478DA47DD286}" srcOrd="0" destOrd="0" presId="urn:microsoft.com/office/officeart/2005/8/layout/vList2"/>
+    <dgm:cxn modelId="{521AC889-EE2B-994A-8918-8C6BFAB3174E}" type="presParOf" srcId="{84DCD566-A3AA-804F-BF3E-183CB1123DCB}" destId="{DBEB7610-2B53-FF44-BDEF-956BBEE3B1DA}" srcOrd="1" destOrd="0" presId="urn:microsoft.com/office/officeart/2005/8/layout/vList2"/>
+  </dgm:cxnLst>
+  <dgm:bg/>
+  <dgm:whole/>
+  <dgm:extLst>
+    <a:ext uri="http://schemas.microsoft.com/office/drawing/2008/diagram">
+      <dsp:dataModelExt xmlns:dsp="http://schemas.microsoft.com/office/drawing/2008/diagram" relId="rId6" minVer="http://schemas.openxmlformats.org/drawingml/2006/diagram"/>
+    </a:ext>
+  </dgm:extLst>
+</dgm:dataModel>
+</file>
+
+<file path=ppt/diagrams/drawing1.xml><?xml version="1.0" encoding="utf-8"?>
+<dsp:drawing xmlns:dgm="http://schemas.openxmlformats.org/drawingml/2006/diagram" xmlns:dsp="http://schemas.microsoft.com/office/drawing/2008/diagram" xmlns:a="http://schemas.openxmlformats.org/drawingml/2006/main">
+  <dsp:spTree>
+    <dsp:nvGrpSpPr>
+      <dsp:cNvPr id="0" name=""/>
+      <dsp:cNvGrpSpPr/>
+    </dsp:nvGrpSpPr>
+    <dsp:grpSpPr/>
+    <dsp:sp modelId="{527F7773-47D3-254B-A871-478DA47DD286}">
+      <dsp:nvSpPr>
+        <dsp:cNvPr id="0" name=""/>
+        <dsp:cNvSpPr/>
+      </dsp:nvSpPr>
+      <dsp:spPr>
+        <a:xfrm>
+          <a:off x="0" y="621254"/>
+          <a:ext cx="6699544" cy="1559025"/>
+        </a:xfrm>
+        <a:prstGeom prst="roundRect">
+          <a:avLst/>
+        </a:prstGeom>
+        <a:gradFill rotWithShape="0">
+          <a:gsLst>
+            <a:gs pos="0">
+              <a:schemeClr val="accent2">
+                <a:hueOff val="0"/>
+                <a:satOff val="0"/>
+                <a:lumOff val="0"/>
+                <a:alphaOff val="0"/>
+                <a:satMod val="103000"/>
+                <a:lumMod val="102000"/>
+                <a:tint val="94000"/>
+              </a:schemeClr>
+            </a:gs>
+            <a:gs pos="50000">
+              <a:schemeClr val="accent2">
+                <a:hueOff val="0"/>
+                <a:satOff val="0"/>
+                <a:lumOff val="0"/>
+                <a:alphaOff val="0"/>
+                <a:satMod val="110000"/>
+                <a:lumMod val="100000"/>
+                <a:shade val="100000"/>
+              </a:schemeClr>
+            </a:gs>
+            <a:gs pos="100000">
+              <a:schemeClr val="accent2">
+                <a:hueOff val="0"/>
+                <a:satOff val="0"/>
+                <a:lumOff val="0"/>
+                <a:alphaOff val="0"/>
+                <a:lumMod val="99000"/>
+                <a:satMod val="120000"/>
+                <a:shade val="78000"/>
+              </a:schemeClr>
+            </a:gs>
+          </a:gsLst>
+          <a:lin ang="5400000" scaled="0"/>
+        </a:gradFill>
+        <a:ln>
+          <a:noFill/>
+        </a:ln>
+        <a:effectLst>
+          <a:outerShdw blurRad="57150" dist="19050" dir="5400000" algn="ctr" rotWithShape="0">
+            <a:srgbClr val="000000">
+              <a:alpha val="63000"/>
+            </a:srgbClr>
+          </a:outerShdw>
+        </a:effectLst>
+      </dsp:spPr>
+      <dsp:style>
+        <a:lnRef idx="0">
+          <a:scrgbClr r="0" g="0" b="0"/>
+        </a:lnRef>
+        <a:fillRef idx="3">
+          <a:scrgbClr r="0" g="0" b="0"/>
+        </a:fillRef>
+        <a:effectRef idx="3">
+          <a:scrgbClr r="0" g="0" b="0"/>
+        </a:effectRef>
+        <a:fontRef idx="minor">
+          <a:schemeClr val="lt1"/>
+        </a:fontRef>
+      </dsp:style>
+      <dsp:txBody>
+        <a:bodyPr spcFirstLastPara="0" vert="horz" wrap="square" lIns="247650" tIns="247650" rIns="247650" bIns="247650" numCol="1" spcCol="1270" anchor="ctr" anchorCtr="0">
+          <a:noAutofit/>
+        </a:bodyPr>
+        <a:lstStyle/>
+        <a:p>
+          <a:pPr marL="0" lvl="0" indent="0" algn="l" defTabSz="2889250">
+            <a:lnSpc>
+              <a:spcPct val="90000"/>
+            </a:lnSpc>
+            <a:spcBef>
+              <a:spcPct val="0"/>
+            </a:spcBef>
+            <a:spcAft>
+              <a:spcPct val="35000"/>
+            </a:spcAft>
+            <a:buNone/>
+          </a:pPr>
+          <a:r>
+            <a:rPr lang="en-AU" sz="6500" kern="1200" dirty="0"/>
+            <a:t>T-Test</a:t>
+          </a:r>
+          <a:endParaRPr lang="en-US" sz="6500" kern="1200" dirty="0"/>
+        </a:p>
+      </dsp:txBody>
+      <dsp:txXfrm>
+        <a:off x="76105" y="697359"/>
+        <a:ext cx="6547334" cy="1406815"/>
+      </dsp:txXfrm>
+    </dsp:sp>
+    <dsp:sp modelId="{DBEB7610-2B53-FF44-BDEF-956BBEE3B1DA}">
+      <dsp:nvSpPr>
+        <dsp:cNvPr id="0" name=""/>
+        <dsp:cNvSpPr/>
+      </dsp:nvSpPr>
+      <dsp:spPr>
+        <a:xfrm>
+          <a:off x="0" y="2180279"/>
+          <a:ext cx="6699544" cy="2220075"/>
+        </a:xfrm>
+        <a:prstGeom prst="rect">
+          <a:avLst/>
+        </a:prstGeom>
+        <a:noFill/>
+        <a:ln>
+          <a:noFill/>
+        </a:ln>
+        <a:effectLst/>
+      </dsp:spPr>
+      <dsp:style>
+        <a:lnRef idx="0">
+          <a:scrgbClr r="0" g="0" b="0"/>
+        </a:lnRef>
+        <a:fillRef idx="0">
+          <a:scrgbClr r="0" g="0" b="0"/>
+        </a:fillRef>
+        <a:effectRef idx="0">
+          <a:scrgbClr r="0" g="0" b="0"/>
+        </a:effectRef>
+        <a:fontRef idx="minor"/>
+      </dsp:style>
+      <dsp:txBody>
+        <a:bodyPr spcFirstLastPara="0" vert="horz" wrap="square" lIns="212711" tIns="38100" rIns="213360" bIns="38100" numCol="1" spcCol="1270" anchor="t" anchorCtr="0">
+          <a:noAutofit/>
+        </a:bodyPr>
+        <a:lstStyle/>
+        <a:p>
+          <a:pPr marL="285750" lvl="1" indent="-285750" algn="l" defTabSz="1333500">
+            <a:lnSpc>
+              <a:spcPct val="90000"/>
+            </a:lnSpc>
+            <a:spcBef>
+              <a:spcPct val="0"/>
+            </a:spcBef>
+            <a:spcAft>
+              <a:spcPct val="20000"/>
+            </a:spcAft>
+            <a:buChar char="•"/>
+          </a:pPr>
+          <a:r>
+            <a:rPr lang="en-AU" sz="3000" kern="1200" spc="-100" baseline="0" dirty="0">
+              <a:solidFill>
+                <a:schemeClr val="tx1"/>
+              </a:solidFill>
+              <a:latin typeface="Batang" panose="02030600000101010101" pitchFamily="18" charset="-127"/>
+              <a:ea typeface="Batang" panose="02030600000101010101" pitchFamily="18" charset="-127"/>
+              <a:cs typeface="+mj-cs"/>
+            </a:rPr>
+            <a:t>Hypothesis Testing</a:t>
+          </a:r>
+          <a:endParaRPr lang="en-US" sz="3000" kern="1200" spc="-100" baseline="0" dirty="0">
+            <a:solidFill>
+              <a:schemeClr val="tx1"/>
+            </a:solidFill>
+            <a:latin typeface="Batang" panose="02030600000101010101" pitchFamily="18" charset="-127"/>
+            <a:ea typeface="Batang" panose="02030600000101010101" pitchFamily="18" charset="-127"/>
+            <a:cs typeface="+mj-cs"/>
+          </a:endParaRPr>
+        </a:p>
+        <a:p>
+          <a:pPr marL="285750" lvl="1" indent="-285750" algn="l" defTabSz="1333500">
+            <a:lnSpc>
+              <a:spcPct val="90000"/>
+            </a:lnSpc>
+            <a:spcBef>
+              <a:spcPct val="0"/>
+            </a:spcBef>
+            <a:spcAft>
+              <a:spcPct val="20000"/>
+            </a:spcAft>
+            <a:buChar char="•"/>
+          </a:pPr>
+          <a:r>
+            <a:rPr lang="en-AU" sz="3000" kern="1200" spc="-100" baseline="0" dirty="0">
+              <a:solidFill>
+                <a:schemeClr val="tx1"/>
+              </a:solidFill>
+              <a:latin typeface="Batang" panose="02030600000101010101" pitchFamily="18" charset="-127"/>
+              <a:ea typeface="Batang" panose="02030600000101010101" pitchFamily="18" charset="-127"/>
+              <a:cs typeface="+mj-cs"/>
+            </a:rPr>
+            <a:t>Assumptions</a:t>
+          </a:r>
+          <a:endParaRPr lang="en-US" sz="3000" kern="1200" spc="-100" baseline="0" dirty="0">
+            <a:solidFill>
+              <a:schemeClr val="tx1"/>
+            </a:solidFill>
+            <a:latin typeface="Batang" panose="02030600000101010101" pitchFamily="18" charset="-127"/>
+            <a:ea typeface="Batang" panose="02030600000101010101" pitchFamily="18" charset="-127"/>
+            <a:cs typeface="+mj-cs"/>
+          </a:endParaRPr>
+        </a:p>
+        <a:p>
+          <a:pPr marL="285750" lvl="1" indent="-285750" algn="l" defTabSz="1333500">
+            <a:lnSpc>
+              <a:spcPct val="90000"/>
+            </a:lnSpc>
+            <a:spcBef>
+              <a:spcPct val="0"/>
+            </a:spcBef>
+            <a:spcAft>
+              <a:spcPct val="20000"/>
+            </a:spcAft>
+            <a:buChar char="•"/>
+          </a:pPr>
+          <a:r>
+            <a:rPr lang="en-AU" sz="3000" kern="1200" spc="-100" baseline="0" dirty="0">
+              <a:solidFill>
+                <a:schemeClr val="tx1"/>
+              </a:solidFill>
+              <a:latin typeface="Batang" panose="02030600000101010101" pitchFamily="18" charset="-127"/>
+              <a:ea typeface="Batang" panose="02030600000101010101" pitchFamily="18" charset="-127"/>
+              <a:cs typeface="+mj-cs"/>
+            </a:rPr>
+            <a:t>Results</a:t>
+          </a:r>
+          <a:endParaRPr lang="en-US" sz="3000" kern="1200" spc="-100" baseline="0" dirty="0">
+            <a:solidFill>
+              <a:schemeClr val="tx1"/>
+            </a:solidFill>
+            <a:latin typeface="Batang" panose="02030600000101010101" pitchFamily="18" charset="-127"/>
+            <a:ea typeface="Batang" panose="02030600000101010101" pitchFamily="18" charset="-127"/>
+            <a:cs typeface="+mj-cs"/>
+          </a:endParaRPr>
+        </a:p>
+        <a:p>
+          <a:pPr marL="285750" lvl="1" indent="-285750" algn="l" defTabSz="1333500">
+            <a:lnSpc>
+              <a:spcPct val="90000"/>
+            </a:lnSpc>
+            <a:spcBef>
+              <a:spcPct val="0"/>
+            </a:spcBef>
+            <a:spcAft>
+              <a:spcPct val="20000"/>
+            </a:spcAft>
+            <a:buChar char="•"/>
+          </a:pPr>
+          <a:r>
+            <a:rPr lang="en-AU" sz="3000" kern="1200" spc="-100" baseline="0" dirty="0">
+              <a:solidFill>
+                <a:schemeClr val="tx1"/>
+              </a:solidFill>
+              <a:latin typeface="Batang" panose="02030600000101010101" pitchFamily="18" charset="-127"/>
+              <a:ea typeface="Batang" panose="02030600000101010101" pitchFamily="18" charset="-127"/>
+              <a:cs typeface="+mj-cs"/>
+            </a:rPr>
+            <a:t>Conclusion</a:t>
+          </a:r>
+          <a:endParaRPr lang="en-US" sz="3000" kern="1200" spc="-100" baseline="0" dirty="0">
+            <a:solidFill>
+              <a:schemeClr val="tx1"/>
+            </a:solidFill>
+            <a:latin typeface="Batang" panose="02030600000101010101" pitchFamily="18" charset="-127"/>
+            <a:ea typeface="Batang" panose="02030600000101010101" pitchFamily="18" charset="-127"/>
+            <a:cs typeface="+mj-cs"/>
+          </a:endParaRPr>
+        </a:p>
+      </dsp:txBody>
+      <dsp:txXfrm>
+        <a:off x="0" y="2180279"/>
+        <a:ext cx="6699544" cy="2220075"/>
+      </dsp:txXfrm>
+    </dsp:sp>
+  </dsp:spTree>
+</dsp:drawing>
+</file>
+
+<file path=ppt/diagrams/layout1.xml><?xml version="1.0" encoding="utf-8"?>
+<dgm:layoutDef xmlns:dgm="http://schemas.openxmlformats.org/drawingml/2006/diagram" xmlns:a="http://schemas.openxmlformats.org/drawingml/2006/main" uniqueId="urn:microsoft.com/office/officeart/2005/8/layout/vList2">
+  <dgm:title val=""/>
+  <dgm:desc val=""/>
+  <dgm:catLst>
+    <dgm:cat type="list" pri="3000"/>
+    <dgm:cat type="convert" pri="1000"/>
+  </dgm:catLst>
+  <dgm:sampData>
+    <dgm:dataModel>
+      <dgm:ptLst>
+        <dgm:pt modelId="0" type="doc"/>
+        <dgm:pt modelId="1">
+          <dgm:prSet phldr="1"/>
+        </dgm:pt>
+        <dgm:pt modelId="11">
+          <dgm:prSet phldr="1"/>
+        </dgm:pt>
+        <dgm:pt modelId="2">
+          <dgm:prSet phldr="1"/>
+        </dgm:pt>
+        <dgm:pt modelId="21">
+          <dgm:prSet phldr="1"/>
+        </dgm:pt>
+      </dgm:ptLst>
+      <dgm:cxnLst>
+        <dgm:cxn modelId="4" srcId="0" destId="1" srcOrd="0" destOrd="0"/>
+        <dgm:cxn modelId="5" srcId="0" destId="2" srcOrd="1" destOrd="0"/>
+        <dgm:cxn modelId="12" srcId="1" destId="11" srcOrd="0" destOrd="0"/>
+        <dgm:cxn modelId="23" srcId="2" destId="21" srcOrd="0" destOrd="0"/>
+      </dgm:cxnLst>
+      <dgm:bg/>
+      <dgm:whole/>
+    </dgm:dataModel>
+  </dgm:sampData>
+  <dgm:styleData>
+    <dgm:dataModel>
+      <dgm:ptLst>
+        <dgm:pt modelId="0" type="doc"/>
+        <dgm:pt modelId="1"/>
+        <dgm:pt modelId="2"/>
+      </dgm:ptLst>
+      <dgm:cxnLst>
+        <dgm:cxn modelId="3" srcId="0" destId="1" srcOrd="0" destOrd="0"/>
+        <dgm:cxn modelId="4" srcId="0" destId="2" srcOrd="1" destOrd="0"/>
+      </dgm:cxnLst>
+      <dgm:bg/>
+      <dgm:whole/>
+    </dgm:dataModel>
+  </dgm:styleData>
+  <dgm:clrData>
+    <dgm:dataModel>
+      <dgm:ptLst>
+        <dgm:pt modelId="0" type="doc"/>
+        <dgm:pt modelId="1"/>
+        <dgm:pt modelId="2"/>
+        <dgm:pt modelId="3"/>
+        <dgm:pt modelId="4"/>
+      </dgm:ptLst>
+      <dgm:cxnLst>
+        <dgm:cxn modelId="5" srcId="0" destId="1" srcOrd="0" destOrd="0"/>
+        <dgm:cxn modelId="6" srcId="0" destId="2" srcOrd="1" destOrd="0"/>
+        <dgm:cxn modelId="7" srcId="0" destId="3" srcOrd="2" destOrd="0"/>
+        <dgm:cxn modelId="8" srcId="0" destId="4" srcOrd="3" destOrd="0"/>
+      </dgm:cxnLst>
+      <dgm:bg/>
+      <dgm:whole/>
+    </dgm:dataModel>
+  </dgm:clrData>
+  <dgm:layoutNode name="linear">
+    <dgm:varLst>
+      <dgm:animLvl val="lvl"/>
+      <dgm:resizeHandles val="exact"/>
+    </dgm:varLst>
+    <dgm:alg type="lin">
+      <dgm:param type="linDir" val="fromT"/>
+      <dgm:param type="vertAlign" val="mid"/>
+    </dgm:alg>
+    <dgm:shape xmlns:r="http://schemas.openxmlformats.org/officeDocument/2006/relationships" r:blip="">
+      <dgm:adjLst/>
+    </dgm:shape>
+    <dgm:presOf/>
+    <dgm:constrLst>
+      <dgm:constr type="w" for="ch" forName="parentText" refType="w"/>
+      <dgm:constr type="h" for="ch" forName="parentText" refType="primFontSz" refFor="ch" refForName="parentText" fact="0.52"/>
+      <dgm:constr type="w" for="ch" forName="childText" refType="w"/>
+      <dgm:constr type="h" for="ch" forName="childText" refType="primFontSz" refFor="ch" refForName="parentText" fact="0.46"/>
+      <dgm:constr type="h" for="ch" forName="parentText" op="equ"/>
+      <dgm:constr type="primFontSz" for="ch" forName="parentText" op="equ" val="65"/>
+      <dgm:constr type="primFontSz" for="ch" forName="childText" refType="primFontSz" refFor="ch" refForName="parentText" op="equ"/>
+      <dgm:constr type="h" for="ch" forName="spacer" refType="primFontSz" refFor="ch" refForName="parentText" fact="0.08"/>
+    </dgm:constrLst>
+    <dgm:ruleLst>
+      <dgm:rule type="primFontSz" for="ch" forName="parentText" val="5" fact="NaN" max="NaN"/>
+    </dgm:ruleLst>
+    <dgm:forEach name="Name0" axis="ch" ptType="node">
+      <dgm:layoutNode name="parentText" styleLbl="node1">
+        <dgm:varLst>
+          <dgm:chMax val="0"/>
+          <dgm:bulletEnabled val="1"/>
+        </dgm:varLst>
+        <dgm:alg type="tx">
+          <dgm:param type="parTxLTRAlign" val="l"/>
+          <dgm:param type="parTxRTLAlign" val="r"/>
+        </dgm:alg>
+        <dgm:shape xmlns:r="http://schemas.openxmlformats.org/officeDocument/2006/relationships" type="roundRect" r:blip="">
+          <dgm:adjLst/>
+        </dgm:shape>
+        <dgm:presOf axis="self"/>
+        <dgm:constrLst>
+          <dgm:constr type="tMarg" refType="primFontSz" fact="0.3"/>
+          <dgm:constr type="bMarg" refType="primFontSz" fact="0.3"/>
+          <dgm:constr type="lMarg" refType="primFontSz" fact="0.3"/>
+          <dgm:constr type="rMarg" refType="primFontSz" fact="0.3"/>
+        </dgm:constrLst>
+        <dgm:ruleLst>
+          <dgm:rule type="h" val="INF" fact="NaN" max="NaN"/>
+        </dgm:ruleLst>
+      </dgm:layoutNode>
+      <dgm:choose name="Name1">
+        <dgm:if name="Name2" axis="ch" ptType="node" func="cnt" op="gte" val="1">
+          <dgm:layoutNode name="childText" styleLbl="revTx">
+            <dgm:varLst>
+              <dgm:bulletEnabled val="1"/>
+            </dgm:varLst>
+            <dgm:alg type="tx">
+              <dgm:param type="stBulletLvl" val="1"/>
+              <dgm:param type="lnSpAfChP" val="20"/>
+            </dgm:alg>
+            <dgm:shape xmlns:r="http://schemas.openxmlformats.org/officeDocument/2006/relationships" type="rect" r:blip="">
+              <dgm:adjLst/>
+            </dgm:shape>
+            <dgm:presOf axis="des" ptType="node"/>
+            <dgm:constrLst>
+              <dgm:constr type="tMarg" refType="primFontSz" fact="0.1"/>
+              <dgm:constr type="bMarg" refType="primFontSz" fact="0.1"/>
+              <dgm:constr type="lMarg" refType="w" fact="0.09"/>
+            </dgm:constrLst>
+            <dgm:ruleLst>
+              <dgm:rule type="h" val="INF" fact="NaN" max="NaN"/>
+            </dgm:ruleLst>
+          </dgm:layoutNode>
+        </dgm:if>
+        <dgm:else name="Name3">
+          <dgm:choose name="Name4">
+            <dgm:if name="Name5" axis="par ch" ptType="doc node" func="cnt" op="gte" val="2">
+              <dgm:forEach name="Name6" axis="followSib" ptType="sibTrans" cnt="1">
+                <dgm:layoutNode name="spacer">
+                  <dgm:alg type="sp"/>
+                  <dgm:shape xmlns:r="http://schemas.openxmlformats.org/officeDocument/2006/relationships" r:blip="">
+                    <dgm:adjLst/>
+                  </dgm:shape>
+                  <dgm:presOf/>
+                  <dgm:constrLst/>
+                  <dgm:ruleLst/>
+                </dgm:layoutNode>
+              </dgm:forEach>
+            </dgm:if>
+            <dgm:else name="Name7"/>
+          </dgm:choose>
+        </dgm:else>
+      </dgm:choose>
+    </dgm:forEach>
+  </dgm:layoutNode>
+</dgm:layoutDef>
+</file>
+
+<file path=ppt/diagrams/quickStyle1.xml><?xml version="1.0" encoding="utf-8"?>
+<dgm:styleDef xmlns:dgm="http://schemas.openxmlformats.org/drawingml/2006/diagram" xmlns:a="http://schemas.openxmlformats.org/drawingml/2006/main" uniqueId="urn:microsoft.com/office/officeart/2005/8/quickstyle/simple5">
+  <dgm:title val=""/>
+  <dgm:desc val=""/>
+  <dgm:catLst>
+    <dgm:cat type="simple" pri="10500"/>
+  </dgm:catLst>
+  <dgm:scene3d>
+    <a:camera prst="orthographicFront"/>
+    <a:lightRig rig="threePt" dir="t"/>
+  </dgm:scene3d>
+  <dgm:styleLbl name="node0">
+    <dgm:scene3d>
+      <a:camera prst="orthographicFront"/>
+      <a:lightRig rig="threePt" dir="t"/>
+    </dgm:scene3d>
+    <dgm:sp3d/>
+    <dgm:txPr/>
+    <dgm:style>
+      <a:lnRef idx="0">
+        <a:scrgbClr r="0" g="0" b="0"/>
+      </a:lnRef>
+      <a:fillRef idx="3">
+        <a:scrgbClr r="0" g="0" b="0"/>
+      </a:fillRef>
+      <a:effectRef idx="3">
+        <a:scrgbClr r="0" g="0" b="0"/>
+      </a:effectRef>
+      <a:fontRef idx="minor">
+        <a:schemeClr val="lt1"/>
+      </a:fontRef>
+    </dgm:style>
+  </dgm:styleLbl>
+  <dgm:styleLbl name="lnNode1">
+    <dgm:scene3d>
+      <a:camera prst="orthographicFront"/>
+      <a:lightRig rig="threePt" dir="t"/>
+    </dgm:scene3d>
+    <dgm:sp3d/>
+    <dgm:txPr/>
+    <dgm:style>
+      <a:lnRef idx="0">
+        <a:scrgbClr r="0" g="0" b="0"/>
+      </a:lnRef>
+      <a:fillRef idx="3">
+        <a:scrgbClr r="0" g="0" b="0"/>
+      </a:fillRef>
+      <a:effectRef idx="3">
+        <a:scrgbClr r="0" g="0" b="0"/>
+      </a:effectRef>
+      <a:fontRef idx="minor">
+        <a:schemeClr val="lt1"/>
+      </a:fontRef>
+    </dgm:style>
+  </dgm:styleLbl>
+  <dgm:styleLbl name="vennNode1">
+    <dgm:scene3d>
+      <a:camera prst="orthographicFront"/>
+      <a:lightRig rig="threePt" dir="t"/>
+    </dgm:scene3d>
+    <dgm:sp3d/>
+    <dgm:txPr/>
+    <dgm:style>
+      <a:lnRef idx="0">
+        <a:scrgbClr r="0" g="0" b="0"/>
+      </a:lnRef>
+      <a:fillRef idx="3">
+        <a:scrgbClr r="0" g="0" b="0"/>
+      </a:fillRef>
+      <a:effectRef idx="3">
+        <a:scrgbClr r="0" g="0" b="0"/>
+      </a:effectRef>
+      <a:fontRef idx="minor">
+        <a:schemeClr val="tx1"/>
+      </a:fontRef>
+    </dgm:style>
+  </dgm:styleLbl>
+  <dgm:styleLbl name="alignNode1">
+    <dgm:scene3d>
+      <a:camera prst="orthographicFront"/>
+      <a:lightRig rig="threePt" dir="t"/>
+    </dgm:scene3d>
+    <dgm:sp3d/>
+    <dgm:txPr/>
+    <dgm:style>
+      <a:lnRef idx="1">
+        <a:scrgbClr r="0" g="0" b="0"/>
+      </a:lnRef>
+      <a:fillRef idx="3">
+        <a:scrgbClr r="0" g="0" b="0"/>
+      </a:fillRef>
+      <a:effectRef idx="3">
+        <a:scrgbClr r="0" g="0" b="0"/>
+      </a:effectRef>
+      <a:fontRef idx="minor">
+        <a:schemeClr val="lt1"/>
+      </a:fontRef>
+    </dgm:style>
+  </dgm:styleLbl>
+  <dgm:styleLbl name="node1">
+    <dgm:scene3d>
+      <a:camera prst="orthographicFront"/>
+      <a:lightRig rig="threePt" dir="t"/>
+    </dgm:scene3d>
+    <dgm:sp3d/>
+    <dgm:txPr/>
+    <dgm:style>
+      <a:lnRef idx="0">
+        <a:scrgbClr r="0" g="0" b="0"/>
+      </a:lnRef>
+      <a:fillRef idx="3">
+        <a:scrgbClr r="0" g="0" b="0"/>
+      </a:fillRef>
+      <a:effectRef idx="3">
+        <a:scrgbClr r="0" g="0" b="0"/>
+      </a:effectRef>
+      <a:fontRef idx="minor">
+        <a:schemeClr val="lt1"/>
+      </a:fontRef>
+    </dgm:style>
+  </dgm:styleLbl>
+  <dgm:styleLbl name="node2">
+    <dgm:scene3d>
+      <a:camera prst="orthographicFront"/>
+      <a:lightRig rig="threePt" dir="t"/>
+    </dgm:scene3d>
+    <dgm:sp3d/>
+    <dgm:txPr/>
+    <dgm:style>
+      <a:lnRef idx="0">
+        <a:scrgbClr r="0" g="0" b="0"/>
+      </a:lnRef>
+      <a:fillRef idx="3">
+        <a:scrgbClr r="0" g="0" b="0"/>
+      </a:fillRef>
+      <a:effectRef idx="3">
+        <a:scrgbClr r="0" g="0" b="0"/>
+      </a:effectRef>
+      <a:fontRef idx="minor">
+        <a:schemeClr val="lt1"/>
+      </a:fontRef>
+    </dgm:style>
+  </dgm:styleLbl>
+  <dgm:styleLbl name="node3">
+    <dgm:scene3d>
+      <a:camera prst="orthographicFront"/>
+      <a:lightRig rig="threePt" dir="t"/>
+    </dgm:scene3d>
+    <dgm:sp3d/>
+    <dgm:txPr/>
+    <dgm:style>
+      <a:lnRef idx="0">
+        <a:scrgbClr r="0" g="0" b="0"/>
+      </a:lnRef>
+      <a:fillRef idx="3">
+        <a:scrgbClr r="0" g="0" b="0"/>
+      </a:fillRef>
+      <a:effectRef idx="3">
+        <a:scrgbClr r="0" g="0" b="0"/>
+      </a:effectRef>
+      <a:fontRef idx="minor">
+        <a:schemeClr val="lt1"/>
+      </a:fontRef>
+    </dgm:style>
+  </dgm:styleLbl>
+  <dgm:styleLbl name="node4">
+    <dgm:scene3d>
+      <a:camera prst="orthographicFront"/>
+      <a:lightRig rig="threePt" dir="t"/>
+    </dgm:scene3d>
+    <dgm:sp3d/>
+    <dgm:txPr/>
+    <dgm:style>
+      <a:lnRef idx="0">
+        <a:scrgbClr r="0" g="0" b="0"/>
+      </a:lnRef>
+      <a:fillRef idx="3">
+        <a:scrgbClr r="0" g="0" b="0"/>
+      </a:fillRef>
+      <a:effectRef idx="3">
+        <a:scrgbClr r="0" g="0" b="0"/>
+      </a:effectRef>
+      <a:fontRef idx="minor">
+        <a:schemeClr val="lt1"/>
+      </a:fontRef>
+    </dgm:style>
+  </dgm:styleLbl>
+  <dgm:styleLbl name="fgImgPlace1">
+    <dgm:scene3d>
+      <a:camera prst="orthographicFront"/>
+      <a:lightRig rig="threePt" dir="t"/>
+    </dgm:scene3d>
+    <dgm:sp3d/>
+    <dgm:txPr/>
+    <dgm:style>
+      <a:lnRef idx="0">
+        <a:scrgbClr r="0" g="0" b="0"/>
+      </a:lnRef>
+      <a:fillRef idx="1">
+        <a:scrgbClr r="0" g="0" b="0"/>
+      </a:fillRef>
+      <a:effectRef idx="3">
+        <a:scrgbClr r="0" g="0" b="0"/>
+      </a:effectRef>
+      <a:fontRef idx="minor"/>
+    </dgm:style>
+  </dgm:styleLbl>
+  <dgm:styleLbl name="alignImgPlace1">
+    <dgm:scene3d>
+      <a:camera prst="orthographicFront"/>
+      <a:lightRig rig="threePt" dir="t"/>
+    </dgm:scene3d>
+    <dgm:sp3d/>
+    <dgm:txPr/>
+    <dgm:style>
+      <a:lnRef idx="0">
+        <a:scrgbClr r="0" g="0" b="0"/>
+      </a:lnRef>
+      <a:fillRef idx="1">
+        <a:scrgbClr r="0" g="0" b="0"/>
+      </a:fillRef>
+      <a:effectRef idx="3">
+        <a:scrgbClr r="0" g="0" b="0"/>
+      </a:effectRef>
+      <a:fontRef idx="minor"/>
+    </dgm:style>
+  </dgm:styleLbl>
+  <dgm:styleLbl name="bgImgPlace1">
+    <dgm:scene3d>
+      <a:camera prst="orthographicFront"/>
+      <a:lightRig rig="threePt" dir="t"/>
+    </dgm:scene3d>
+    <dgm:sp3d/>
+    <dgm:txPr/>
+    <dgm:style>
+      <a:lnRef idx="0">
+        <a:scrgbClr r="0" g="0" b="0"/>
+      </a:lnRef>
+      <a:fillRef idx="1">
+        <a:scrgbClr r="0" g="0" b="0"/>
+      </a:fillRef>
+      <a:effectRef idx="3">
+        <a:scrgbClr r="0" g="0" b="0"/>
+      </a:effectRef>
+      <a:fontRef idx="minor"/>
+    </dgm:style>
+  </dgm:styleLbl>
+  <dgm:styleLbl name="sibTrans2D1">
+    <dgm:scene3d>
+      <a:camera prst="orthographicFront"/>
+      <a:lightRig rig="threePt" dir="t"/>
+    </dgm:scene3d>
+    <dgm:sp3d/>
+    <dgm:txPr/>
+    <dgm:style>
+      <a:lnRef idx="0">
+        <a:scrgbClr r="0" g="0" b="0"/>
+      </a:lnRef>
+      <a:fillRef idx="3">
+        <a:scrgbClr r="0" g="0" b="0"/>
+      </a:fillRef>
+      <a:effectRef idx="3">
+        <a:scrgbClr r="0" g="0" b="0"/>
+      </a:effectRef>
+      <a:fontRef idx="minor">
+        <a:schemeClr val="lt1"/>
+      </a:fontRef>
+    </dgm:style>
+  </dgm:styleLbl>
+  <dgm:styleLbl name="fgSibTrans2D1">
+    <dgm:scene3d>
+      <a:camera prst="orthographicFront"/>
+      <a:lightRig rig="threePt" dir="t"/>
+    </dgm:scene3d>
+    <dgm:sp3d/>
+    <dgm:txPr/>
+    <dgm:style>
+      <a:lnRef idx="0">
+        <a:scrgbClr r="0" g="0" b="0"/>
+      </a:lnRef>
+      <a:fillRef idx="3">
+        <a:scrgbClr r="0" g="0" b="0"/>
+      </a:fillRef>
+      <a:effectRef idx="3">
+        <a:scrgbClr r="0" g="0" b="0"/>
+      </a:effectRef>
+      <a:fontRef idx="minor">
+        <a:schemeClr val="lt1"/>
+      </a:fontRef>
+    </dgm:style>
+  </dgm:styleLbl>
+  <dgm:styleLbl name="bgSibTrans2D1">
+    <dgm:scene3d>
+      <a:camera prst="orthographicFront"/>
+      <a:lightRig rig="threePt" dir="t"/>
+    </dgm:scene3d>
+    <dgm:sp3d/>
+    <dgm:txPr/>
+    <dgm:style>
+      <a:lnRef idx="0">
+        <a:scrgbClr r="0" g="0" b="0"/>
+      </a:lnRef>
+      <a:fillRef idx="3">
+        <a:scrgbClr r="0" g="0" b="0"/>
+      </a:fillRef>
+      <a:effectRef idx="3">
+        <a:scrgbClr r="0" g="0" b="0"/>
+      </a:effectRef>
+      <a:fontRef idx="minor">
+        <a:schemeClr val="lt1"/>
+      </a:fontRef>
+    </dgm:style>
+  </dgm:styleLbl>
+  <dgm:styleLbl name="sibTrans1D1">
+    <dgm:scene3d>
+      <a:camera prst="orthographicFront"/>
+      <a:lightRig rig="threePt" dir="t"/>
+    </dgm:scene3d>
+    <dgm:sp3d/>
+    <dgm:txPr/>
+    <dgm:style>
+      <a:lnRef idx="1">
+        <a:scrgbClr r="0" g="0" b="0"/>
+      </a:lnRef>
+      <a:fillRef idx="0">
+        <a:scrgbClr r="0" g="0" b="0"/>
+      </a:fillRef>
+      <a:effectRef idx="0">
+        <a:scrgbClr r="0" g="0" b="0"/>
+      </a:effectRef>
+      <a:fontRef idx="minor"/>
+    </dgm:style>
+  </dgm:styleLbl>
+  <dgm:styleLbl name="callout">
+    <dgm:scene3d>
+      <a:camera prst="orthographicFront"/>
+      <a:lightRig rig="threePt" dir="t"/>
+    </dgm:scene3d>
+    <dgm:sp3d/>
+    <dgm:txPr/>
+    <dgm:style>
+      <a:lnRef idx="1">
+        <a:scrgbClr r="0" g="0" b="0"/>
+      </a:lnRef>
+      <a:fillRef idx="0">
+        <a:scrgbClr r="0" g="0" b="0"/>
+      </a:fillRef>
+      <a:effectRef idx="1">
+        <a:scrgbClr r="0" g="0" b="0"/>
+      </a:effectRef>
+      <a:fontRef idx="minor"/>
+    </dgm:style>
+  </dgm:styleLbl>
+  <dgm:styleLbl name="asst0">
+    <dgm:scene3d>
+      <a:camera prst="orthographicFront"/>
+      <a:lightRig rig="threePt" dir="t"/>
+    </dgm:scene3d>
+    <dgm:sp3d/>
+    <dgm:txPr/>
+    <dgm:style>
+      <a:lnRef idx="0">
+        <a:scrgbClr r="0" g="0" b="0"/>
+      </a:lnRef>
+      <a:fillRef idx="3">
+        <a:scrgbClr r="0" g="0" b="0"/>
+      </a:fillRef>
+      <a:effectRef idx="3">
+        <a:scrgbClr r="0" g="0" b="0"/>
+      </a:effectRef>
+      <a:fontRef idx="minor">
+        <a:schemeClr val="lt1"/>
+      </a:fontRef>
+    </dgm:style>
+  </dgm:styleLbl>
+  <dgm:styleLbl name="asst1">
+    <dgm:scene3d>
+      <a:camera prst="orthographicFront"/>
+      <a:lightRig rig="threePt" dir="t"/>
+    </dgm:scene3d>
+    <dgm:sp3d/>
+    <dgm:txPr/>
+    <dgm:style>
+      <a:lnRef idx="0">
+        <a:scrgbClr r="0" g="0" b="0"/>
+      </a:lnRef>
+      <a:fillRef idx="3">
+        <a:scrgbClr r="0" g="0" b="0"/>
+      </a:fillRef>
+      <a:effectRef idx="3">
+        <a:scrgbClr r="0" g="0" b="0"/>
+      </a:effectRef>
+      <a:fontRef idx="minor">
+        <a:schemeClr val="lt1"/>
+      </a:fontRef>
+    </dgm:style>
+  </dgm:styleLbl>
+  <dgm:styleLbl name="asst2">
+    <dgm:scene3d>
+      <a:camera prst="orthographicFront"/>
+      <a:lightRig rig="threePt" dir="t"/>
+    </dgm:scene3d>
+    <dgm:sp3d/>
+    <dgm:txPr/>
+    <dgm:style>
+      <a:lnRef idx="0">
+        <a:scrgbClr r="0" g="0" b="0"/>
+      </a:lnRef>
+      <a:fillRef idx="3">
+        <a:scrgbClr r="0" g="0" b="0"/>
+      </a:fillRef>
+      <a:effectRef idx="3">
+        <a:scrgbClr r="0" g="0" b="0"/>
+      </a:effectRef>
+      <a:fontRef idx="minor">
+        <a:schemeClr val="lt1"/>
+      </a:fontRef>
+    </dgm:style>
+  </dgm:styleLbl>
+  <dgm:styleLbl name="asst3">
+    <dgm:scene3d>
+      <a:camera prst="orthographicFront"/>
+      <a:lightRig rig="threePt" dir="t"/>
+    </dgm:scene3d>
+    <dgm:sp3d/>
+    <dgm:txPr/>
+    <dgm:style>
+      <a:lnRef idx="0">
+        <a:scrgbClr r="0" g="0" b="0"/>
+      </a:lnRef>
+      <a:fillRef idx="3">
+        <a:scrgbClr r="0" g="0" b="0"/>
+      </a:fillRef>
+      <a:effectRef idx="3">
+        <a:scrgbClr r="0" g="0" b="0"/>
+      </a:effectRef>
+      <a:fontRef idx="minor">
+        <a:schemeClr val="lt1"/>
+      </a:fontRef>
+    </dgm:style>
+  </dgm:styleLbl>
+  <dgm:styleLbl name="asst4">
+    <dgm:scene3d>
+      <a:camera prst="orthographicFront"/>
+      <a:lightRig rig="threePt" dir="t"/>
+    </dgm:scene3d>
+    <dgm:sp3d/>
+    <dgm:txPr/>
+    <dgm:style>
+      <a:lnRef idx="0">
+        <a:scrgbClr r="0" g="0" b="0"/>
+      </a:lnRef>
+      <a:fillRef idx="3">
+        <a:scrgbClr r="0" g="0" b="0"/>
+      </a:fillRef>
+      <a:effectRef idx="3">
+        <a:scrgbClr r="0" g="0" b="0"/>
+      </a:effectRef>
+      <a:fontRef idx="minor">
+        <a:schemeClr val="lt1"/>
+      </a:fontRef>
+    </dgm:style>
+  </dgm:styleLbl>
+  <dgm:styleLbl name="parChTrans2D1">
+    <dgm:scene3d>
+      <a:camera prst="orthographicFront"/>
+      <a:lightRig rig="threePt" dir="t"/>
+    </dgm:scene3d>
+    <dgm:sp3d/>
+    <dgm:txPr/>
+    <dgm:style>
+      <a:lnRef idx="0">
+        <a:scrgbClr r="0" g="0" b="0"/>
+      </a:lnRef>
+      <a:fillRef idx="3">
+        <a:scrgbClr r="0" g="0" b="0"/>
+      </a:fillRef>
+      <a:effectRef idx="3">
+        <a:scrgbClr r="0" g="0" b="0"/>
+      </a:effectRef>
+      <a:fontRef idx="minor">
+        <a:schemeClr val="lt1"/>
+      </a:fontRef>
+    </dgm:style>
+  </dgm:styleLbl>
+  <dgm:styleLbl name="parChTrans2D2">
+    <dgm:scene3d>
+      <a:camera prst="orthographicFront"/>
+      <a:lightRig rig="threePt" dir="t"/>
+    </dgm:scene3d>
+    <dgm:sp3d/>
+    <dgm:txPr/>
+    <dgm:style>
+      <a:lnRef idx="0">
+        <a:scrgbClr r="0" g="0" b="0"/>
+      </a:lnRef>
+      <a:fillRef idx="3">
+        <a:scrgbClr r="0" g="0" b="0"/>
+      </a:fillRef>
+      <a:effectRef idx="3">
+        <a:scrgbClr r="0" g="0" b="0"/>
+      </a:effectRef>
+      <a:fontRef idx="minor">
+        <a:schemeClr val="lt1"/>
+      </a:fontRef>
+    </dgm:style>
+  </dgm:styleLbl>
+  <dgm:styleLbl name="parChTrans2D3">
+    <dgm:scene3d>
+      <a:camera prst="orthographicFront"/>
+      <a:lightRig rig="threePt" dir="t"/>
+    </dgm:scene3d>
+    <dgm:sp3d/>
+    <dgm:txPr/>
+    <dgm:style>
+      <a:lnRef idx="0">
+        <a:scrgbClr r="0" g="0" b="0"/>
+      </a:lnRef>
+      <a:fillRef idx="3">
+        <a:scrgbClr r="0" g="0" b="0"/>
+      </a:fillRef>
+      <a:effectRef idx="3">
+        <a:scrgbClr r="0" g="0" b="0"/>
+      </a:effectRef>
+      <a:fontRef idx="minor">
+        <a:schemeClr val="lt1"/>
+      </a:fontRef>
+    </dgm:style>
+  </dgm:styleLbl>
+  <dgm:styleLbl name="parChTrans2D4">
+    <dgm:scene3d>
+      <a:camera prst="orthographicFront"/>
+      <a:lightRig rig="threePt" dir="t"/>
+    </dgm:scene3d>
+    <dgm:sp3d/>
+    <dgm:txPr/>
+    <dgm:style>
+      <a:lnRef idx="0">
+        <a:scrgbClr r="0" g="0" b="0"/>
+      </a:lnRef>
+      <a:fillRef idx="3">
+        <a:scrgbClr r="0" g="0" b="0"/>
+      </a:fillRef>
+      <a:effectRef idx="3">
+        <a:scrgbClr r="0" g="0" b="0"/>
+      </a:effectRef>
+      <a:fontRef idx="minor">
+        <a:schemeClr val="lt1"/>
+      </a:fontRef>
+    </dgm:style>
+  </dgm:styleLbl>
+  <dgm:styleLbl name="parChTrans1D1">
+    <dgm:scene3d>
+      <a:camera prst="orthographicFront"/>
+      <a:lightRig rig="threePt" dir="t"/>
+    </dgm:scene3d>
+    <dgm:sp3d/>
+    <dgm:txPr/>
+    <dgm:style>
+      <a:lnRef idx="2">
+        <a:scrgbClr r="0" g="0" b="0"/>
+      </a:lnRef>
+      <a:fillRef idx="0">
+        <a:scrgbClr r="0" g="0" b="0"/>
+      </a:fillRef>
+      <a:effectRef idx="0">
+        <a:scrgbClr r="0" g="0" b="0"/>
+      </a:effectRef>
+      <a:fontRef idx="minor"/>
+    </dgm:style>
+  </dgm:styleLbl>
+  <dgm:styleLbl name="parChTrans1D2">
+    <dgm:scene3d>
+      <a:camera prst="orthographicFront"/>
+      <a:lightRig rig="threePt" dir="t"/>
+    </dgm:scene3d>
+    <dgm:sp3d/>
+    <dgm:txPr/>
+    <dgm:style>
+      <a:lnRef idx="2">
+        <a:scrgbClr r="0" g="0" b="0"/>
+      </a:lnRef>
+      <a:fillRef idx="0">
+        <a:scrgbClr r="0" g="0" b="0"/>
+      </a:fillRef>
+      <a:effectRef idx="0">
+        <a:scrgbClr r="0" g="0" b="0"/>
+      </a:effectRef>
+      <a:fontRef idx="minor"/>
+    </dgm:style>
+  </dgm:styleLbl>
+  <dgm:styleLbl name="parChTrans1D3">
+    <dgm:scene3d>
+      <a:camera prst="orthographicFront"/>
+      <a:lightRig rig="threePt" dir="t"/>
+    </dgm:scene3d>
+    <dgm:sp3d/>
+    <dgm:txPr/>
+    <dgm:style>
+      <a:lnRef idx="2">
+        <a:scrgbClr r="0" g="0" b="0"/>
+      </a:lnRef>
+      <a:fillRef idx="0">
+        <a:scrgbClr r="0" g="0" b="0"/>
+      </a:fillRef>
+      <a:effectRef idx="0">
+        <a:scrgbClr r="0" g="0" b="0"/>
+      </a:effectRef>
+      <a:fontRef idx="minor"/>
+    </dgm:style>
+  </dgm:styleLbl>
+  <dgm:styleLbl name="parChTrans1D4">
+    <dgm:scene3d>
+      <a:camera prst="orthographicFront"/>
+      <a:lightRig rig="threePt" dir="t"/>
+    </dgm:scene3d>
+    <dgm:sp3d/>
+    <dgm:txPr/>
+    <dgm:style>
+      <a:lnRef idx="2">
+        <a:scrgbClr r="0" g="0" b="0"/>
+      </a:lnRef>
+      <a:fillRef idx="0">
+        <a:scrgbClr r="0" g="0" b="0"/>
+      </a:fillRef>
+      <a:effectRef idx="0">
+        <a:scrgbClr r="0" g="0" b="0"/>
+      </a:effectRef>
+      <a:fontRef idx="minor"/>
+    </dgm:style>
+  </dgm:styleLbl>
+  <dgm:styleLbl name="fgAcc1">
+    <dgm:scene3d>
+      <a:camera prst="orthographicFront"/>
+      <a:lightRig rig="threePt" dir="t"/>
+    </dgm:scene3d>
+    <dgm:sp3d/>
+    <dgm:txPr/>
+    <dgm:style>
+      <a:lnRef idx="1">
+        <a:scrgbClr r="0" g="0" b="0"/>
+      </a:lnRef>
+      <a:fillRef idx="1">
+        <a:scrgbClr r="0" g="0" b="0"/>
+      </a:fillRef>
+      <a:effectRef idx="2">
+        <a:scrgbClr r="0" g="0" b="0"/>
+      </a:effectRef>
+      <a:fontRef idx="minor"/>
+    </dgm:style>
+  </dgm:styleLbl>
+  <dgm:styleLbl name="conFgAcc1">
+    <dgm:scene3d>
+      <a:camera prst="orthographicFront"/>
+      <a:lightRig rig="threePt" dir="t"/>
+    </dgm:scene3d>
+    <dgm:sp3d/>
+    <dgm:txPr/>
+    <dgm:style>
+      <a:lnRef idx="1">
+        <a:scrgbClr r="0" g="0" b="0"/>
+      </a:lnRef>
+      <a:fillRef idx="1">
+        <a:scrgbClr r="0" g="0" b="0"/>
+      </a:fillRef>
+      <a:effectRef idx="2">
+        <a:scrgbClr r="0" g="0" b="0"/>
+      </a:effectRef>
+      <a:fontRef idx="minor"/>
+    </dgm:style>
+  </dgm:styleLbl>
+  <dgm:styleLbl name="alignAcc1">
+    <dgm:scene3d>
+      <a:camera prst="orthographicFront"/>
+      <a:lightRig rig="threePt" dir="t"/>
+    </dgm:scene3d>
+    <dgm:sp3d/>
+    <dgm:txPr/>
+    <dgm:style>
+      <a:lnRef idx="1">
+        <a:scrgbClr r="0" g="0" b="0"/>
+      </a:lnRef>
+      <a:fillRef idx="1">
+        <a:scrgbClr r="0" g="0" b="0"/>
+      </a:fillRef>
+      <a:effectRef idx="2">
+        <a:scrgbClr r="0" g="0" b="0"/>
+      </a:effectRef>
+      <a:fontRef idx="minor"/>
+    </dgm:style>
+  </dgm:styleLbl>
+  <dgm:styleLbl name="trAlignAcc1">
+    <dgm:scene3d>
+      <a:camera prst="orthographicFront"/>
+      <a:lightRig rig="threePt" dir="t"/>
+    </dgm:scene3d>
+    <dgm:sp3d/>
+    <dgm:txPr/>
+    <dgm:style>
+      <a:lnRef idx="1">
+        <a:scrgbClr r="0" g="0" b="0"/>
+      </a:lnRef>
+      <a:fillRef idx="1">
+        <a:scrgbClr r="0" g="0" b="0"/>
+      </a:fillRef>
+      <a:effectRef idx="0">
+        <a:scrgbClr r="0" g="0" b="0"/>
+      </a:effectRef>
+      <a:fontRef idx="minor"/>
+    </dgm:style>
+  </dgm:styleLbl>
+  <dgm:styleLbl name="bgAcc1">
+    <dgm:scene3d>
+      <a:camera prst="orthographicFront"/>
+      <a:lightRig rig="threePt" dir="t"/>
+    </dgm:scene3d>
+    <dgm:sp3d/>
+    <dgm:txPr/>
+    <dgm:style>
+      <a:lnRef idx="1">
+        <a:scrgbClr r="0" g="0" b="0"/>
+      </a:lnRef>
+      <a:fillRef idx="1">
+        <a:scrgbClr r="0" g="0" b="0"/>
+      </a:fillRef>
+      <a:effectRef idx="2">
+        <a:scrgbClr r="0" g="0" b="0"/>
+      </a:effectRef>
+      <a:fontRef idx="minor"/>
+    </dgm:style>
+  </dgm:styleLbl>
+  <dgm:styleLbl name="solidFgAcc1">
+    <dgm:scene3d>
+      <a:camera prst="orthographicFront"/>
+      <a:lightRig rig="threePt" dir="t"/>
+    </dgm:scene3d>
+    <dgm:sp3d/>
+    <dgm:txPr/>
+    <dgm:style>
+      <a:lnRef idx="1">
+        <a:scrgbClr r="0" g="0" b="0"/>
+      </a:lnRef>
+      <a:fillRef idx="1">
+        <a:scrgbClr r="0" g="0" b="0"/>
+      </a:fillRef>
+      <a:effectRef idx="2">
+        <a:scrgbClr r="0" g="0" b="0"/>
+      </a:effectRef>
+      <a:fontRef idx="minor"/>
+    </dgm:style>
+  </dgm:styleLbl>
+  <dgm:styleLbl name="solidAlignAcc1">
+    <dgm:scene3d>
+      <a:camera prst="orthographicFront"/>
+      <a:lightRig rig="threePt" dir="t"/>
+    </dgm:scene3d>
+    <dgm:sp3d/>
+    <dgm:txPr/>
+    <dgm:style>
+      <a:lnRef idx="1">
+        <a:scrgbClr r="0" g="0" b="0"/>
+      </a:lnRef>
+      <a:fillRef idx="1">
+        <a:scrgbClr r="0" g="0" b="0"/>
+      </a:fillRef>
+      <a:effectRef idx="3">
+        <a:scrgbClr r="0" g="0" b="0"/>
+      </a:effectRef>
+      <a:fontRef idx="minor"/>
+    </dgm:style>
+  </dgm:styleLbl>
+  <dgm:styleLbl name="solidBgAcc1">
+    <dgm:scene3d>
+      <a:camera prst="orthographicFront"/>
+      <a:lightRig rig="threePt" dir="t"/>
+    </dgm:scene3d>
+    <dgm:sp3d/>
+    <dgm:txPr/>
+    <dgm:style>
+      <a:lnRef idx="1">
+        <a:scrgbClr r="0" g="0" b="0"/>
+      </a:lnRef>
+      <a:fillRef idx="1">
+        <a:scrgbClr r="0" g="0" b="0"/>
+      </a:fillRef>
+      <a:effectRef idx="3">
+        <a:scrgbClr r="0" g="0" b="0"/>
+      </a:effectRef>
+      <a:fontRef idx="minor"/>
+    </dgm:style>
+  </dgm:styleLbl>
+  <dgm:styleLbl name="fgAccFollowNode1">
+    <dgm:scene3d>
+      <a:camera prst="orthographicFront"/>
+      <a:lightRig rig="threePt" dir="t"/>
+    </dgm:scene3d>
+    <dgm:sp3d/>
+    <dgm:txPr/>
+    <dgm:style>
+      <a:lnRef idx="1">
+        <a:scrgbClr r="0" g="0" b="0"/>
+      </a:lnRef>
+      <a:fillRef idx="1">
+        <a:scrgbClr r="0" g="0" b="0"/>
+      </a:fillRef>
+      <a:effectRef idx="2">
+        <a:scrgbClr r="0" g="0" b="0"/>
+      </a:effectRef>
+      <a:fontRef idx="minor"/>
+    </dgm:style>
+  </dgm:styleLbl>
+  <dgm:styleLbl name="alignAccFollowNode1">
+    <dgm:scene3d>
+      <a:camera prst="orthographicFront"/>
+      <a:lightRig rig="threePt" dir="t"/>
+    </dgm:scene3d>
+    <dgm:sp3d/>
+    <dgm:txPr/>
+    <dgm:style>
+      <a:lnRef idx="1">
+        <a:scrgbClr r="0" g="0" b="0"/>
+      </a:lnRef>
+      <a:fillRef idx="1">
+        <a:scrgbClr r="0" g="0" b="0"/>
+      </a:fillRef>
+      <a:effectRef idx="2">
+        <a:scrgbClr r="0" g="0" b="0"/>
+      </a:effectRef>
+      <a:fontRef idx="minor"/>
+    </dgm:style>
+  </dgm:styleLbl>
+  <dgm:styleLbl name="bgAccFollowNode1">
+    <dgm:scene3d>
+      <a:camera prst="orthographicFront"/>
+      <a:lightRig rig="threePt" dir="t"/>
+    </dgm:scene3d>
+    <dgm:sp3d/>
+    <dgm:txPr/>
+    <dgm:style>
+      <a:lnRef idx="1">
+        <a:scrgbClr r="0" g="0" b="0"/>
+      </a:lnRef>
+      <a:fillRef idx="1">
+        <a:scrgbClr r="0" g="0" b="0"/>
+      </a:fillRef>
+      <a:effectRef idx="2">
+        <a:scrgbClr r="0" g="0" b="0"/>
+      </a:effectRef>
+      <a:fontRef idx="minor"/>
+    </dgm:style>
+  </dgm:styleLbl>
+  <dgm:styleLbl name="fgAcc0">
+    <dgm:scene3d>
+      <a:camera prst="orthographicFront"/>
+      <a:lightRig rig="threePt" dir="t"/>
+    </dgm:scene3d>
+    <dgm:sp3d/>
+    <dgm:txPr/>
+    <dgm:style>
+      <a:lnRef idx="1">
+        <a:scrgbClr r="0" g="0" b="0"/>
+      </a:lnRef>
+      <a:fillRef idx="1">
+        <a:scrgbClr r="0" g="0" b="0"/>
+      </a:fillRef>
+      <a:effectRef idx="2">
+        <a:scrgbClr r="0" g="0" b="0"/>
+      </a:effectRef>
+      <a:fontRef idx="minor"/>
+    </dgm:style>
+  </dgm:styleLbl>
+  <dgm:styleLbl name="fgAcc2">
+    <dgm:scene3d>
+      <a:camera prst="orthographicFront"/>
+      <a:lightRig rig="threePt" dir="t"/>
+    </dgm:scene3d>
+    <dgm:sp3d/>
+    <dgm:txPr/>
+    <dgm:style>
+      <a:lnRef idx="1">
+        <a:scrgbClr r="0" g="0" b="0"/>
+      </a:lnRef>
+      <a:fillRef idx="1">
+        <a:scrgbClr r="0" g="0" b="0"/>
+      </a:fillRef>
+      <a:effectRef idx="2">
+        <a:scrgbClr r="0" g="0" b="0"/>
+      </a:effectRef>
+      <a:fontRef idx="minor"/>
+    </dgm:style>
+  </dgm:styleLbl>
+  <dgm:styleLbl name="fgAcc3">
+    <dgm:scene3d>
+      <a:camera prst="orthographicFront"/>
+      <a:lightRig rig="threePt" dir="t"/>
+    </dgm:scene3d>
+    <dgm:sp3d/>
+    <dgm:txPr/>
+    <dgm:style>
+      <a:lnRef idx="1">
+        <a:scrgbClr r="0" g="0" b="0"/>
+      </a:lnRef>
+      <a:fillRef idx="1">
+        <a:scrgbClr r="0" g="0" b="0"/>
+      </a:fillRef>
+      <a:effectRef idx="2">
+        <a:scrgbClr r="0" g="0" b="0"/>
+      </a:effectRef>
+      <a:fontRef idx="minor"/>
+    </dgm:style>
+  </dgm:styleLbl>
+  <dgm:styleLbl name="fgAcc4">
+    <dgm:scene3d>
+      <a:camera prst="orthographicFront"/>
+      <a:lightRig rig="threePt" dir="t"/>
+    </dgm:scene3d>
+    <dgm:sp3d/>
+    <dgm:txPr/>
+    <dgm:style>
+      <a:lnRef idx="1">
+        <a:scrgbClr r="0" g="0" b="0"/>
+      </a:lnRef>
+      <a:fillRef idx="1">
+        <a:scrgbClr r="0" g="0" b="0"/>
+      </a:fillRef>
+      <a:effectRef idx="2">
+        <a:scrgbClr r="0" g="0" b="0"/>
+      </a:effectRef>
+      <a:fontRef idx="minor"/>
+    </dgm:style>
+  </dgm:styleLbl>
+  <dgm:styleLbl name="bgShp">
+    <dgm:scene3d>
+      <a:camera prst="orthographicFront"/>
+      <a:lightRig rig="threePt" dir="t"/>
+    </dgm:scene3d>
+    <dgm:sp3d/>
+    <dgm:txPr/>
+    <dgm:style>
+      <a:lnRef idx="0">
+        <a:scrgbClr r="0" g="0" b="0"/>
+      </a:lnRef>
+      <a:fillRef idx="1">
+        <a:scrgbClr r="0" g="0" b="0"/>
+      </a:fillRef>
+      <a:effectRef idx="2">
+        <a:scrgbClr r="0" g="0" b="0"/>
+      </a:effectRef>
+      <a:fontRef idx="minor"/>
+    </dgm:style>
+  </dgm:styleLbl>
+  <dgm:styleLbl name="dkBgShp">
+    <dgm:scene3d>
+      <a:camera prst="orthographicFront"/>
+      <a:lightRig rig="threePt" dir="t"/>
+    </dgm:scene3d>
+    <dgm:sp3d/>
+    <dgm:txPr/>
+    <dgm:style>
+      <a:lnRef idx="0">
+        <a:scrgbClr r="0" g="0" b="0"/>
+      </a:lnRef>
+      <a:fillRef idx="1">
+        <a:scrgbClr r="0" g="0" b="0"/>
+      </a:fillRef>
+      <a:effectRef idx="3">
+        <a:scrgbClr r="0" g="0" b="0"/>
+      </a:effectRef>
+      <a:fontRef idx="minor"/>
+    </dgm:style>
+  </dgm:styleLbl>
+  <dgm:styleLbl name="trBgShp">
+    <dgm:scene3d>
+      <a:camera prst="orthographicFront"/>
+      <a:lightRig rig="threePt" dir="t"/>
+    </dgm:scene3d>
+    <dgm:sp3d/>
+    <dgm:txPr/>
+    <dgm:style>
+      <a:lnRef idx="0">
+        <a:scrgbClr r="0" g="0" b="0"/>
+      </a:lnRef>
+      <a:fillRef idx="1">
+        <a:scrgbClr r="0" g="0" b="0"/>
+      </a:fillRef>
+      <a:effectRef idx="0">
+        <a:scrgbClr r="0" g="0" b="0"/>
+      </a:effectRef>
+      <a:fontRef idx="minor"/>
+    </dgm:style>
+  </dgm:styleLbl>
+  <dgm:styleLbl name="fgShp">
+    <dgm:scene3d>
+      <a:camera prst="orthographicFront"/>
+      <a:lightRig rig="threePt" dir="t"/>
+    </dgm:scene3d>
+    <dgm:sp3d/>
+    <dgm:txPr/>
+    <dgm:style>
+      <a:lnRef idx="0">
+        <a:scrgbClr r="0" g="0" b="0"/>
+      </a:lnRef>
+      <a:fillRef idx="3">
+        <a:scrgbClr r="0" g="0" b="0"/>
+      </a:fillRef>
+      <a:effectRef idx="3">
+        <a:scrgbClr r="0" g="0" b="0"/>
+      </a:effectRef>
+      <a:fontRef idx="minor"/>
+    </dgm:style>
+  </dgm:styleLbl>
+  <dgm:styleLbl name="revTx">
+    <dgm:scene3d>
+      <a:camera prst="orthographicFront"/>
+      <a:lightRig rig="threePt" dir="t"/>
+    </dgm:scene3d>
+    <dgm:sp3d/>
+    <dgm:txPr/>
+    <dgm:style>
+      <a:lnRef idx="0">
+        <a:scrgbClr r="0" g="0" b="0"/>
+      </a:lnRef>
+      <a:fillRef idx="0">
+        <a:scrgbClr r="0" g="0" b="0"/>
+      </a:fillRef>
+      <a:effectRef idx="0">
+        <a:scrgbClr r="0" g="0" b="0"/>
+      </a:effectRef>
+      <a:fontRef idx="minor"/>
+    </dgm:style>
+  </dgm:styleLbl>
+</dgm:styleDef>
 </file>
 
 <file path=ppt/slideLayouts/slideLayout1.xml><?xml version="1.0" encoding="utf-8"?>
@@ -5411,15 +7960,16 @@
               <a:rPr lang="en-AU" sz="3000" dirty="0"/>
               <a:t>Data Analysis: Dependent Nominal Variables</a:t>
             </a:r>
+            <a:endParaRPr lang="en-US" sz="3000" dirty="0"/>
           </a:p>
         </p:txBody>
       </p:sp>
       <p:sp>
         <p:nvSpPr>
-          <p:cNvPr id="23" name="Rectangle 22">
-            <a:extLst>
-              <a:ext uri="{FF2B5EF4-FFF2-40B4-BE49-F238E27FC236}">
-                <a16:creationId xmlns:a16="http://schemas.microsoft.com/office/drawing/2014/main" id="{839E527B-B42A-510D-DEB0-1748C4CC9ACF}"/>
+          <p:cNvPr id="5" name="Rectangle 4">
+            <a:extLst>
+              <a:ext uri="{FF2B5EF4-FFF2-40B4-BE49-F238E27FC236}">
+                <a16:creationId xmlns:a16="http://schemas.microsoft.com/office/drawing/2014/main" id="{3EDCD935-184E-C581-F880-78CF718B7861}"/>
               </a:ext>
             </a:extLst>
           </p:cNvPr>
@@ -5455,16 +8005,16 @@
           <a:lstStyle/>
           <a:p>
             <a:pPr algn="ctr"/>
-            <a:endParaRPr lang="en-US" dirty="0"/>
+            <a:endParaRPr lang="en-US"/>
           </a:p>
         </p:txBody>
       </p:sp>
       <p:pic>
         <p:nvPicPr>
-          <p:cNvPr id="6" name="Picture 5" descr="Graphical user interface&#10;&#10;Description automatically generated with medium confidence">
-            <a:extLst>
-              <a:ext uri="{FF2B5EF4-FFF2-40B4-BE49-F238E27FC236}">
-                <a16:creationId xmlns:a16="http://schemas.microsoft.com/office/drawing/2014/main" id="{0710022F-ED51-4B7C-E3CC-2CC3C73D9881}"/>
+          <p:cNvPr id="7" name="Picture 6">
+            <a:extLst>
+              <a:ext uri="{FF2B5EF4-FFF2-40B4-BE49-F238E27FC236}">
+                <a16:creationId xmlns:a16="http://schemas.microsoft.com/office/drawing/2014/main" id="{0F4A93B1-37C3-9BB9-5FD4-83E2AF44C833}"/>
               </a:ext>
             </a:extLst>
           </p:cNvPr>
@@ -5481,204 +8031,342 @@
         </p:blipFill>
         <p:spPr>
           <a:xfrm>
-            <a:off x="5451549" y="1462514"/>
-            <a:ext cx="6429560" cy="5143648"/>
+            <a:off x="3705660" y="1431843"/>
+            <a:ext cx="7772400" cy="258390"/>
           </a:xfrm>
           <a:prstGeom prst="rect">
             <a:avLst/>
           </a:prstGeom>
         </p:spPr>
       </p:pic>
-      <p:sp>
-        <p:nvSpPr>
-          <p:cNvPr id="26" name="Rectangle 25">
-            <a:extLst>
-              <a:ext uri="{FF2B5EF4-FFF2-40B4-BE49-F238E27FC236}">
-                <a16:creationId xmlns:a16="http://schemas.microsoft.com/office/drawing/2014/main" id="{FCED09DB-EFAA-A8FE-9CD4-F9FA2918529B}"/>
-              </a:ext>
-            </a:extLst>
-          </p:cNvPr>
-          <p:cNvSpPr/>
+      <p:pic>
+        <p:nvPicPr>
+          <p:cNvPr id="11" name="Picture 10" descr="Chart, scatter chart&#10;&#10;Description automatically generated">
+            <a:extLst>
+              <a:ext uri="{FF2B5EF4-FFF2-40B4-BE49-F238E27FC236}">
+                <a16:creationId xmlns:a16="http://schemas.microsoft.com/office/drawing/2014/main" id="{5F748FA5-96CE-D930-9EEC-CDD8EE520E57}"/>
+              </a:ext>
+            </a:extLst>
+          </p:cNvPr>
+          <p:cNvPicPr>
+            <a:picLocks noChangeAspect="1"/>
+          </p:cNvPicPr>
           <p:nvPr/>
-        </p:nvSpPr>
+        </p:nvPicPr>
+        <p:blipFill>
+          <a:blip r:embed="rId3"/>
+          <a:stretch>
+            <a:fillRect/>
+          </a:stretch>
+        </p:blipFill>
         <p:spPr>
           <a:xfrm>
-            <a:off x="3702224" y="2076065"/>
-            <a:ext cx="2174134" cy="1414719"/>
+            <a:off x="8873104" y="2078180"/>
+            <a:ext cx="2666566" cy="1970698"/>
           </a:xfrm>
           <a:prstGeom prst="rect">
             <a:avLst/>
           </a:prstGeom>
-          <a:ln w="6350"/>
-        </p:spPr>
-        <p:style>
-          <a:lnRef idx="2">
-            <a:schemeClr val="dk1"/>
-          </a:lnRef>
-          <a:fillRef idx="1">
-            <a:schemeClr val="lt1"/>
-          </a:fillRef>
-          <a:effectRef idx="0">
-            <a:schemeClr val="dk1"/>
-          </a:effectRef>
-          <a:fontRef idx="minor">
-            <a:schemeClr val="dk1"/>
-          </a:fontRef>
-        </p:style>
+        </p:spPr>
+      </p:pic>
+      <p:pic>
+        <p:nvPicPr>
+          <p:cNvPr id="15" name="Picture 14" descr="Graphical user interface&#10;&#10;Description automatically generated">
+            <a:extLst>
+              <a:ext uri="{FF2B5EF4-FFF2-40B4-BE49-F238E27FC236}">
+                <a16:creationId xmlns:a16="http://schemas.microsoft.com/office/drawing/2014/main" id="{57BA16EF-D794-016C-A94D-D2ABB1A33D53}"/>
+              </a:ext>
+            </a:extLst>
+          </p:cNvPr>
+          <p:cNvPicPr>
+            <a:picLocks noChangeAspect="1"/>
+          </p:cNvPicPr>
+          <p:nvPr/>
+        </p:nvPicPr>
+        <p:blipFill rotWithShape="1">
+          <a:blip r:embed="rId4"/>
+          <a:srcRect l="52448" b="67441"/>
+          <a:stretch/>
+        </p:blipFill>
+        <p:spPr>
+          <a:xfrm>
+            <a:off x="6260147" y="2078180"/>
+            <a:ext cx="2612957" cy="1970698"/>
+          </a:xfrm>
+          <a:prstGeom prst="rect">
+            <a:avLst/>
+          </a:prstGeom>
+        </p:spPr>
+      </p:pic>
+      <p:pic>
+        <p:nvPicPr>
+          <p:cNvPr id="16" name="Picture 15" descr="Graphical user interface&#10;&#10;Description automatically generated">
+            <a:extLst>
+              <a:ext uri="{FF2B5EF4-FFF2-40B4-BE49-F238E27FC236}">
+                <a16:creationId xmlns:a16="http://schemas.microsoft.com/office/drawing/2014/main" id="{7E6E69F0-E94C-5111-2F84-23DCAAEE1333}"/>
+              </a:ext>
+            </a:extLst>
+          </p:cNvPr>
+          <p:cNvPicPr>
+            <a:picLocks noChangeAspect="1"/>
+          </p:cNvPicPr>
+          <p:nvPr/>
+        </p:nvPicPr>
+        <p:blipFill rotWithShape="1">
+          <a:blip r:embed="rId4"/>
+          <a:srcRect r="52448" b="67441"/>
+          <a:stretch/>
+        </p:blipFill>
+        <p:spPr>
+          <a:xfrm>
+            <a:off x="3599509" y="2078180"/>
+            <a:ext cx="2612956" cy="1970698"/>
+          </a:xfrm>
+          <a:prstGeom prst="rect">
+            <a:avLst/>
+          </a:prstGeom>
+        </p:spPr>
+      </p:pic>
+      <p:pic>
+        <p:nvPicPr>
+          <p:cNvPr id="17" name="Picture 16" descr="Graphical user interface&#10;&#10;Description automatically generated">
+            <a:extLst>
+              <a:ext uri="{FF2B5EF4-FFF2-40B4-BE49-F238E27FC236}">
+                <a16:creationId xmlns:a16="http://schemas.microsoft.com/office/drawing/2014/main" id="{2EAFEBAD-ECC0-1EB4-6D4A-ACAD8036C73F}"/>
+              </a:ext>
+            </a:extLst>
+          </p:cNvPr>
+          <p:cNvPicPr>
+            <a:picLocks noChangeAspect="1"/>
+          </p:cNvPicPr>
+          <p:nvPr/>
+        </p:nvPicPr>
+        <p:blipFill rotWithShape="1">
+          <a:blip r:embed="rId4"/>
+          <a:srcRect l="-2482" t="33287" r="53042" b="34154"/>
+          <a:stretch/>
+        </p:blipFill>
+        <p:spPr>
+          <a:xfrm>
+            <a:off x="3444693" y="4568906"/>
+            <a:ext cx="2113950" cy="1533451"/>
+          </a:xfrm>
+          <a:prstGeom prst="rect">
+            <a:avLst/>
+          </a:prstGeom>
+        </p:spPr>
+      </p:pic>
+      <p:pic>
+        <p:nvPicPr>
+          <p:cNvPr id="18" name="Picture 17" descr="Graphical user interface&#10;&#10;Description automatically generated">
+            <a:extLst>
+              <a:ext uri="{FF2B5EF4-FFF2-40B4-BE49-F238E27FC236}">
+                <a16:creationId xmlns:a16="http://schemas.microsoft.com/office/drawing/2014/main" id="{D2284755-7F1B-3376-B2DB-AF4972DA2D82}"/>
+              </a:ext>
+            </a:extLst>
+          </p:cNvPr>
+          <p:cNvPicPr>
+            <a:picLocks noChangeAspect="1"/>
+          </p:cNvPicPr>
+          <p:nvPr/>
+        </p:nvPicPr>
+        <p:blipFill rotWithShape="1">
+          <a:blip r:embed="rId4"/>
+          <a:srcRect l="52632" t="33721" r="-184" b="33721"/>
+          <a:stretch/>
+        </p:blipFill>
+        <p:spPr>
+          <a:xfrm>
+            <a:off x="5552841" y="4589305"/>
+            <a:ext cx="2033210" cy="1533452"/>
+          </a:xfrm>
+          <a:prstGeom prst="rect">
+            <a:avLst/>
+          </a:prstGeom>
+        </p:spPr>
+      </p:pic>
+      <p:pic>
+        <p:nvPicPr>
+          <p:cNvPr id="19" name="Picture 18" descr="Graphical user interface&#10;&#10;Description automatically generated">
+            <a:extLst>
+              <a:ext uri="{FF2B5EF4-FFF2-40B4-BE49-F238E27FC236}">
+                <a16:creationId xmlns:a16="http://schemas.microsoft.com/office/drawing/2014/main" id="{D238E715-366D-DA4C-D942-97A1B6818ADE}"/>
+              </a:ext>
+            </a:extLst>
+          </p:cNvPr>
+          <p:cNvPicPr>
+            <a:picLocks noChangeAspect="1"/>
+          </p:cNvPicPr>
+          <p:nvPr/>
+        </p:nvPicPr>
+        <p:blipFill rotWithShape="1">
+          <a:blip r:embed="rId4"/>
+          <a:srcRect l="-850" t="66389" r="53298" b="1052"/>
+          <a:stretch/>
+        </p:blipFill>
+        <p:spPr>
+          <a:xfrm>
+            <a:off x="7528031" y="4545379"/>
+            <a:ext cx="2033210" cy="1533452"/>
+          </a:xfrm>
+          <a:prstGeom prst="rect">
+            <a:avLst/>
+          </a:prstGeom>
+        </p:spPr>
+      </p:pic>
+      <p:pic>
+        <p:nvPicPr>
+          <p:cNvPr id="20" name="Picture 19" descr="Graphical user interface&#10;&#10;Description automatically generated">
+            <a:extLst>
+              <a:ext uri="{FF2B5EF4-FFF2-40B4-BE49-F238E27FC236}">
+                <a16:creationId xmlns:a16="http://schemas.microsoft.com/office/drawing/2014/main" id="{22A8B607-540F-96F0-F38D-B5648143CC5A}"/>
+              </a:ext>
+            </a:extLst>
+          </p:cNvPr>
+          <p:cNvPicPr>
+            <a:picLocks noChangeAspect="1"/>
+          </p:cNvPicPr>
+          <p:nvPr/>
+        </p:nvPicPr>
+        <p:blipFill rotWithShape="1">
+          <a:blip r:embed="rId4"/>
+          <a:srcRect l="52566" t="67093" r="-118" b="348"/>
+          <a:stretch/>
+        </p:blipFill>
+        <p:spPr>
+          <a:xfrm>
+            <a:off x="9570865" y="4595119"/>
+            <a:ext cx="2033211" cy="1533453"/>
+          </a:xfrm>
+          <a:prstGeom prst="rect">
+            <a:avLst/>
+          </a:prstGeom>
+        </p:spPr>
+      </p:pic>
+      <p:sp>
+        <p:nvSpPr>
+          <p:cNvPr id="21" name="Title 1">
+            <a:extLst>
+              <a:ext uri="{FF2B5EF4-FFF2-40B4-BE49-F238E27FC236}">
+                <a16:creationId xmlns:a16="http://schemas.microsoft.com/office/drawing/2014/main" id="{28CE2E72-6237-5D7B-AD78-8C84FB2F8EF6}"/>
+              </a:ext>
+            </a:extLst>
+          </p:cNvPr>
+          <p:cNvSpPr txBox="1">
+            <a:spLocks/>
+          </p:cNvSpPr>
+          <p:nvPr/>
+        </p:nvSpPr>
+        <p:spPr>
+          <a:xfrm>
+            <a:off x="3488754" y="1690367"/>
+            <a:ext cx="8194593" cy="481271"/>
+          </a:xfrm>
+          <a:prstGeom prst="rect">
+            <a:avLst/>
+          </a:prstGeom>
+        </p:spPr>
         <p:txBody>
-          <a:bodyPr rtlCol="0" anchor="ctr"/>
-          <a:lstStyle/>
+          <a:bodyPr vert="horz" lIns="91440" tIns="45720" rIns="91440" bIns="45720" rtlCol="0" anchor="ctr">
+            <a:normAutofit/>
+          </a:bodyPr>
+          <a:lstStyle>
+            <a:lvl1pPr algn="l" defTabSz="914400" rtl="0" eaLnBrk="1" latinLnBrk="0" hangingPunct="1">
+              <a:lnSpc>
+                <a:spcPct val="90000"/>
+              </a:lnSpc>
+              <a:spcBef>
+                <a:spcPct val="0"/>
+              </a:spcBef>
+              <a:buNone/>
+              <a:defRPr sz="4000" kern="1200" spc="-100" baseline="0">
+                <a:solidFill>
+                  <a:schemeClr val="tx1"/>
+                </a:solidFill>
+                <a:latin typeface="Batang" panose="02030600000101010101" pitchFamily="18" charset="-127"/>
+                <a:ea typeface="Batang" panose="02030600000101010101" pitchFamily="18" charset="-127"/>
+                <a:cs typeface="+mj-cs"/>
+              </a:defRPr>
+            </a:lvl1pPr>
+          </a:lstStyle>
           <a:p>
             <a:pPr algn="ctr"/>
-            <a:endParaRPr lang="en-US" dirty="0"/>
+            <a:r>
+              <a:rPr lang="en-AU" sz="1800" dirty="0">
+                <a:latin typeface="+mn-lt"/>
+              </a:rPr>
+              <a:t>Continuous Variables</a:t>
+            </a:r>
+            <a:endParaRPr lang="en-US" sz="1800" dirty="0">
+              <a:latin typeface="+mn-lt"/>
+            </a:endParaRPr>
           </a:p>
         </p:txBody>
       </p:sp>
       <p:sp>
         <p:nvSpPr>
-          <p:cNvPr id="24" name="TextBox 23">
-            <a:extLst>
-              <a:ext uri="{FF2B5EF4-FFF2-40B4-BE49-F238E27FC236}">
-                <a16:creationId xmlns:a16="http://schemas.microsoft.com/office/drawing/2014/main" id="{DF99C7DE-71D6-DBDB-4024-A5097E199BF2}"/>
-              </a:ext>
-            </a:extLst>
-          </p:cNvPr>
-          <p:cNvSpPr txBox="1"/>
+          <p:cNvPr id="22" name="Title 1">
+            <a:extLst>
+              <a:ext uri="{FF2B5EF4-FFF2-40B4-BE49-F238E27FC236}">
+                <a16:creationId xmlns:a16="http://schemas.microsoft.com/office/drawing/2014/main" id="{F00EE982-9B5F-5792-6F4E-09948CFDB337}"/>
+              </a:ext>
+            </a:extLst>
+          </p:cNvPr>
+          <p:cNvSpPr txBox="1">
+            <a:spLocks/>
+          </p:cNvSpPr>
           <p:nvPr/>
         </p:nvSpPr>
         <p:spPr>
           <a:xfrm>
-            <a:off x="3723845" y="2088423"/>
-            <a:ext cx="2085186" cy="369332"/>
+            <a:off x="3463626" y="4062919"/>
+            <a:ext cx="8194593" cy="481271"/>
           </a:xfrm>
           <a:prstGeom prst="rect">
             <a:avLst/>
           </a:prstGeom>
-          <a:noFill/>
         </p:spPr>
         <p:txBody>
-          <a:bodyPr wrap="none" rtlCol="0">
-            <a:spAutoFit/>
+          <a:bodyPr vert="horz" lIns="91440" tIns="45720" rIns="91440" bIns="45720" rtlCol="0" anchor="ctr">
+            <a:normAutofit/>
           </a:bodyPr>
-          <a:lstStyle/>
-          <a:p>
+          <a:lstStyle>
+            <a:lvl1pPr algn="l" defTabSz="914400" rtl="0" eaLnBrk="1" latinLnBrk="0" hangingPunct="1">
+              <a:lnSpc>
+                <a:spcPct val="90000"/>
+              </a:lnSpc>
+              <a:spcBef>
+                <a:spcPct val="0"/>
+              </a:spcBef>
+              <a:buNone/>
+              <a:defRPr sz="4000" kern="1200" spc="-100" baseline="0">
+                <a:solidFill>
+                  <a:schemeClr val="tx1"/>
+                </a:solidFill>
+                <a:latin typeface="Batang" panose="02030600000101010101" pitchFamily="18" charset="-127"/>
+                <a:ea typeface="Batang" panose="02030600000101010101" pitchFamily="18" charset="-127"/>
+                <a:cs typeface="+mj-cs"/>
+              </a:defRPr>
+            </a:lvl1pPr>
+          </a:lstStyle>
+          <a:p>
+            <a:pPr algn="ctr"/>
             <a:r>
-              <a:rPr lang="en-US" b="1" dirty="0"/>
-              <a:t>Correlation Values</a:t>
+              <a:rPr lang="en-AU" sz="1800" dirty="0">
+                <a:latin typeface="+mn-lt"/>
+              </a:rPr>
+              <a:t>Ordinal Variables</a:t>
             </a:r>
-          </a:p>
-        </p:txBody>
-      </p:sp>
-      <p:sp>
-        <p:nvSpPr>
-          <p:cNvPr id="25" name="TextBox 24">
-            <a:extLst>
-              <a:ext uri="{FF2B5EF4-FFF2-40B4-BE49-F238E27FC236}">
-                <a16:creationId xmlns:a16="http://schemas.microsoft.com/office/drawing/2014/main" id="{CC78A45E-B54F-08A9-916C-F102D72EFA59}"/>
-              </a:ext>
-            </a:extLst>
-          </p:cNvPr>
-          <p:cNvSpPr txBox="1"/>
-          <p:nvPr/>
-        </p:nvSpPr>
-        <p:spPr>
-          <a:xfrm>
-            <a:off x="5030695" y="2374403"/>
-            <a:ext cx="712054" cy="1077218"/>
-          </a:xfrm>
-          <a:prstGeom prst="rect">
-            <a:avLst/>
-          </a:prstGeom>
-          <a:noFill/>
-        </p:spPr>
-        <p:txBody>
-          <a:bodyPr wrap="none" rtlCol="0">
-            <a:spAutoFit/>
-          </a:bodyPr>
-          <a:lstStyle/>
-          <a:p>
-            <a:r>
-              <a:rPr lang="en-US" sz="1600" dirty="0"/>
-              <a:t>0.339</a:t>
-            </a:r>
-          </a:p>
-          <a:p>
-            <a:r>
-              <a:rPr lang="en-US" sz="1600" dirty="0"/>
-              <a:t>0181</a:t>
-            </a:r>
-          </a:p>
-          <a:p>
-            <a:r>
-              <a:rPr lang="en-US" sz="1600" dirty="0"/>
-              <a:t>0.280</a:t>
-            </a:r>
-          </a:p>
-          <a:p>
-            <a:r>
-              <a:rPr lang="en-US" sz="1600" dirty="0"/>
-              <a:t>0.048</a:t>
-            </a:r>
-          </a:p>
-        </p:txBody>
-      </p:sp>
-      <p:sp>
-        <p:nvSpPr>
-          <p:cNvPr id="27" name="TextBox 26">
-            <a:extLst>
-              <a:ext uri="{FF2B5EF4-FFF2-40B4-BE49-F238E27FC236}">
-                <a16:creationId xmlns:a16="http://schemas.microsoft.com/office/drawing/2014/main" id="{1DE801C5-1144-0F66-149D-55C125F06C2B}"/>
-              </a:ext>
-            </a:extLst>
-          </p:cNvPr>
-          <p:cNvSpPr txBox="1"/>
-          <p:nvPr/>
-        </p:nvSpPr>
-        <p:spPr>
-          <a:xfrm>
-            <a:off x="3752308" y="2376008"/>
-            <a:ext cx="1290097" cy="1077218"/>
-          </a:xfrm>
-          <a:prstGeom prst="rect">
-            <a:avLst/>
-          </a:prstGeom>
-          <a:noFill/>
-        </p:spPr>
-        <p:txBody>
-          <a:bodyPr wrap="none" rtlCol="0">
-            <a:spAutoFit/>
-          </a:bodyPr>
-          <a:lstStyle/>
-          <a:p>
-            <a:r>
-              <a:rPr lang="en-US" sz="1600" dirty="0"/>
-              <a:t> All 	</a:t>
-            </a:r>
-          </a:p>
-          <a:p>
-            <a:r>
-              <a:rPr lang="en-US" sz="1600" dirty="0"/>
-              <a:t> House</a:t>
-            </a:r>
-          </a:p>
-          <a:p>
-            <a:r>
-              <a:rPr lang="en-US" sz="1600" dirty="0"/>
-              <a:t> Townhouse</a:t>
-            </a:r>
-          </a:p>
-          <a:p>
-            <a:r>
-              <a:rPr lang="en-US" sz="1600" dirty="0"/>
-              <a:t> Unit</a:t>
-            </a:r>
+            <a:endParaRPr lang="en-US" sz="1800" dirty="0">
+              <a:latin typeface="+mn-lt"/>
+            </a:endParaRPr>
           </a:p>
         </p:txBody>
       </p:sp>
     </p:spTree>
     <p:extLst>
       <p:ext uri="{BB962C8B-B14F-4D97-AF65-F5344CB8AC3E}">
-        <p14:creationId xmlns:p14="http://schemas.microsoft.com/office/powerpoint/2010/main" val="964606592"/>
+        <p14:creationId xmlns:p14="http://schemas.microsoft.com/office/powerpoint/2010/main" val="1420720014"/>
       </p:ext>
     </p:extLst>
   </p:cSld>
@@ -6014,7 +8702,7 @@
           <a:p>
             <a:r>
               <a:rPr lang="en-AU" sz="3000" dirty="0"/>
-              <a:t>Data Analysis: Date of Sale</a:t>
+              <a:t>Data Analysis: Dependent Nominal Variables</a:t>
             </a:r>
           </a:p>
         </p:txBody>
@@ -6066,10 +8754,10 @@
       </p:sp>
       <p:pic>
         <p:nvPicPr>
-          <p:cNvPr id="7" name="Picture 6" descr="Chart, line chart&#10;&#10;Description automatically generated">
-            <a:extLst>
-              <a:ext uri="{FF2B5EF4-FFF2-40B4-BE49-F238E27FC236}">
-                <a16:creationId xmlns:a16="http://schemas.microsoft.com/office/drawing/2014/main" id="{94278157-9010-9301-2DA2-966898A36DC6}"/>
+          <p:cNvPr id="6" name="Picture 5" descr="Graphical user interface&#10;&#10;Description automatically generated with medium confidence">
+            <a:extLst>
+              <a:ext uri="{FF2B5EF4-FFF2-40B4-BE49-F238E27FC236}">
+                <a16:creationId xmlns:a16="http://schemas.microsoft.com/office/drawing/2014/main" id="{0710022F-ED51-4B7C-E3CC-2CC3C73D9881}"/>
               </a:ext>
             </a:extLst>
           </p:cNvPr>
@@ -6086,18 +8774,204 @@
         </p:blipFill>
         <p:spPr>
           <a:xfrm>
-            <a:off x="3065701" y="1539210"/>
-            <a:ext cx="9126298" cy="4563149"/>
+            <a:off x="5451549" y="1462514"/>
+            <a:ext cx="6429560" cy="5143648"/>
           </a:xfrm>
           <a:prstGeom prst="rect">
             <a:avLst/>
           </a:prstGeom>
         </p:spPr>
       </p:pic>
+      <p:sp>
+        <p:nvSpPr>
+          <p:cNvPr id="26" name="Rectangle 25">
+            <a:extLst>
+              <a:ext uri="{FF2B5EF4-FFF2-40B4-BE49-F238E27FC236}">
+                <a16:creationId xmlns:a16="http://schemas.microsoft.com/office/drawing/2014/main" id="{FCED09DB-EFAA-A8FE-9CD4-F9FA2918529B}"/>
+              </a:ext>
+            </a:extLst>
+          </p:cNvPr>
+          <p:cNvSpPr/>
+          <p:nvPr/>
+        </p:nvSpPr>
+        <p:spPr>
+          <a:xfrm>
+            <a:off x="3702224" y="2076065"/>
+            <a:ext cx="2174134" cy="1414719"/>
+          </a:xfrm>
+          <a:prstGeom prst="rect">
+            <a:avLst/>
+          </a:prstGeom>
+          <a:ln w="6350"/>
+        </p:spPr>
+        <p:style>
+          <a:lnRef idx="2">
+            <a:schemeClr val="dk1"/>
+          </a:lnRef>
+          <a:fillRef idx="1">
+            <a:schemeClr val="lt1"/>
+          </a:fillRef>
+          <a:effectRef idx="0">
+            <a:schemeClr val="dk1"/>
+          </a:effectRef>
+          <a:fontRef idx="minor">
+            <a:schemeClr val="dk1"/>
+          </a:fontRef>
+        </p:style>
+        <p:txBody>
+          <a:bodyPr rtlCol="0" anchor="ctr"/>
+          <a:lstStyle/>
+          <a:p>
+            <a:pPr algn="ctr"/>
+            <a:endParaRPr lang="en-US" dirty="0"/>
+          </a:p>
+        </p:txBody>
+      </p:sp>
+      <p:sp>
+        <p:nvSpPr>
+          <p:cNvPr id="24" name="TextBox 23">
+            <a:extLst>
+              <a:ext uri="{FF2B5EF4-FFF2-40B4-BE49-F238E27FC236}">
+                <a16:creationId xmlns:a16="http://schemas.microsoft.com/office/drawing/2014/main" id="{DF99C7DE-71D6-DBDB-4024-A5097E199BF2}"/>
+              </a:ext>
+            </a:extLst>
+          </p:cNvPr>
+          <p:cNvSpPr txBox="1"/>
+          <p:nvPr/>
+        </p:nvSpPr>
+        <p:spPr>
+          <a:xfrm>
+            <a:off x="3723845" y="2088423"/>
+            <a:ext cx="2085186" cy="369332"/>
+          </a:xfrm>
+          <a:prstGeom prst="rect">
+            <a:avLst/>
+          </a:prstGeom>
+          <a:noFill/>
+        </p:spPr>
+        <p:txBody>
+          <a:bodyPr wrap="none" rtlCol="0">
+            <a:spAutoFit/>
+          </a:bodyPr>
+          <a:lstStyle/>
+          <a:p>
+            <a:r>
+              <a:rPr lang="en-US" b="1" dirty="0"/>
+              <a:t>Correlation Values</a:t>
+            </a:r>
+          </a:p>
+        </p:txBody>
+      </p:sp>
+      <p:sp>
+        <p:nvSpPr>
+          <p:cNvPr id="25" name="TextBox 24">
+            <a:extLst>
+              <a:ext uri="{FF2B5EF4-FFF2-40B4-BE49-F238E27FC236}">
+                <a16:creationId xmlns:a16="http://schemas.microsoft.com/office/drawing/2014/main" id="{CC78A45E-B54F-08A9-916C-F102D72EFA59}"/>
+              </a:ext>
+            </a:extLst>
+          </p:cNvPr>
+          <p:cNvSpPr txBox="1"/>
+          <p:nvPr/>
+        </p:nvSpPr>
+        <p:spPr>
+          <a:xfrm>
+            <a:off x="5030695" y="2374403"/>
+            <a:ext cx="712054" cy="1077218"/>
+          </a:xfrm>
+          <a:prstGeom prst="rect">
+            <a:avLst/>
+          </a:prstGeom>
+          <a:noFill/>
+        </p:spPr>
+        <p:txBody>
+          <a:bodyPr wrap="none" rtlCol="0">
+            <a:spAutoFit/>
+          </a:bodyPr>
+          <a:lstStyle/>
+          <a:p>
+            <a:r>
+              <a:rPr lang="en-US" sz="1600" dirty="0"/>
+              <a:t>0.339</a:t>
+            </a:r>
+          </a:p>
+          <a:p>
+            <a:r>
+              <a:rPr lang="en-US" sz="1600" dirty="0"/>
+              <a:t>0181</a:t>
+            </a:r>
+          </a:p>
+          <a:p>
+            <a:r>
+              <a:rPr lang="en-US" sz="1600" dirty="0"/>
+              <a:t>0.280</a:t>
+            </a:r>
+          </a:p>
+          <a:p>
+            <a:r>
+              <a:rPr lang="en-US" sz="1600" dirty="0"/>
+              <a:t>0.048</a:t>
+            </a:r>
+          </a:p>
+        </p:txBody>
+      </p:sp>
+      <p:sp>
+        <p:nvSpPr>
+          <p:cNvPr id="27" name="TextBox 26">
+            <a:extLst>
+              <a:ext uri="{FF2B5EF4-FFF2-40B4-BE49-F238E27FC236}">
+                <a16:creationId xmlns:a16="http://schemas.microsoft.com/office/drawing/2014/main" id="{1DE801C5-1144-0F66-149D-55C125F06C2B}"/>
+              </a:ext>
+            </a:extLst>
+          </p:cNvPr>
+          <p:cNvSpPr txBox="1"/>
+          <p:nvPr/>
+        </p:nvSpPr>
+        <p:spPr>
+          <a:xfrm>
+            <a:off x="3752308" y="2376008"/>
+            <a:ext cx="1290097" cy="1077218"/>
+          </a:xfrm>
+          <a:prstGeom prst="rect">
+            <a:avLst/>
+          </a:prstGeom>
+          <a:noFill/>
+        </p:spPr>
+        <p:txBody>
+          <a:bodyPr wrap="none" rtlCol="0">
+            <a:spAutoFit/>
+          </a:bodyPr>
+          <a:lstStyle/>
+          <a:p>
+            <a:r>
+              <a:rPr lang="en-US" sz="1600" dirty="0"/>
+              <a:t> All 	</a:t>
+            </a:r>
+          </a:p>
+          <a:p>
+            <a:r>
+              <a:rPr lang="en-US" sz="1600" dirty="0"/>
+              <a:t> House</a:t>
+            </a:r>
+          </a:p>
+          <a:p>
+            <a:r>
+              <a:rPr lang="en-US" sz="1600" dirty="0"/>
+              <a:t> Townhouse</a:t>
+            </a:r>
+          </a:p>
+          <a:p>
+            <a:r>
+              <a:rPr lang="en-US" sz="1600" dirty="0"/>
+              <a:t> Unit</a:t>
+            </a:r>
+          </a:p>
+        </p:txBody>
+      </p:sp>
     </p:spTree>
     <p:extLst>
       <p:ext uri="{BB962C8B-B14F-4D97-AF65-F5344CB8AC3E}">
-        <p14:creationId xmlns:p14="http://schemas.microsoft.com/office/powerpoint/2010/main" val="2413738777"/>
+        <p14:creationId xmlns:p14="http://schemas.microsoft.com/office/powerpoint/2010/main" val="964606592"/>
       </p:ext>
     </p:extLst>
   </p:cSld>
@@ -6197,7 +9071,7 @@
           <p:cNvPr id="2" name="Title 1">
             <a:extLst>
               <a:ext uri="{FF2B5EF4-FFF2-40B4-BE49-F238E27FC236}">
-                <a16:creationId xmlns:a16="http://schemas.microsoft.com/office/drawing/2014/main" id="{762B075E-5CB8-6826-C206-66DB1D97F0D6}"/>
+                <a16:creationId xmlns:a16="http://schemas.microsoft.com/office/drawing/2014/main" id="{A396A3E6-A1B9-18CC-9296-410A30935CDD}"/>
               </a:ext>
             </a:extLst>
           </p:cNvPr>
@@ -6221,9 +9095,10 @@
           <a:lstStyle/>
           <a:p>
             <a:r>
-              <a:rPr lang="en-US" sz="3400"/>
-              <a:t>Q2: Looking to buy in Melbourne? What location is best for you and your bank account</a:t>
+              <a:rPr lang="en-AU" sz="3000" dirty="0"/>
+              <a:t>QUESTION 1.</a:t>
             </a:r>
+            <a:endParaRPr lang="en-US" sz="3000" dirty="0"/>
           </a:p>
         </p:txBody>
       </p:sp>
@@ -6385,71 +9260,137 @@
       </p:cxnSp>
       <p:sp>
         <p:nvSpPr>
-          <p:cNvPr id="3" name="Content Placeholder 2">
-            <a:extLst>
-              <a:ext uri="{FF2B5EF4-FFF2-40B4-BE49-F238E27FC236}">
-                <a16:creationId xmlns:a16="http://schemas.microsoft.com/office/drawing/2014/main" id="{C365EACB-2D95-86E7-61F0-3B87010E875F}"/>
-              </a:ext>
-            </a:extLst>
-          </p:cNvPr>
-          <p:cNvSpPr>
-            <a:spLocks noGrp="1"/>
+          <p:cNvPr id="4" name="Title 1">
+            <a:extLst>
+              <a:ext uri="{FF2B5EF4-FFF2-40B4-BE49-F238E27FC236}">
+                <a16:creationId xmlns:a16="http://schemas.microsoft.com/office/drawing/2014/main" id="{ED17F487-4AFA-5362-FABC-706960C3A0C4}"/>
+              </a:ext>
+            </a:extLst>
+          </p:cNvPr>
+          <p:cNvSpPr txBox="1">
+            <a:spLocks/>
           </p:cNvSpPr>
-          <p:nvPr>
-            <p:ph idx="1"/>
-          </p:nvPr>
+          <p:nvPr/>
         </p:nvSpPr>
         <p:spPr>
           <a:xfrm>
-            <a:off x="3791570" y="939782"/>
-            <a:ext cx="7724000" cy="5034810"/>
-          </a:xfrm>
+            <a:off x="3476190" y="818777"/>
+            <a:ext cx="8194593" cy="5099442"/>
+          </a:xfrm>
+          <a:prstGeom prst="rect">
+            <a:avLst/>
+          </a:prstGeom>
         </p:spPr>
         <p:txBody>
-          <a:bodyPr anchor="t">
+          <a:bodyPr vert="horz" lIns="91440" tIns="45720" rIns="91440" bIns="45720" rtlCol="0" anchor="t">
             <a:normAutofit/>
           </a:bodyPr>
-          <a:lstStyle/>
+          <a:lstStyle>
+            <a:lvl1pPr algn="l" defTabSz="914400" rtl="0" eaLnBrk="1" latinLnBrk="0" hangingPunct="1">
+              <a:lnSpc>
+                <a:spcPct val="90000"/>
+              </a:lnSpc>
+              <a:spcBef>
+                <a:spcPct val="0"/>
+              </a:spcBef>
+              <a:buNone/>
+              <a:defRPr sz="4000" kern="1200" spc="-100" baseline="0">
+                <a:solidFill>
+                  <a:schemeClr val="tx1"/>
+                </a:solidFill>
+                <a:latin typeface="Batang" panose="02030600000101010101" pitchFamily="18" charset="-127"/>
+                <a:ea typeface="Batang" panose="02030600000101010101" pitchFamily="18" charset="-127"/>
+                <a:cs typeface="+mj-cs"/>
+              </a:defRPr>
+            </a:lvl1pPr>
+          </a:lstStyle>
           <a:p>
             <a:r>
-              <a:rPr lang="en-US" sz="1800"/>
-              <a:t>Parameters Used:</a:t>
-            </a:r>
-          </a:p>
-          <a:p>
-            <a:pPr lvl="1"/>
-            <a:r>
-              <a:rPr lang="en-US" dirty="0"/>
-              <a:t>Distance from CBD</a:t>
-            </a:r>
-          </a:p>
-          <a:p>
-            <a:pPr lvl="1"/>
-            <a:r>
-              <a:rPr lang="en-US" dirty="0"/>
-              <a:t>Location</a:t>
-            </a:r>
-          </a:p>
-          <a:p>
-            <a:pPr lvl="1"/>
-            <a:r>
-              <a:rPr lang="en-US" dirty="0"/>
-              <a:t>Target Demographic</a:t>
-            </a:r>
-          </a:p>
-          <a:p>
-            <a:pPr lvl="1"/>
-            <a:r>
-              <a:rPr lang="en-US" dirty="0"/>
-              <a:t>Property Type – Unit (u), Townhouse (t), House (h)</a:t>
+              <a:rPr lang="en-AU" sz="3000" dirty="0"/>
+              <a:t>Data Analysis: Date of Sale</a:t>
             </a:r>
           </a:p>
         </p:txBody>
       </p:sp>
+      <p:sp>
+        <p:nvSpPr>
+          <p:cNvPr id="23" name="Rectangle 22">
+            <a:extLst>
+              <a:ext uri="{FF2B5EF4-FFF2-40B4-BE49-F238E27FC236}">
+                <a16:creationId xmlns:a16="http://schemas.microsoft.com/office/drawing/2014/main" id="{839E527B-B42A-510D-DEB0-1748C4CC9ACF}"/>
+              </a:ext>
+            </a:extLst>
+          </p:cNvPr>
+          <p:cNvSpPr/>
+          <p:nvPr/>
+        </p:nvSpPr>
+        <p:spPr>
+          <a:xfrm>
+            <a:off x="3512752" y="1390278"/>
+            <a:ext cx="8107748" cy="4825882"/>
+          </a:xfrm>
+          <a:prstGeom prst="rect">
+            <a:avLst/>
+          </a:prstGeom>
+          <a:ln w="6350"/>
+        </p:spPr>
+        <p:style>
+          <a:lnRef idx="2">
+            <a:schemeClr val="dk1"/>
+          </a:lnRef>
+          <a:fillRef idx="1">
+            <a:schemeClr val="lt1"/>
+          </a:fillRef>
+          <a:effectRef idx="0">
+            <a:schemeClr val="dk1"/>
+          </a:effectRef>
+          <a:fontRef idx="minor">
+            <a:schemeClr val="dk1"/>
+          </a:fontRef>
+        </p:style>
+        <p:txBody>
+          <a:bodyPr rtlCol="0" anchor="ctr"/>
+          <a:lstStyle/>
+          <a:p>
+            <a:pPr algn="ctr"/>
+            <a:endParaRPr lang="en-US" dirty="0"/>
+          </a:p>
+        </p:txBody>
+      </p:sp>
+      <p:pic>
+        <p:nvPicPr>
+          <p:cNvPr id="7" name="Picture 6" descr="Chart, line chart&#10;&#10;Description automatically generated">
+            <a:extLst>
+              <a:ext uri="{FF2B5EF4-FFF2-40B4-BE49-F238E27FC236}">
+                <a16:creationId xmlns:a16="http://schemas.microsoft.com/office/drawing/2014/main" id="{94278157-9010-9301-2DA2-966898A36DC6}"/>
+              </a:ext>
+            </a:extLst>
+          </p:cNvPr>
+          <p:cNvPicPr>
+            <a:picLocks noChangeAspect="1"/>
+          </p:cNvPicPr>
+          <p:nvPr/>
+        </p:nvPicPr>
+        <p:blipFill>
+          <a:blip r:embed="rId2"/>
+          <a:stretch>
+            <a:fillRect/>
+          </a:stretch>
+        </p:blipFill>
+        <p:spPr>
+          <a:xfrm>
+            <a:off x="3065701" y="1539210"/>
+            <a:ext cx="9126298" cy="4563149"/>
+          </a:xfrm>
+          <a:prstGeom prst="rect">
+            <a:avLst/>
+          </a:prstGeom>
+        </p:spPr>
+      </p:pic>
     </p:spTree>
     <p:extLst>
       <p:ext uri="{BB962C8B-B14F-4D97-AF65-F5344CB8AC3E}">
-        <p14:creationId xmlns:p14="http://schemas.microsoft.com/office/powerpoint/2010/main" val="184351359"/>
+        <p14:creationId xmlns:p14="http://schemas.microsoft.com/office/powerpoint/2010/main" val="2413738777"/>
       </p:ext>
     </p:extLst>
   </p:cSld>
@@ -6462,14 +9403,6 @@
 <file path=ppt/slides/slide13.xml><?xml version="1.0" encoding="utf-8"?>
 <p:sld xmlns:a="http://schemas.openxmlformats.org/drawingml/2006/main" xmlns:r="http://schemas.openxmlformats.org/officeDocument/2006/relationships" xmlns:p="http://schemas.openxmlformats.org/presentationml/2006/main">
   <p:cSld>
-    <p:bg>
-      <p:bgPr>
-        <a:solidFill>
-          <a:schemeClr val="bg2"/>
-        </a:solidFill>
-        <a:effectLst/>
-      </p:bgPr>
-    </p:bg>
     <p:spTree>
       <p:nvGrpSpPr>
         <p:cNvPr id="1" name=""/>
@@ -6484,72 +9417,12 @@
           <a:chExt cx="0" cy="0"/>
         </a:xfrm>
       </p:grpSpPr>
-      <p:sp useBgFill="1">
-        <p:nvSpPr>
-          <p:cNvPr id="8" name="Rectangle 7">
-            <a:extLst>
-              <a:ext uri="{FF2B5EF4-FFF2-40B4-BE49-F238E27FC236}">
-                <a16:creationId xmlns:a16="http://schemas.microsoft.com/office/drawing/2014/main" id="{5889F449-A8C1-4223-8D3F-453A7C93038E}"/>
-              </a:ext>
-              <a:ext uri="{C183D7F6-B498-43B3-948B-1728B52AA6E4}">
-                <adec:decorative xmlns:adec="http://schemas.microsoft.com/office/drawing/2017/decorative" val="1"/>
-              </a:ext>
-            </a:extLst>
-          </p:cNvPr>
-          <p:cNvSpPr>
-            <a:spLocks noGrp="1" noRot="1" noChangeAspect="1" noMove="1" noResize="1" noEditPoints="1" noAdjustHandles="1" noChangeArrowheads="1" noChangeShapeType="1" noTextEdit="1"/>
-          </p:cNvSpPr>
-          <p:nvPr>
-            <p:extLst>
-              <p:ext uri="{386F3935-93C4-4BCD-93E2-E3B085C9AB24}">
-                <p16:designElem xmlns:p16="http://schemas.microsoft.com/office/powerpoint/2015/main" val="1"/>
-              </p:ext>
-            </p:extLst>
-          </p:nvPr>
-        </p:nvSpPr>
-        <p:spPr>
-          <a:xfrm>
-            <a:off x="1" y="0"/>
-            <a:ext cx="12192000" cy="6858000"/>
-          </a:xfrm>
-          <a:prstGeom prst="rect">
-            <a:avLst/>
-          </a:prstGeom>
-          <a:ln>
-            <a:noFill/>
-          </a:ln>
-        </p:spPr>
-        <p:style>
-          <a:lnRef idx="2">
-            <a:schemeClr val="accent1">
-              <a:shade val="50000"/>
-            </a:schemeClr>
-          </a:lnRef>
-          <a:fillRef idx="1">
-            <a:schemeClr val="accent1"/>
-          </a:fillRef>
-          <a:effectRef idx="0">
-            <a:schemeClr val="accent1"/>
-          </a:effectRef>
-          <a:fontRef idx="minor">
-            <a:schemeClr val="lt1"/>
-          </a:fontRef>
-        </p:style>
-        <p:txBody>
-          <a:bodyPr rtlCol="0" anchor="ctr"/>
-          <a:lstStyle/>
-          <a:p>
-            <a:pPr algn="ctr"/>
-            <a:endParaRPr lang="en-US"/>
-          </a:p>
-        </p:txBody>
-      </p:sp>
       <p:sp>
         <p:nvSpPr>
           <p:cNvPr id="2" name="Title 1">
             <a:extLst>
               <a:ext uri="{FF2B5EF4-FFF2-40B4-BE49-F238E27FC236}">
-                <a16:creationId xmlns:a16="http://schemas.microsoft.com/office/drawing/2014/main" id="{7E8D97E0-8EE7-A0CF-B8FB-B18B2779529A}"/>
+                <a16:creationId xmlns:a16="http://schemas.microsoft.com/office/drawing/2014/main" id="{4FFD9A9B-5A69-4656-54AF-A610D2E76746}"/>
               </a:ext>
             </a:extLst>
           </p:cNvPr>
@@ -6562,173 +9435,54 @@
         </p:nvSpPr>
         <p:spPr>
           <a:xfrm>
-            <a:off x="521208" y="818777"/>
-            <a:ext cx="2632002" cy="5099442"/>
+            <a:off x="521207" y="638955"/>
+            <a:ext cx="11110405" cy="1054864"/>
           </a:xfrm>
         </p:spPr>
         <p:txBody>
-          <a:bodyPr anchor="t">
+          <a:bodyPr anchor="ctr">
             <a:normAutofit/>
           </a:bodyPr>
           <a:lstStyle/>
           <a:p>
+            <a:pPr algn="ctr"/>
             <a:r>
-              <a:rPr lang="en-US" sz="3400"/>
-              <a:t>Q2: Looking to buy in Melbourne? What location is best for you and your bank account</a:t>
+              <a:rPr lang="en-US" sz="5000" b="1" dirty="0"/>
+              <a:t>QUESTION 2.</a:t>
             </a:r>
           </a:p>
         </p:txBody>
       </p:sp>
       <p:cxnSp>
         <p:nvCxnSpPr>
-          <p:cNvPr id="10" name="Straight Connector 9">
-            <a:extLst>
-              <a:ext uri="{FF2B5EF4-FFF2-40B4-BE49-F238E27FC236}">
-                <a16:creationId xmlns:a16="http://schemas.microsoft.com/office/drawing/2014/main" id="{9B483DE6-F425-4CA0-9983-0778A131FA7B}"/>
-              </a:ext>
-              <a:ext uri="{C183D7F6-B498-43B3-948B-1728B52AA6E4}">
-                <adec:decorative xmlns:adec="http://schemas.microsoft.com/office/drawing/2017/decorative" val="1"/>
-              </a:ext>
-            </a:extLst>
-          </p:cNvPr>
-          <p:cNvCxnSpPr>
-            <a:cxnSpLocks noGrp="1" noRot="1" noChangeAspect="1" noMove="1" noResize="1" noEditPoints="1" noAdjustHandles="1" noChangeArrowheads="1" noChangeShapeType="1"/>
-          </p:cNvCxnSpPr>
-          <p:nvPr>
-            <p:extLst>
-              <p:ext uri="{386F3935-93C4-4BCD-93E2-E3B085C9AB24}">
-                <p16:designElem xmlns:p16="http://schemas.microsoft.com/office/powerpoint/2015/main" val="1"/>
-              </p:ext>
-            </p:extLst>
-          </p:nvPr>
+          <p:cNvPr id="26" name="Straight Connector 25">
+            <a:extLst>
+              <a:ext uri="{FF2B5EF4-FFF2-40B4-BE49-F238E27FC236}">
+                <a16:creationId xmlns:a16="http://schemas.microsoft.com/office/drawing/2014/main" id="{6679F576-3F84-B24E-6582-6775328A5DFC}"/>
+              </a:ext>
+            </a:extLst>
+          </p:cNvPr>
+          <p:cNvCxnSpPr/>
+          <p:nvPr/>
         </p:nvCxnSpPr>
         <p:spPr>
-          <a:xfrm flipH="1">
-            <a:off x="571501" y="571500"/>
-            <a:ext cx="11048999" cy="0"/>
+          <a:xfrm>
+            <a:off x="571500" y="1847909"/>
+            <a:ext cx="11054799" cy="0"/>
           </a:xfrm>
           <a:prstGeom prst="line">
             <a:avLst/>
           </a:prstGeom>
-          <a:ln>
-            <a:solidFill>
-              <a:schemeClr val="tx1"/>
-            </a:solidFill>
-          </a:ln>
         </p:spPr>
         <p:style>
           <a:lnRef idx="1">
-            <a:schemeClr val="accent1"/>
+            <a:schemeClr val="dk1"/>
           </a:lnRef>
           <a:fillRef idx="0">
-            <a:schemeClr val="accent1"/>
+            <a:schemeClr val="dk1"/>
           </a:fillRef>
           <a:effectRef idx="0">
-            <a:schemeClr val="accent1"/>
-          </a:effectRef>
-          <a:fontRef idx="minor">
-            <a:schemeClr val="tx1"/>
-          </a:fontRef>
-        </p:style>
-      </p:cxnSp>
-      <p:cxnSp>
-        <p:nvCxnSpPr>
-          <p:cNvPr id="12" name="Straight Connector 11">
-            <a:extLst>
-              <a:ext uri="{FF2B5EF4-FFF2-40B4-BE49-F238E27FC236}">
-                <a16:creationId xmlns:a16="http://schemas.microsoft.com/office/drawing/2014/main" id="{C8F3C27F-5DD1-4734-BC17-6CA44602646E}"/>
-              </a:ext>
-              <a:ext uri="{C183D7F6-B498-43B3-948B-1728B52AA6E4}">
-                <adec:decorative xmlns:adec="http://schemas.microsoft.com/office/drawing/2017/decorative" val="1"/>
-              </a:ext>
-            </a:extLst>
-          </p:cNvPr>
-          <p:cNvCxnSpPr>
-            <a:cxnSpLocks noGrp="1" noRot="1" noChangeAspect="1" noMove="1" noResize="1" noEditPoints="1" noAdjustHandles="1" noChangeArrowheads="1" noChangeShapeType="1"/>
-          </p:cNvCxnSpPr>
-          <p:nvPr>
-            <p:extLst>
-              <p:ext uri="{386F3935-93C4-4BCD-93E2-E3B085C9AB24}">
-                <p16:designElem xmlns:p16="http://schemas.microsoft.com/office/powerpoint/2015/main" val="1"/>
-              </p:ext>
-            </p:extLst>
-          </p:nvPr>
-        </p:nvCxnSpPr>
-        <p:spPr>
-          <a:xfrm flipH="1">
-            <a:off x="571501" y="6286500"/>
-            <a:ext cx="11048999" cy="0"/>
-          </a:xfrm>
-          <a:prstGeom prst="line">
-            <a:avLst/>
-          </a:prstGeom>
-          <a:ln>
-            <a:solidFill>
-              <a:schemeClr val="tx1"/>
-            </a:solidFill>
-          </a:ln>
-        </p:spPr>
-        <p:style>
-          <a:lnRef idx="1">
-            <a:schemeClr val="accent1"/>
-          </a:lnRef>
-          <a:fillRef idx="0">
-            <a:schemeClr val="accent1"/>
-          </a:fillRef>
-          <a:effectRef idx="0">
-            <a:schemeClr val="accent1"/>
-          </a:effectRef>
-          <a:fontRef idx="minor">
-            <a:schemeClr val="tx1"/>
-          </a:fontRef>
-        </p:style>
-      </p:cxnSp>
-      <p:cxnSp>
-        <p:nvCxnSpPr>
-          <p:cNvPr id="14" name="Straight Connector 13">
-            <a:extLst>
-              <a:ext uri="{FF2B5EF4-FFF2-40B4-BE49-F238E27FC236}">
-                <a16:creationId xmlns:a16="http://schemas.microsoft.com/office/drawing/2014/main" id="{61F67967-936C-4D11-B434-DEBD15F2B7EA}"/>
-              </a:ext>
-              <a:ext uri="{C183D7F6-B498-43B3-948B-1728B52AA6E4}">
-                <adec:decorative xmlns:adec="http://schemas.microsoft.com/office/drawing/2017/decorative" val="1"/>
-              </a:ext>
-            </a:extLst>
-          </p:cNvPr>
-          <p:cNvCxnSpPr>
-            <a:cxnSpLocks noGrp="1" noRot="1" noChangeAspect="1" noMove="1" noResize="1" noEditPoints="1" noAdjustHandles="1" noChangeArrowheads="1" noChangeShapeType="1"/>
-          </p:cNvCxnSpPr>
-          <p:nvPr>
-            <p:extLst>
-              <p:ext uri="{386F3935-93C4-4BCD-93E2-E3B085C9AB24}">
-                <p16:designElem xmlns:p16="http://schemas.microsoft.com/office/powerpoint/2015/main" val="1"/>
-              </p:ext>
-            </p:extLst>
-          </p:nvPr>
-        </p:nvCxnSpPr>
-        <p:spPr>
-          <a:xfrm>
-            <a:off x="3314700" y="571500"/>
-            <a:ext cx="0" cy="5715000"/>
-          </a:xfrm>
-          <a:prstGeom prst="line">
-            <a:avLst/>
-          </a:prstGeom>
-          <a:ln>
-            <a:solidFill>
-              <a:schemeClr val="tx1"/>
-            </a:solidFill>
-          </a:ln>
-        </p:spPr>
-        <p:style>
-          <a:lnRef idx="1">
-            <a:schemeClr val="accent1"/>
-          </a:lnRef>
-          <a:fillRef idx="0">
-            <a:schemeClr val="accent1"/>
-          </a:fillRef>
-          <a:effectRef idx="0">
-            <a:schemeClr val="accent1"/>
+            <a:schemeClr val="dk1"/>
           </a:effectRef>
           <a:fontRef idx="minor">
             <a:schemeClr val="tx1"/>
@@ -6737,40 +9491,47 @@
       </p:cxnSp>
       <p:sp>
         <p:nvSpPr>
-          <p:cNvPr id="3" name="Content Placeholder 2">
-            <a:extLst>
-              <a:ext uri="{FF2B5EF4-FFF2-40B4-BE49-F238E27FC236}">
-                <a16:creationId xmlns:a16="http://schemas.microsoft.com/office/drawing/2014/main" id="{22C9255B-0062-934C-33D2-37B5AB647C6B}"/>
-              </a:ext>
-            </a:extLst>
-          </p:cNvPr>
-          <p:cNvSpPr>
-            <a:spLocks noGrp="1"/>
-          </p:cNvSpPr>
-          <p:nvPr>
-            <p:ph idx="1"/>
-          </p:nvPr>
+          <p:cNvPr id="5" name="TextBox 4">
+            <a:extLst>
+              <a:ext uri="{FF2B5EF4-FFF2-40B4-BE49-F238E27FC236}">
+                <a16:creationId xmlns:a16="http://schemas.microsoft.com/office/drawing/2014/main" id="{E95B7E07-819D-D91F-38F3-D0C39A81619F}"/>
+              </a:ext>
+            </a:extLst>
+          </p:cNvPr>
+          <p:cNvSpPr txBox="1"/>
+          <p:nvPr/>
         </p:nvSpPr>
         <p:spPr>
           <a:xfrm>
-            <a:off x="3791570" y="939782"/>
-            <a:ext cx="7724000" cy="5034810"/>
-          </a:xfrm>
+            <a:off x="754521" y="2957554"/>
+            <a:ext cx="10643775" cy="2585323"/>
+          </a:xfrm>
+          <a:prstGeom prst="rect">
+            <a:avLst/>
+          </a:prstGeom>
+          <a:noFill/>
         </p:spPr>
         <p:txBody>
-          <a:bodyPr anchor="t">
-            <a:normAutofit/>
+          <a:bodyPr wrap="square">
+            <a:spAutoFit/>
           </a:bodyPr>
           <a:lstStyle/>
           <a:p>
-            <a:endParaRPr lang="en-US" sz="1800"/>
+            <a:pPr algn="ctr"/>
+            <a:r>
+              <a:rPr lang="en-US" sz="5400" dirty="0"/>
+              <a:t>Looking to buy in Melbourne? What location is best for you and your bank account</a:t>
+            </a:r>
+            <a:endParaRPr lang="en-US" sz="5000" dirty="0">
+              <a:latin typeface="+mj-lt"/>
+            </a:endParaRPr>
           </a:p>
         </p:txBody>
       </p:sp>
     </p:spTree>
     <p:extLst>
       <p:ext uri="{BB962C8B-B14F-4D97-AF65-F5344CB8AC3E}">
-        <p14:creationId xmlns:p14="http://schemas.microsoft.com/office/powerpoint/2010/main" val="1995704962"/>
+        <p14:creationId xmlns:p14="http://schemas.microsoft.com/office/powerpoint/2010/main" val="1331093296"/>
       </p:ext>
     </p:extLst>
   </p:cSld>
@@ -6870,7 +9631,7 @@
           <p:cNvPr id="2" name="Title 1">
             <a:extLst>
               <a:ext uri="{FF2B5EF4-FFF2-40B4-BE49-F238E27FC236}">
-                <a16:creationId xmlns:a16="http://schemas.microsoft.com/office/drawing/2014/main" id="{DE96DB97-2CC5-900B-BEA1-E88FD8AF202A}"/>
+                <a16:creationId xmlns:a16="http://schemas.microsoft.com/office/drawing/2014/main" id="{762B075E-5CB8-6826-C206-66DB1D97F0D6}"/>
               </a:ext>
             </a:extLst>
           </p:cNvPr>
@@ -6894,10 +9655,9 @@
           <a:lstStyle/>
           <a:p>
             <a:r>
-              <a:rPr lang="en-AU" sz="3400" dirty="0"/>
-              <a:t>Q3: Looking to sell in Melbourne? Which real estate agency will get you the best value?</a:t>
+              <a:rPr lang="en-US" sz="3400" dirty="0"/>
+              <a:t>Q2: Looking to buy in Melbourne? What location is best for you and your bank account</a:t>
             </a:r>
-            <a:endParaRPr lang="en-US" sz="3400" dirty="0"/>
           </a:p>
         </p:txBody>
       </p:sp>
@@ -7062,7 +9822,7 @@
           <p:cNvPr id="3" name="Content Placeholder 2">
             <a:extLst>
               <a:ext uri="{FF2B5EF4-FFF2-40B4-BE49-F238E27FC236}">
-                <a16:creationId xmlns:a16="http://schemas.microsoft.com/office/drawing/2014/main" id="{8EB012D6-2E86-F74C-7D8F-DB3E8BDF16E4}"/>
+                <a16:creationId xmlns:a16="http://schemas.microsoft.com/office/drawing/2014/main" id="{C365EACB-2D95-86E7-61F0-3B87010E875F}"/>
               </a:ext>
             </a:extLst>
           </p:cNvPr>
@@ -7086,7 +9846,7 @@
           <a:lstStyle/>
           <a:p>
             <a:r>
-              <a:rPr lang="en-US" sz="1800"/>
+              <a:rPr lang="en-US" sz="1800" dirty="0"/>
               <a:t>Parameters Used:</a:t>
             </a:r>
           </a:p>
@@ -7094,30 +9854,28 @@
             <a:pPr lvl="1"/>
             <a:r>
               <a:rPr lang="en-US" dirty="0"/>
-              <a:t>Number of properties sold</a:t>
+              <a:t>Distance from CBD</a:t>
             </a:r>
-          </a:p>
-          <a:p>
-            <a:pPr lvl="1"/>
-            <a:r>
-              <a:rPr lang="en-AU" dirty="0"/>
-              <a:t>Performance of price above average (Z-score average)</a:t>
-            </a:r>
-            <a:endParaRPr lang="en-US" dirty="0"/>
-          </a:p>
-          <a:p>
-            <a:pPr lvl="1"/>
-            <a:r>
-              <a:rPr lang="en-AU" dirty="0"/>
-              <a:t>Location-based performance </a:t>
-            </a:r>
-            <a:endParaRPr lang="en-US" dirty="0"/>
           </a:p>
           <a:p>
             <a:pPr lvl="1"/>
             <a:r>
               <a:rPr lang="en-US" dirty="0"/>
-              <a:t>Method of Sale</a:t>
+              <a:t>Location</a:t>
+            </a:r>
+          </a:p>
+          <a:p>
+            <a:pPr lvl="1"/>
+            <a:r>
+              <a:rPr lang="en-US" dirty="0"/>
+              <a:t>Target Demographic</a:t>
+            </a:r>
+          </a:p>
+          <a:p>
+            <a:pPr lvl="1"/>
+            <a:r>
+              <a:rPr lang="en-US" dirty="0"/>
+              <a:t>Property Type – Unit (u), Townhouse (t), House (h)</a:t>
             </a:r>
           </a:p>
         </p:txBody>
@@ -7125,7 +9883,7 @@
     </p:spTree>
     <p:extLst>
       <p:ext uri="{BB962C8B-B14F-4D97-AF65-F5344CB8AC3E}">
-        <p14:creationId xmlns:p14="http://schemas.microsoft.com/office/powerpoint/2010/main" val="1455394777"/>
+        <p14:creationId xmlns:p14="http://schemas.microsoft.com/office/powerpoint/2010/main" val="184351359"/>
       </p:ext>
     </p:extLst>
   </p:cSld>
@@ -7138,14 +9896,6 @@
 <file path=ppt/slides/slide15.xml><?xml version="1.0" encoding="utf-8"?>
 <p:sld xmlns:a="http://schemas.openxmlformats.org/drawingml/2006/main" xmlns:r="http://schemas.openxmlformats.org/officeDocument/2006/relationships" xmlns:p="http://schemas.openxmlformats.org/presentationml/2006/main">
   <p:cSld>
-    <p:bg>
-      <p:bgPr>
-        <a:solidFill>
-          <a:schemeClr val="bg2"/>
-        </a:solidFill>
-        <a:effectLst/>
-      </p:bgPr>
-    </p:bg>
     <p:spTree>
       <p:nvGrpSpPr>
         <p:cNvPr id="1" name=""/>
@@ -7160,216 +9910,72 @@
           <a:chExt cx="0" cy="0"/>
         </a:xfrm>
       </p:grpSpPr>
-      <p:sp useBgFill="1">
+      <p:sp>
         <p:nvSpPr>
-          <p:cNvPr id="8" name="Rectangle 7">
-            <a:extLst>
-              <a:ext uri="{FF2B5EF4-FFF2-40B4-BE49-F238E27FC236}">
-                <a16:creationId xmlns:a16="http://schemas.microsoft.com/office/drawing/2014/main" id="{5889F449-A8C1-4223-8D3F-453A7C93038E}"/>
-              </a:ext>
-              <a:ext uri="{C183D7F6-B498-43B3-948B-1728B52AA6E4}">
-                <adec:decorative xmlns:adec="http://schemas.microsoft.com/office/drawing/2017/decorative" val="1"/>
+          <p:cNvPr id="2" name="Title 1">
+            <a:extLst>
+              <a:ext uri="{FF2B5EF4-FFF2-40B4-BE49-F238E27FC236}">
+                <a16:creationId xmlns:a16="http://schemas.microsoft.com/office/drawing/2014/main" id="{4FFD9A9B-5A69-4656-54AF-A610D2E76746}"/>
               </a:ext>
             </a:extLst>
           </p:cNvPr>
           <p:cNvSpPr>
-            <a:spLocks noGrp="1" noRot="1" noChangeAspect="1" noMove="1" noResize="1" noEditPoints="1" noAdjustHandles="1" noChangeArrowheads="1" noChangeShapeType="1" noTextEdit="1"/>
+            <a:spLocks noGrp="1"/>
           </p:cNvSpPr>
           <p:nvPr>
-            <p:extLst>
-              <p:ext uri="{386F3935-93C4-4BCD-93E2-E3B085C9AB24}">
-                <p16:designElem xmlns:p16="http://schemas.microsoft.com/office/powerpoint/2015/main" val="1"/>
-              </p:ext>
-            </p:extLst>
+            <p:ph type="title"/>
           </p:nvPr>
         </p:nvSpPr>
         <p:spPr>
           <a:xfrm>
-            <a:off x="1" y="0"/>
-            <a:ext cx="12192000" cy="6858000"/>
-          </a:xfrm>
-          <a:prstGeom prst="rect">
-            <a:avLst/>
-          </a:prstGeom>
-          <a:ln>
-            <a:noFill/>
-          </a:ln>
-        </p:spPr>
-        <p:style>
-          <a:lnRef idx="2">
-            <a:schemeClr val="accent1">
-              <a:shade val="50000"/>
-            </a:schemeClr>
-          </a:lnRef>
-          <a:fillRef idx="1">
-            <a:schemeClr val="accent1"/>
-          </a:fillRef>
-          <a:effectRef idx="0">
-            <a:schemeClr val="accent1"/>
-          </a:effectRef>
-          <a:fontRef idx="minor">
-            <a:schemeClr val="lt1"/>
-          </a:fontRef>
-        </p:style>
+            <a:off x="521207" y="638955"/>
+            <a:ext cx="11110405" cy="1054864"/>
+          </a:xfrm>
+        </p:spPr>
         <p:txBody>
-          <a:bodyPr rtlCol="0" anchor="ctr"/>
+          <a:bodyPr anchor="ctr">
+            <a:normAutofit/>
+          </a:bodyPr>
           <a:lstStyle/>
           <a:p>
             <a:pPr algn="ctr"/>
-            <a:endParaRPr lang="en-US"/>
+            <a:r>
+              <a:rPr lang="en-US" sz="5000" b="1" dirty="0"/>
+              <a:t>QUESTION 3.</a:t>
+            </a:r>
           </a:p>
         </p:txBody>
       </p:sp>
       <p:cxnSp>
         <p:nvCxnSpPr>
-          <p:cNvPr id="10" name="Straight Connector 9">
-            <a:extLst>
-              <a:ext uri="{FF2B5EF4-FFF2-40B4-BE49-F238E27FC236}">
-                <a16:creationId xmlns:a16="http://schemas.microsoft.com/office/drawing/2014/main" id="{C8F3C27F-5DD1-4734-BC17-6CA44602646E}"/>
-              </a:ext>
-              <a:ext uri="{C183D7F6-B498-43B3-948B-1728B52AA6E4}">
-                <adec:decorative xmlns:adec="http://schemas.microsoft.com/office/drawing/2017/decorative" val="1"/>
-              </a:ext>
-            </a:extLst>
-          </p:cNvPr>
-          <p:cNvCxnSpPr>
-            <a:cxnSpLocks noGrp="1" noRot="1" noChangeAspect="1" noMove="1" noResize="1" noEditPoints="1" noAdjustHandles="1" noChangeArrowheads="1" noChangeShapeType="1"/>
-          </p:cNvCxnSpPr>
-          <p:nvPr>
-            <p:extLst>
-              <p:ext uri="{386F3935-93C4-4BCD-93E2-E3B085C9AB24}">
-                <p16:designElem xmlns:p16="http://schemas.microsoft.com/office/powerpoint/2015/main" val="1"/>
-              </p:ext>
-            </p:extLst>
-          </p:nvPr>
+          <p:cNvPr id="26" name="Straight Connector 25">
+            <a:extLst>
+              <a:ext uri="{FF2B5EF4-FFF2-40B4-BE49-F238E27FC236}">
+                <a16:creationId xmlns:a16="http://schemas.microsoft.com/office/drawing/2014/main" id="{6679F576-3F84-B24E-6582-6775328A5DFC}"/>
+              </a:ext>
+            </a:extLst>
+          </p:cNvPr>
+          <p:cNvCxnSpPr/>
+          <p:nvPr/>
         </p:nvCxnSpPr>
         <p:spPr>
-          <a:xfrm flipH="1">
-            <a:off x="571501" y="6286500"/>
-            <a:ext cx="11048999" cy="0"/>
+          <a:xfrm>
+            <a:off x="571500" y="1847909"/>
+            <a:ext cx="11054799" cy="0"/>
           </a:xfrm>
           <a:prstGeom prst="line">
             <a:avLst/>
           </a:prstGeom>
-          <a:ln>
-            <a:solidFill>
-              <a:schemeClr val="tx1"/>
-            </a:solidFill>
-          </a:ln>
         </p:spPr>
         <p:style>
           <a:lnRef idx="1">
-            <a:schemeClr val="accent1"/>
+            <a:schemeClr val="dk1"/>
           </a:lnRef>
           <a:fillRef idx="0">
-            <a:schemeClr val="accent1"/>
+            <a:schemeClr val="dk1"/>
           </a:fillRef>
           <a:effectRef idx="0">
-            <a:schemeClr val="accent1"/>
-          </a:effectRef>
-          <a:fontRef idx="minor">
-            <a:schemeClr val="tx1"/>
-          </a:fontRef>
-        </p:style>
-      </p:cxnSp>
-      <p:cxnSp>
-        <p:nvCxnSpPr>
-          <p:cNvPr id="12" name="Straight Connector 11">
-            <a:extLst>
-              <a:ext uri="{FF2B5EF4-FFF2-40B4-BE49-F238E27FC236}">
-                <a16:creationId xmlns:a16="http://schemas.microsoft.com/office/drawing/2014/main" id="{3F090CEE-42FF-4CEE-ABF8-11F35C29084E}"/>
-              </a:ext>
-              <a:ext uri="{C183D7F6-B498-43B3-948B-1728B52AA6E4}">
-                <adec:decorative xmlns:adec="http://schemas.microsoft.com/office/drawing/2017/decorative" val="1"/>
-              </a:ext>
-            </a:extLst>
-          </p:cNvPr>
-          <p:cNvCxnSpPr>
-            <a:cxnSpLocks noGrp="1" noRot="1" noChangeAspect="1" noMove="1" noResize="1" noEditPoints="1" noAdjustHandles="1" noChangeArrowheads="1" noChangeShapeType="1"/>
-          </p:cNvCxnSpPr>
-          <p:nvPr>
-            <p:extLst>
-              <p:ext uri="{386F3935-93C4-4BCD-93E2-E3B085C9AB24}">
-                <p16:designElem xmlns:p16="http://schemas.microsoft.com/office/powerpoint/2015/main" val="1"/>
-              </p:ext>
-            </p:extLst>
-          </p:nvPr>
-        </p:nvCxnSpPr>
-        <p:spPr>
-          <a:xfrm>
-            <a:off x="4419600" y="571500"/>
-            <a:ext cx="0" cy="5715000"/>
-          </a:xfrm>
-          <a:prstGeom prst="line">
-            <a:avLst/>
-          </a:prstGeom>
-          <a:ln>
-            <a:solidFill>
-              <a:schemeClr val="tx1"/>
-            </a:solidFill>
-          </a:ln>
-        </p:spPr>
-        <p:style>
-          <a:lnRef idx="1">
-            <a:schemeClr val="accent1"/>
-          </a:lnRef>
-          <a:fillRef idx="0">
-            <a:schemeClr val="accent1"/>
-          </a:fillRef>
-          <a:effectRef idx="0">
-            <a:schemeClr val="accent1"/>
-          </a:effectRef>
-          <a:fontRef idx="minor">
-            <a:schemeClr val="tx1"/>
-          </a:fontRef>
-        </p:style>
-      </p:cxnSp>
-      <p:cxnSp>
-        <p:nvCxnSpPr>
-          <p:cNvPr id="14" name="Straight Connector 13">
-            <a:extLst>
-              <a:ext uri="{FF2B5EF4-FFF2-40B4-BE49-F238E27FC236}">
-                <a16:creationId xmlns:a16="http://schemas.microsoft.com/office/drawing/2014/main" id="{9B483DE6-F425-4CA0-9983-0778A131FA7B}"/>
-              </a:ext>
-              <a:ext uri="{C183D7F6-B498-43B3-948B-1728B52AA6E4}">
-                <adec:decorative xmlns:adec="http://schemas.microsoft.com/office/drawing/2017/decorative" val="1"/>
-              </a:ext>
-            </a:extLst>
-          </p:cNvPr>
-          <p:cNvCxnSpPr>
-            <a:cxnSpLocks noGrp="1" noRot="1" noChangeAspect="1" noMove="1" noResize="1" noEditPoints="1" noAdjustHandles="1" noChangeArrowheads="1" noChangeShapeType="1"/>
-          </p:cNvCxnSpPr>
-          <p:nvPr>
-            <p:extLst>
-              <p:ext uri="{386F3935-93C4-4BCD-93E2-E3B085C9AB24}">
-                <p16:designElem xmlns:p16="http://schemas.microsoft.com/office/powerpoint/2015/main" val="1"/>
-              </p:ext>
-            </p:extLst>
-          </p:nvPr>
-        </p:nvCxnSpPr>
-        <p:spPr>
-          <a:xfrm flipH="1">
-            <a:off x="571501" y="571500"/>
-            <a:ext cx="11048999" cy="0"/>
-          </a:xfrm>
-          <a:prstGeom prst="line">
-            <a:avLst/>
-          </a:prstGeom>
-          <a:ln>
-            <a:solidFill>
-              <a:schemeClr val="tx1"/>
-            </a:solidFill>
-          </a:ln>
-        </p:spPr>
-        <p:style>
-          <a:lnRef idx="1">
-            <a:schemeClr val="accent1"/>
-          </a:lnRef>
-          <a:fillRef idx="0">
-            <a:schemeClr val="accent1"/>
-          </a:fillRef>
-          <a:effectRef idx="0">
-            <a:schemeClr val="accent1"/>
+            <a:schemeClr val="dk1"/>
           </a:effectRef>
           <a:fontRef idx="minor">
             <a:schemeClr val="tx1"/>
@@ -7378,95 +9984,47 @@
       </p:cxnSp>
       <p:sp>
         <p:nvSpPr>
-          <p:cNvPr id="3" name="Content Placeholder 2">
-            <a:extLst>
-              <a:ext uri="{FF2B5EF4-FFF2-40B4-BE49-F238E27FC236}">
-                <a16:creationId xmlns:a16="http://schemas.microsoft.com/office/drawing/2014/main" id="{CF8A242D-21D4-F6DA-26C5-3E5CFA9C400A}"/>
-              </a:ext>
-            </a:extLst>
-          </p:cNvPr>
-          <p:cNvSpPr>
-            <a:spLocks noGrp="1"/>
-          </p:cNvSpPr>
-          <p:nvPr>
-            <p:ph idx="1"/>
-          </p:nvPr>
-        </p:nvSpPr>
-        <p:spPr>
-          <a:xfrm>
-            <a:off x="4927835" y="920376"/>
-            <a:ext cx="6692666" cy="4971770"/>
-          </a:xfrm>
-        </p:spPr>
-        <p:txBody>
-          <a:bodyPr>
-            <a:normAutofit/>
-          </a:bodyPr>
-          <a:lstStyle/>
-          <a:p>
-            <a:endParaRPr lang="en-US" sz="1800"/>
-          </a:p>
-        </p:txBody>
-      </p:sp>
-      <p:sp>
-        <p:nvSpPr>
-          <p:cNvPr id="6" name="Title 1">
-            <a:extLst>
-              <a:ext uri="{FF2B5EF4-FFF2-40B4-BE49-F238E27FC236}">
-                <a16:creationId xmlns:a16="http://schemas.microsoft.com/office/drawing/2014/main" id="{2DBA6A0B-636C-4A93-71EF-14A66F6B78E1}"/>
-              </a:ext>
-            </a:extLst>
-          </p:cNvPr>
-          <p:cNvSpPr txBox="1">
-            <a:spLocks/>
-          </p:cNvSpPr>
+          <p:cNvPr id="5" name="TextBox 4">
+            <a:extLst>
+              <a:ext uri="{FF2B5EF4-FFF2-40B4-BE49-F238E27FC236}">
+                <a16:creationId xmlns:a16="http://schemas.microsoft.com/office/drawing/2014/main" id="{E95B7E07-819D-D91F-38F3-D0C39A81619F}"/>
+              </a:ext>
+            </a:extLst>
+          </p:cNvPr>
+          <p:cNvSpPr txBox="1"/>
           <p:nvPr/>
         </p:nvSpPr>
         <p:spPr>
           <a:xfrm>
-            <a:off x="521208" y="818777"/>
-            <a:ext cx="2632002" cy="5099442"/>
+            <a:off x="754521" y="2957554"/>
+            <a:ext cx="10643775" cy="2585323"/>
           </a:xfrm>
           <a:prstGeom prst="rect">
             <a:avLst/>
           </a:prstGeom>
+          <a:noFill/>
         </p:spPr>
         <p:txBody>
-          <a:bodyPr vert="horz" lIns="91440" tIns="45720" rIns="91440" bIns="45720" rtlCol="0" anchor="t">
-            <a:normAutofit/>
+          <a:bodyPr wrap="square">
+            <a:spAutoFit/>
           </a:bodyPr>
-          <a:lstStyle>
-            <a:lvl1pPr algn="l" defTabSz="914400" rtl="0" eaLnBrk="1" latinLnBrk="0" hangingPunct="1">
-              <a:lnSpc>
-                <a:spcPct val="90000"/>
-              </a:lnSpc>
-              <a:spcBef>
-                <a:spcPct val="0"/>
-              </a:spcBef>
-              <a:buNone/>
-              <a:defRPr sz="4000" kern="1200" spc="-100" baseline="0">
-                <a:solidFill>
-                  <a:schemeClr val="tx1"/>
-                </a:solidFill>
-                <a:latin typeface="Batang" panose="02030600000101010101" pitchFamily="18" charset="-127"/>
-                <a:ea typeface="Batang" panose="02030600000101010101" pitchFamily="18" charset="-127"/>
-                <a:cs typeface="+mj-cs"/>
-              </a:defRPr>
-            </a:lvl1pPr>
-          </a:lstStyle>
-          <a:p>
+          <a:lstStyle/>
+          <a:p>
+            <a:pPr algn="ctr"/>
             <a:r>
-              <a:rPr lang="en-AU" sz="3400"/>
-              <a:t>Q3: Looking to sell in Melbourne? Which real estate agency will get you the best value?</a:t>
+              <a:rPr lang="en-AU" sz="5400" dirty="0"/>
+              <a:t>Looking to sell in Melbourne? Which real estate agency will get you the best value?</a:t>
             </a:r>
-            <a:endParaRPr lang="en-US" sz="3400" dirty="0"/>
+            <a:endParaRPr lang="en-US" sz="5000" dirty="0">
+              <a:latin typeface="+mj-lt"/>
+            </a:endParaRPr>
           </a:p>
         </p:txBody>
       </p:sp>
     </p:spTree>
     <p:extLst>
       <p:ext uri="{BB962C8B-B14F-4D97-AF65-F5344CB8AC3E}">
-        <p14:creationId xmlns:p14="http://schemas.microsoft.com/office/powerpoint/2010/main" val="1532746167"/>
+        <p14:creationId xmlns:p14="http://schemas.microsoft.com/office/powerpoint/2010/main" val="522898081"/>
       </p:ext>
     </p:extLst>
   </p:cSld>
@@ -7566,7 +10124,7 @@
           <p:cNvPr id="2" name="Title 1">
             <a:extLst>
               <a:ext uri="{FF2B5EF4-FFF2-40B4-BE49-F238E27FC236}">
-                <a16:creationId xmlns:a16="http://schemas.microsoft.com/office/drawing/2014/main" id="{02A7E1DF-63D5-9D0B-CA42-5213A5FF0004}"/>
+                <a16:creationId xmlns:a16="http://schemas.microsoft.com/office/drawing/2014/main" id="{DE96DB97-2CC5-900B-BEA1-E88FD8AF202A}"/>
               </a:ext>
             </a:extLst>
           </p:cNvPr>
@@ -7579,8 +10137,8 @@
         </p:nvSpPr>
         <p:spPr>
           <a:xfrm>
-            <a:off x="521209" y="786384"/>
-            <a:ext cx="3390158" cy="5105761"/>
+            <a:off x="521207" y="818777"/>
+            <a:ext cx="2793485" cy="5099442"/>
           </a:xfrm>
         </p:spPr>
         <p:txBody>
@@ -7590,9 +10148,10 @@
           <a:lstStyle/>
           <a:p>
             <a:r>
-              <a:rPr lang="en-US" dirty="0"/>
-              <a:t>Final summary of implications</a:t>
+              <a:rPr lang="en-AU" sz="3600" dirty="0"/>
+              <a:t>QUESTION 3.</a:t>
             </a:r>
+            <a:endParaRPr lang="en-US" sz="3400" dirty="0"/>
           </a:p>
         </p:txBody>
       </p:sp>
@@ -7601,7 +10160,7 @@
           <p:cNvPr id="10" name="Straight Connector 9">
             <a:extLst>
               <a:ext uri="{FF2B5EF4-FFF2-40B4-BE49-F238E27FC236}">
-                <a16:creationId xmlns:a16="http://schemas.microsoft.com/office/drawing/2014/main" id="{C8F3C27F-5DD1-4734-BC17-6CA44602646E}"/>
+                <a16:creationId xmlns:a16="http://schemas.microsoft.com/office/drawing/2014/main" id="{9B483DE6-F425-4CA0-9983-0778A131FA7B}"/>
               </a:ext>
               <a:ext uri="{C183D7F6-B498-43B3-948B-1728B52AA6E4}">
                 <adec:decorative xmlns:adec="http://schemas.microsoft.com/office/drawing/2017/decorative" val="1"/>
@@ -7621,7 +10180,7 @@
         </p:nvCxnSpPr>
         <p:spPr>
           <a:xfrm flipH="1">
-            <a:off x="571501" y="6286500"/>
+            <a:off x="571501" y="571500"/>
             <a:ext cx="11048999" cy="0"/>
           </a:xfrm>
           <a:prstGeom prst="line">
@@ -7653,7 +10212,7 @@
           <p:cNvPr id="12" name="Straight Connector 11">
             <a:extLst>
               <a:ext uri="{FF2B5EF4-FFF2-40B4-BE49-F238E27FC236}">
-                <a16:creationId xmlns:a16="http://schemas.microsoft.com/office/drawing/2014/main" id="{3F090CEE-42FF-4CEE-ABF8-11F35C29084E}"/>
+                <a16:creationId xmlns:a16="http://schemas.microsoft.com/office/drawing/2014/main" id="{C8F3C27F-5DD1-4734-BC17-6CA44602646E}"/>
               </a:ext>
               <a:ext uri="{C183D7F6-B498-43B3-948B-1728B52AA6E4}">
                 <adec:decorative xmlns:adec="http://schemas.microsoft.com/office/drawing/2017/decorative" val="1"/>
@@ -7672,9 +10231,9 @@
           </p:nvPr>
         </p:nvCxnSpPr>
         <p:spPr>
-          <a:xfrm>
-            <a:off x="4419600" y="571500"/>
-            <a:ext cx="0" cy="5715000"/>
+          <a:xfrm flipH="1">
+            <a:off x="571501" y="6286500"/>
+            <a:ext cx="11048999" cy="0"/>
           </a:xfrm>
           <a:prstGeom prst="line">
             <a:avLst/>
@@ -7705,7 +10264,7 @@
           <p:cNvPr id="14" name="Straight Connector 13">
             <a:extLst>
               <a:ext uri="{FF2B5EF4-FFF2-40B4-BE49-F238E27FC236}">
-                <a16:creationId xmlns:a16="http://schemas.microsoft.com/office/drawing/2014/main" id="{9B483DE6-F425-4CA0-9983-0778A131FA7B}"/>
+                <a16:creationId xmlns:a16="http://schemas.microsoft.com/office/drawing/2014/main" id="{61F67967-936C-4D11-B434-DEBD15F2B7EA}"/>
               </a:ext>
               <a:ext uri="{C183D7F6-B498-43B3-948B-1728B52AA6E4}">
                 <adec:decorative xmlns:adec="http://schemas.microsoft.com/office/drawing/2017/decorative" val="1"/>
@@ -7724,9 +10283,9 @@
           </p:nvPr>
         </p:nvCxnSpPr>
         <p:spPr>
-          <a:xfrm flipH="1">
-            <a:off x="571501" y="571500"/>
-            <a:ext cx="11048999" cy="0"/>
+          <a:xfrm>
+            <a:off x="3314700" y="571500"/>
+            <a:ext cx="0" cy="5715000"/>
           </a:xfrm>
           <a:prstGeom prst="line">
             <a:avLst/>
@@ -7757,7 +10316,7 @@
           <p:cNvPr id="3" name="Content Placeholder 2">
             <a:extLst>
               <a:ext uri="{FF2B5EF4-FFF2-40B4-BE49-F238E27FC236}">
-                <a16:creationId xmlns:a16="http://schemas.microsoft.com/office/drawing/2014/main" id="{92B0EAC4-53FF-C77D-6A8A-45BCBC531D98}"/>
+                <a16:creationId xmlns:a16="http://schemas.microsoft.com/office/drawing/2014/main" id="{8EB012D6-2E86-F74C-7D8F-DB3E8BDF16E4}"/>
               </a:ext>
             </a:extLst>
           </p:cNvPr>
@@ -7770,6 +10329,325 @@
         </p:nvSpPr>
         <p:spPr>
           <a:xfrm>
+            <a:off x="3791570" y="939782"/>
+            <a:ext cx="7724000" cy="5034810"/>
+          </a:xfrm>
+        </p:spPr>
+        <p:txBody>
+          <a:bodyPr anchor="t">
+            <a:normAutofit/>
+          </a:bodyPr>
+          <a:lstStyle/>
+          <a:p>
+            <a:r>
+              <a:rPr lang="en-US" sz="1800"/>
+              <a:t>Parameters Used:</a:t>
+            </a:r>
+          </a:p>
+          <a:p>
+            <a:pPr lvl="1"/>
+            <a:r>
+              <a:rPr lang="en-US" dirty="0"/>
+              <a:t>Number of properties sold</a:t>
+            </a:r>
+          </a:p>
+          <a:p>
+            <a:pPr lvl="1"/>
+            <a:r>
+              <a:rPr lang="en-AU" dirty="0"/>
+              <a:t>Performance of price above average (Z-score average)</a:t>
+            </a:r>
+            <a:endParaRPr lang="en-US" dirty="0"/>
+          </a:p>
+          <a:p>
+            <a:pPr lvl="1"/>
+            <a:r>
+              <a:rPr lang="en-AU" dirty="0"/>
+              <a:t>Location-based performance </a:t>
+            </a:r>
+            <a:endParaRPr lang="en-US" dirty="0"/>
+          </a:p>
+          <a:p>
+            <a:pPr lvl="1"/>
+            <a:r>
+              <a:rPr lang="en-US" dirty="0"/>
+              <a:t>Method of Sale</a:t>
+            </a:r>
+          </a:p>
+        </p:txBody>
+      </p:sp>
+    </p:spTree>
+    <p:extLst>
+      <p:ext uri="{BB962C8B-B14F-4D97-AF65-F5344CB8AC3E}">
+        <p14:creationId xmlns:p14="http://schemas.microsoft.com/office/powerpoint/2010/main" val="1455394777"/>
+      </p:ext>
+    </p:extLst>
+  </p:cSld>
+  <p:clrMapOvr>
+    <a:masterClrMapping/>
+  </p:clrMapOvr>
+</p:sld>
+</file>
+
+<file path=ppt/slides/slide17.xml><?xml version="1.0" encoding="utf-8"?>
+<p:sld xmlns:a="http://schemas.openxmlformats.org/drawingml/2006/main" xmlns:r="http://schemas.openxmlformats.org/officeDocument/2006/relationships" xmlns:p="http://schemas.openxmlformats.org/presentationml/2006/main">
+  <p:cSld>
+    <p:bg>
+      <p:bgPr>
+        <a:solidFill>
+          <a:schemeClr val="bg2"/>
+        </a:solidFill>
+        <a:effectLst/>
+      </p:bgPr>
+    </p:bg>
+    <p:spTree>
+      <p:nvGrpSpPr>
+        <p:cNvPr id="1" name=""/>
+        <p:cNvGrpSpPr/>
+        <p:nvPr/>
+      </p:nvGrpSpPr>
+      <p:grpSpPr>
+        <a:xfrm>
+          <a:off x="0" y="0"/>
+          <a:ext cx="0" cy="0"/>
+          <a:chOff x="0" y="0"/>
+          <a:chExt cx="0" cy="0"/>
+        </a:xfrm>
+      </p:grpSpPr>
+      <p:sp useBgFill="1">
+        <p:nvSpPr>
+          <p:cNvPr id="8" name="Rectangle 7">
+            <a:extLst>
+              <a:ext uri="{FF2B5EF4-FFF2-40B4-BE49-F238E27FC236}">
+                <a16:creationId xmlns:a16="http://schemas.microsoft.com/office/drawing/2014/main" id="{5889F449-A8C1-4223-8D3F-453A7C93038E}"/>
+              </a:ext>
+              <a:ext uri="{C183D7F6-B498-43B3-948B-1728B52AA6E4}">
+                <adec:decorative xmlns:adec="http://schemas.microsoft.com/office/drawing/2017/decorative" val="1"/>
+              </a:ext>
+            </a:extLst>
+          </p:cNvPr>
+          <p:cNvSpPr>
+            <a:spLocks noGrp="1" noRot="1" noChangeAspect="1" noMove="1" noResize="1" noEditPoints="1" noAdjustHandles="1" noChangeArrowheads="1" noChangeShapeType="1" noTextEdit="1"/>
+          </p:cNvSpPr>
+          <p:nvPr>
+            <p:extLst>
+              <p:ext uri="{386F3935-93C4-4BCD-93E2-E3B085C9AB24}">
+                <p16:designElem xmlns:p16="http://schemas.microsoft.com/office/powerpoint/2015/main" val="1"/>
+              </p:ext>
+            </p:extLst>
+          </p:nvPr>
+        </p:nvSpPr>
+        <p:spPr>
+          <a:xfrm>
+            <a:off x="1" y="0"/>
+            <a:ext cx="12192000" cy="6858000"/>
+          </a:xfrm>
+          <a:prstGeom prst="rect">
+            <a:avLst/>
+          </a:prstGeom>
+          <a:ln>
+            <a:noFill/>
+          </a:ln>
+        </p:spPr>
+        <p:style>
+          <a:lnRef idx="2">
+            <a:schemeClr val="accent1">
+              <a:shade val="50000"/>
+            </a:schemeClr>
+          </a:lnRef>
+          <a:fillRef idx="1">
+            <a:schemeClr val="accent1"/>
+          </a:fillRef>
+          <a:effectRef idx="0">
+            <a:schemeClr val="accent1"/>
+          </a:effectRef>
+          <a:fontRef idx="minor">
+            <a:schemeClr val="lt1"/>
+          </a:fontRef>
+        </p:style>
+        <p:txBody>
+          <a:bodyPr rtlCol="0" anchor="ctr"/>
+          <a:lstStyle/>
+          <a:p>
+            <a:pPr algn="ctr"/>
+            <a:endParaRPr lang="en-US"/>
+          </a:p>
+        </p:txBody>
+      </p:sp>
+      <p:cxnSp>
+        <p:nvCxnSpPr>
+          <p:cNvPr id="10" name="Straight Connector 9">
+            <a:extLst>
+              <a:ext uri="{FF2B5EF4-FFF2-40B4-BE49-F238E27FC236}">
+                <a16:creationId xmlns:a16="http://schemas.microsoft.com/office/drawing/2014/main" id="{C8F3C27F-5DD1-4734-BC17-6CA44602646E}"/>
+              </a:ext>
+              <a:ext uri="{C183D7F6-B498-43B3-948B-1728B52AA6E4}">
+                <adec:decorative xmlns:adec="http://schemas.microsoft.com/office/drawing/2017/decorative" val="1"/>
+              </a:ext>
+            </a:extLst>
+          </p:cNvPr>
+          <p:cNvCxnSpPr>
+            <a:cxnSpLocks noGrp="1" noRot="1" noChangeAspect="1" noMove="1" noResize="1" noEditPoints="1" noAdjustHandles="1" noChangeArrowheads="1" noChangeShapeType="1"/>
+          </p:cNvCxnSpPr>
+          <p:nvPr>
+            <p:extLst>
+              <p:ext uri="{386F3935-93C4-4BCD-93E2-E3B085C9AB24}">
+                <p16:designElem xmlns:p16="http://schemas.microsoft.com/office/powerpoint/2015/main" val="1"/>
+              </p:ext>
+            </p:extLst>
+          </p:nvPr>
+        </p:nvCxnSpPr>
+        <p:spPr>
+          <a:xfrm flipH="1">
+            <a:off x="571501" y="6286500"/>
+            <a:ext cx="11048999" cy="0"/>
+          </a:xfrm>
+          <a:prstGeom prst="line">
+            <a:avLst/>
+          </a:prstGeom>
+          <a:ln>
+            <a:solidFill>
+              <a:schemeClr val="tx1"/>
+            </a:solidFill>
+          </a:ln>
+        </p:spPr>
+        <p:style>
+          <a:lnRef idx="1">
+            <a:schemeClr val="accent1"/>
+          </a:lnRef>
+          <a:fillRef idx="0">
+            <a:schemeClr val="accent1"/>
+          </a:fillRef>
+          <a:effectRef idx="0">
+            <a:schemeClr val="accent1"/>
+          </a:effectRef>
+          <a:fontRef idx="minor">
+            <a:schemeClr val="tx1"/>
+          </a:fontRef>
+        </p:style>
+      </p:cxnSp>
+      <p:cxnSp>
+        <p:nvCxnSpPr>
+          <p:cNvPr id="12" name="Straight Connector 11">
+            <a:extLst>
+              <a:ext uri="{FF2B5EF4-FFF2-40B4-BE49-F238E27FC236}">
+                <a16:creationId xmlns:a16="http://schemas.microsoft.com/office/drawing/2014/main" id="{3F090CEE-42FF-4CEE-ABF8-11F35C29084E}"/>
+              </a:ext>
+              <a:ext uri="{C183D7F6-B498-43B3-948B-1728B52AA6E4}">
+                <adec:decorative xmlns:adec="http://schemas.microsoft.com/office/drawing/2017/decorative" val="1"/>
+              </a:ext>
+            </a:extLst>
+          </p:cNvPr>
+          <p:cNvCxnSpPr>
+            <a:cxnSpLocks noGrp="1" noRot="1" noChangeAspect="1" noMove="1" noResize="1" noEditPoints="1" noAdjustHandles="1" noChangeArrowheads="1" noChangeShapeType="1"/>
+          </p:cNvCxnSpPr>
+          <p:nvPr>
+            <p:extLst>
+              <p:ext uri="{386F3935-93C4-4BCD-93E2-E3B085C9AB24}">
+                <p16:designElem xmlns:p16="http://schemas.microsoft.com/office/powerpoint/2015/main" val="1"/>
+              </p:ext>
+            </p:extLst>
+          </p:nvPr>
+        </p:nvCxnSpPr>
+        <p:spPr>
+          <a:xfrm>
+            <a:off x="4419600" y="571500"/>
+            <a:ext cx="0" cy="5715000"/>
+          </a:xfrm>
+          <a:prstGeom prst="line">
+            <a:avLst/>
+          </a:prstGeom>
+          <a:ln>
+            <a:solidFill>
+              <a:schemeClr val="tx1"/>
+            </a:solidFill>
+          </a:ln>
+        </p:spPr>
+        <p:style>
+          <a:lnRef idx="1">
+            <a:schemeClr val="accent1"/>
+          </a:lnRef>
+          <a:fillRef idx="0">
+            <a:schemeClr val="accent1"/>
+          </a:fillRef>
+          <a:effectRef idx="0">
+            <a:schemeClr val="accent1"/>
+          </a:effectRef>
+          <a:fontRef idx="minor">
+            <a:schemeClr val="tx1"/>
+          </a:fontRef>
+        </p:style>
+      </p:cxnSp>
+      <p:cxnSp>
+        <p:nvCxnSpPr>
+          <p:cNvPr id="14" name="Straight Connector 13">
+            <a:extLst>
+              <a:ext uri="{FF2B5EF4-FFF2-40B4-BE49-F238E27FC236}">
+                <a16:creationId xmlns:a16="http://schemas.microsoft.com/office/drawing/2014/main" id="{9B483DE6-F425-4CA0-9983-0778A131FA7B}"/>
+              </a:ext>
+              <a:ext uri="{C183D7F6-B498-43B3-948B-1728B52AA6E4}">
+                <adec:decorative xmlns:adec="http://schemas.microsoft.com/office/drawing/2017/decorative" val="1"/>
+              </a:ext>
+            </a:extLst>
+          </p:cNvPr>
+          <p:cNvCxnSpPr>
+            <a:cxnSpLocks noGrp="1" noRot="1" noChangeAspect="1" noMove="1" noResize="1" noEditPoints="1" noAdjustHandles="1" noChangeArrowheads="1" noChangeShapeType="1"/>
+          </p:cNvCxnSpPr>
+          <p:nvPr>
+            <p:extLst>
+              <p:ext uri="{386F3935-93C4-4BCD-93E2-E3B085C9AB24}">
+                <p16:designElem xmlns:p16="http://schemas.microsoft.com/office/powerpoint/2015/main" val="1"/>
+              </p:ext>
+            </p:extLst>
+          </p:nvPr>
+        </p:nvCxnSpPr>
+        <p:spPr>
+          <a:xfrm flipH="1">
+            <a:off x="571501" y="571500"/>
+            <a:ext cx="11048999" cy="0"/>
+          </a:xfrm>
+          <a:prstGeom prst="line">
+            <a:avLst/>
+          </a:prstGeom>
+          <a:ln>
+            <a:solidFill>
+              <a:schemeClr val="tx1"/>
+            </a:solidFill>
+          </a:ln>
+        </p:spPr>
+        <p:style>
+          <a:lnRef idx="1">
+            <a:schemeClr val="accent1"/>
+          </a:lnRef>
+          <a:fillRef idx="0">
+            <a:schemeClr val="accent1"/>
+          </a:fillRef>
+          <a:effectRef idx="0">
+            <a:schemeClr val="accent1"/>
+          </a:effectRef>
+          <a:fontRef idx="minor">
+            <a:schemeClr val="tx1"/>
+          </a:fontRef>
+        </p:style>
+      </p:cxnSp>
+      <p:sp>
+        <p:nvSpPr>
+          <p:cNvPr id="3" name="Content Placeholder 2">
+            <a:extLst>
+              <a:ext uri="{FF2B5EF4-FFF2-40B4-BE49-F238E27FC236}">
+                <a16:creationId xmlns:a16="http://schemas.microsoft.com/office/drawing/2014/main" id="{CF8A242D-21D4-F6DA-26C5-3E5CFA9C400A}"/>
+              </a:ext>
+            </a:extLst>
+          </p:cNvPr>
+          <p:cNvSpPr>
+            <a:spLocks noGrp="1"/>
+          </p:cNvSpPr>
+          <p:nvPr>
+            <p:ph idx="1"/>
+          </p:nvPr>
+        </p:nvSpPr>
+        <p:spPr>
+          <a:xfrm>
             <a:off x="4927835" y="920376"/>
             <a:ext cx="6692666" cy="4971770"/>
           </a:xfrm>
@@ -7780,17 +10658,210 @@
           </a:bodyPr>
           <a:lstStyle/>
           <a:p>
+            <a:endParaRPr lang="en-US" sz="1800"/>
+          </a:p>
+        </p:txBody>
+      </p:sp>
+      <p:sp>
+        <p:nvSpPr>
+          <p:cNvPr id="6" name="Title 1">
+            <a:extLst>
+              <a:ext uri="{FF2B5EF4-FFF2-40B4-BE49-F238E27FC236}">
+                <a16:creationId xmlns:a16="http://schemas.microsoft.com/office/drawing/2014/main" id="{2DBA6A0B-636C-4A93-71EF-14A66F6B78E1}"/>
+              </a:ext>
+            </a:extLst>
+          </p:cNvPr>
+          <p:cNvSpPr txBox="1">
+            <a:spLocks/>
+          </p:cNvSpPr>
+          <p:nvPr/>
+        </p:nvSpPr>
+        <p:spPr>
+          <a:xfrm>
+            <a:off x="521208" y="818777"/>
+            <a:ext cx="2982156" cy="5099442"/>
+          </a:xfrm>
+          <a:prstGeom prst="rect">
+            <a:avLst/>
+          </a:prstGeom>
+        </p:spPr>
+        <p:txBody>
+          <a:bodyPr vert="horz" lIns="91440" tIns="45720" rIns="91440" bIns="45720" rtlCol="0" anchor="t">
+            <a:normAutofit/>
+          </a:bodyPr>
+          <a:lstStyle>
+            <a:lvl1pPr algn="l" defTabSz="914400" rtl="0" eaLnBrk="1" latinLnBrk="0" hangingPunct="1">
+              <a:lnSpc>
+                <a:spcPct val="90000"/>
+              </a:lnSpc>
+              <a:spcBef>
+                <a:spcPct val="0"/>
+              </a:spcBef>
+              <a:buNone/>
+              <a:defRPr sz="4000" kern="1200" spc="-100" baseline="0">
+                <a:solidFill>
+                  <a:schemeClr val="tx1"/>
+                </a:solidFill>
+                <a:latin typeface="Batang" panose="02030600000101010101" pitchFamily="18" charset="-127"/>
+                <a:ea typeface="Batang" panose="02030600000101010101" pitchFamily="18" charset="-127"/>
+                <a:cs typeface="+mj-cs"/>
+              </a:defRPr>
+            </a:lvl1pPr>
+          </a:lstStyle>
+          <a:p>
             <a:r>
-              <a:rPr lang="en-US" sz="1800"/>
-              <a:t>Add some conclusion points</a:t>
+              <a:rPr lang="en-AU" sz="3600" dirty="0"/>
+              <a:t>QUESTION 3</a:t>
             </a:r>
+            <a:endParaRPr lang="en-US" sz="3400" dirty="0"/>
           </a:p>
         </p:txBody>
       </p:sp>
     </p:spTree>
     <p:extLst>
       <p:ext uri="{BB962C8B-B14F-4D97-AF65-F5344CB8AC3E}">
-        <p14:creationId xmlns:p14="http://schemas.microsoft.com/office/powerpoint/2010/main" val="245114399"/>
+        <p14:creationId xmlns:p14="http://schemas.microsoft.com/office/powerpoint/2010/main" val="1532746167"/>
+      </p:ext>
+    </p:extLst>
+  </p:cSld>
+  <p:clrMapOvr>
+    <a:masterClrMapping/>
+  </p:clrMapOvr>
+</p:sld>
+</file>
+
+<file path=ppt/slides/slide18.xml><?xml version="1.0" encoding="utf-8"?>
+<p:sld xmlns:a="http://schemas.openxmlformats.org/drawingml/2006/main" xmlns:r="http://schemas.openxmlformats.org/officeDocument/2006/relationships" xmlns:p="http://schemas.openxmlformats.org/presentationml/2006/main">
+  <p:cSld>
+    <p:spTree>
+      <p:nvGrpSpPr>
+        <p:cNvPr id="1" name=""/>
+        <p:cNvGrpSpPr/>
+        <p:nvPr/>
+      </p:nvGrpSpPr>
+      <p:grpSpPr>
+        <a:xfrm>
+          <a:off x="0" y="0"/>
+          <a:ext cx="0" cy="0"/>
+          <a:chOff x="0" y="0"/>
+          <a:chExt cx="0" cy="0"/>
+        </a:xfrm>
+      </p:grpSpPr>
+      <p:sp>
+        <p:nvSpPr>
+          <p:cNvPr id="2" name="Title 1">
+            <a:extLst>
+              <a:ext uri="{FF2B5EF4-FFF2-40B4-BE49-F238E27FC236}">
+                <a16:creationId xmlns:a16="http://schemas.microsoft.com/office/drawing/2014/main" id="{4FFD9A9B-5A69-4656-54AF-A610D2E76746}"/>
+              </a:ext>
+            </a:extLst>
+          </p:cNvPr>
+          <p:cNvSpPr>
+            <a:spLocks noGrp="1"/>
+          </p:cNvSpPr>
+          <p:nvPr>
+            <p:ph type="title"/>
+          </p:nvPr>
+        </p:nvSpPr>
+        <p:spPr>
+          <a:xfrm>
+            <a:off x="521207" y="638955"/>
+            <a:ext cx="11110405" cy="1054864"/>
+          </a:xfrm>
+        </p:spPr>
+        <p:txBody>
+          <a:bodyPr anchor="ctr">
+            <a:normAutofit/>
+          </a:bodyPr>
+          <a:lstStyle/>
+          <a:p>
+            <a:pPr algn="ctr"/>
+            <a:r>
+              <a:rPr lang="en-US" sz="5400" dirty="0"/>
+              <a:t>Final summary of implications</a:t>
+            </a:r>
+            <a:endParaRPr lang="en-US" sz="5000" b="1" dirty="0"/>
+          </a:p>
+        </p:txBody>
+      </p:sp>
+      <p:cxnSp>
+        <p:nvCxnSpPr>
+          <p:cNvPr id="26" name="Straight Connector 25">
+            <a:extLst>
+              <a:ext uri="{FF2B5EF4-FFF2-40B4-BE49-F238E27FC236}">
+                <a16:creationId xmlns:a16="http://schemas.microsoft.com/office/drawing/2014/main" id="{6679F576-3F84-B24E-6582-6775328A5DFC}"/>
+              </a:ext>
+            </a:extLst>
+          </p:cNvPr>
+          <p:cNvCxnSpPr/>
+          <p:nvPr/>
+        </p:nvCxnSpPr>
+        <p:spPr>
+          <a:xfrm>
+            <a:off x="571500" y="1847909"/>
+            <a:ext cx="11054799" cy="0"/>
+          </a:xfrm>
+          <a:prstGeom prst="line">
+            <a:avLst/>
+          </a:prstGeom>
+        </p:spPr>
+        <p:style>
+          <a:lnRef idx="1">
+            <a:schemeClr val="dk1"/>
+          </a:lnRef>
+          <a:fillRef idx="0">
+            <a:schemeClr val="dk1"/>
+          </a:fillRef>
+          <a:effectRef idx="0">
+            <a:schemeClr val="dk1"/>
+          </a:effectRef>
+          <a:fontRef idx="minor">
+            <a:schemeClr val="tx1"/>
+          </a:fontRef>
+        </p:style>
+      </p:cxnSp>
+      <p:sp>
+        <p:nvSpPr>
+          <p:cNvPr id="5" name="TextBox 4">
+            <a:extLst>
+              <a:ext uri="{FF2B5EF4-FFF2-40B4-BE49-F238E27FC236}">
+                <a16:creationId xmlns:a16="http://schemas.microsoft.com/office/drawing/2014/main" id="{E95B7E07-819D-D91F-38F3-D0C39A81619F}"/>
+              </a:ext>
+            </a:extLst>
+          </p:cNvPr>
+          <p:cNvSpPr txBox="1"/>
+          <p:nvPr/>
+        </p:nvSpPr>
+        <p:spPr>
+          <a:xfrm>
+            <a:off x="754521" y="2957554"/>
+            <a:ext cx="10643775" cy="861774"/>
+          </a:xfrm>
+          <a:prstGeom prst="rect">
+            <a:avLst/>
+          </a:prstGeom>
+          <a:noFill/>
+        </p:spPr>
+        <p:txBody>
+          <a:bodyPr wrap="square">
+            <a:spAutoFit/>
+          </a:bodyPr>
+          <a:lstStyle/>
+          <a:p>
+            <a:pPr algn="ctr"/>
+            <a:r>
+              <a:rPr lang="en-US" sz="5000" dirty="0">
+                <a:latin typeface="+mj-lt"/>
+              </a:rPr>
+              <a:t>(Enter points for conclusion)</a:t>
+            </a:r>
+          </a:p>
+        </p:txBody>
+      </p:sp>
+    </p:spTree>
+    <p:extLst>
+      <p:ext uri="{BB962C8B-B14F-4D97-AF65-F5344CB8AC3E}">
+        <p14:creationId xmlns:p14="http://schemas.microsoft.com/office/powerpoint/2010/main" val="2157133652"/>
       </p:ext>
     </p:extLst>
   </p:cSld>
@@ -11099,10 +14170,10 @@
       </p:grpSpPr>
       <p:sp useBgFill="1">
         <p:nvSpPr>
-          <p:cNvPr id="8" name="Rectangle 7">
-            <a:extLst>
-              <a:ext uri="{FF2B5EF4-FFF2-40B4-BE49-F238E27FC236}">
-                <a16:creationId xmlns:a16="http://schemas.microsoft.com/office/drawing/2014/main" id="{5889F449-A8C1-4223-8D3F-453A7C93038E}"/>
+          <p:cNvPr id="21" name="Rectangle 20">
+            <a:extLst>
+              <a:ext uri="{FF2B5EF4-FFF2-40B4-BE49-F238E27FC236}">
+                <a16:creationId xmlns:a16="http://schemas.microsoft.com/office/drawing/2014/main" id="{5D28D120-1389-4B3F-BECB-0949DCCAC752}"/>
               </a:ext>
               <a:ext uri="{C183D7F6-B498-43B3-948B-1728B52AA6E4}">
                 <adec:decorative xmlns:adec="http://schemas.microsoft.com/office/drawing/2017/decorative" val="1"/>
@@ -11122,8 +14193,8 @@
         </p:nvSpPr>
         <p:spPr>
           <a:xfrm>
-            <a:off x="1" y="0"/>
-            <a:ext cx="12192000" cy="6858000"/>
+            <a:off x="-6782" y="0"/>
+            <a:ext cx="12198783" cy="6858000"/>
           </a:xfrm>
           <a:prstGeom prst="rect">
             <a:avLst/>
@@ -11175,30 +14246,29 @@
         </p:nvSpPr>
         <p:spPr>
           <a:xfrm>
-            <a:off x="521208" y="818777"/>
-            <a:ext cx="2632002" cy="5099442"/>
+            <a:off x="521209" y="786384"/>
+            <a:ext cx="3623244" cy="2665614"/>
           </a:xfrm>
         </p:spPr>
         <p:txBody>
-          <a:bodyPr anchor="t">
+          <a:bodyPr vert="horz" lIns="91440" tIns="45720" rIns="91440" bIns="45720" rtlCol="0" anchor="t">
             <a:normAutofit/>
           </a:bodyPr>
           <a:lstStyle/>
           <a:p>
             <a:r>
-              <a:rPr lang="en-AU" sz="3000" dirty="0"/>
+              <a:rPr lang="en-US" sz="3000" dirty="0"/>
               <a:t>QUESTION 1.</a:t>
             </a:r>
-            <a:endParaRPr lang="en-US" sz="3000" dirty="0"/>
           </a:p>
         </p:txBody>
       </p:sp>
       <p:cxnSp>
         <p:nvCxnSpPr>
-          <p:cNvPr id="10" name="Straight Connector 9">
-            <a:extLst>
-              <a:ext uri="{FF2B5EF4-FFF2-40B4-BE49-F238E27FC236}">
-                <a16:creationId xmlns:a16="http://schemas.microsoft.com/office/drawing/2014/main" id="{9B483DE6-F425-4CA0-9983-0778A131FA7B}"/>
+          <p:cNvPr id="23" name="Straight Connector 22">
+            <a:extLst>
+              <a:ext uri="{FF2B5EF4-FFF2-40B4-BE49-F238E27FC236}">
+                <a16:creationId xmlns:a16="http://schemas.microsoft.com/office/drawing/2014/main" id="{D927055D-9ECF-487E-91DD-FFA84AB92DB8}"/>
               </a:ext>
               <a:ext uri="{C183D7F6-B498-43B3-948B-1728B52AA6E4}">
                 <adec:decorative xmlns:adec="http://schemas.microsoft.com/office/drawing/2017/decorative" val="1"/>
@@ -11218,8 +14288,8 @@
         </p:nvCxnSpPr>
         <p:spPr>
           <a:xfrm flipH="1">
-            <a:off x="571501" y="571500"/>
-            <a:ext cx="11048999" cy="0"/>
+            <a:off x="571333" y="571500"/>
+            <a:ext cx="11054799" cy="0"/>
           </a:xfrm>
           <a:prstGeom prst="line">
             <a:avLst/>
@@ -11247,10 +14317,10 @@
       </p:cxnSp>
       <p:cxnSp>
         <p:nvCxnSpPr>
-          <p:cNvPr id="12" name="Straight Connector 11">
-            <a:extLst>
-              <a:ext uri="{FF2B5EF4-FFF2-40B4-BE49-F238E27FC236}">
-                <a16:creationId xmlns:a16="http://schemas.microsoft.com/office/drawing/2014/main" id="{C8F3C27F-5DD1-4734-BC17-6CA44602646E}"/>
+          <p:cNvPr id="25" name="Straight Connector 24">
+            <a:extLst>
+              <a:ext uri="{FF2B5EF4-FFF2-40B4-BE49-F238E27FC236}">
+                <a16:creationId xmlns:a16="http://schemas.microsoft.com/office/drawing/2014/main" id="{F0DC1883-8AF7-483D-9074-3C6D8AF57596}"/>
               </a:ext>
               <a:ext uri="{C183D7F6-B498-43B3-948B-1728B52AA6E4}">
                 <adec:decorative xmlns:adec="http://schemas.microsoft.com/office/drawing/2017/decorative" val="1"/>
@@ -11270,8 +14340,8 @@
         </p:nvCxnSpPr>
         <p:spPr>
           <a:xfrm flipH="1">
-            <a:off x="571501" y="6286500"/>
-            <a:ext cx="11048999" cy="0"/>
+            <a:off x="571500" y="6286500"/>
+            <a:ext cx="11054799" cy="0"/>
           </a:xfrm>
           <a:prstGeom prst="line">
             <a:avLst/>
@@ -11299,10 +14369,10 @@
       </p:cxnSp>
       <p:cxnSp>
         <p:nvCxnSpPr>
-          <p:cNvPr id="14" name="Straight Connector 13">
-            <a:extLst>
-              <a:ext uri="{FF2B5EF4-FFF2-40B4-BE49-F238E27FC236}">
-                <a16:creationId xmlns:a16="http://schemas.microsoft.com/office/drawing/2014/main" id="{61F67967-936C-4D11-B434-DEBD15F2B7EA}"/>
+          <p:cNvPr id="27" name="Straight Connector 26">
+            <a:extLst>
+              <a:ext uri="{FF2B5EF4-FFF2-40B4-BE49-F238E27FC236}">
+                <a16:creationId xmlns:a16="http://schemas.microsoft.com/office/drawing/2014/main" id="{1CF89D75-E5AC-4C45-9D87-228849A4C7A5}"/>
               </a:ext>
               <a:ext uri="{C183D7F6-B498-43B3-948B-1728B52AA6E4}">
                 <adec:decorative xmlns:adec="http://schemas.microsoft.com/office/drawing/2017/decorative" val="1"/>
@@ -11322,7 +14392,7 @@
         </p:nvCxnSpPr>
         <p:spPr>
           <a:xfrm>
-            <a:off x="3314700" y="571500"/>
+            <a:off x="4422916" y="571500"/>
             <a:ext cx="0" cy="5715000"/>
           </a:xfrm>
           <a:prstGeom prst="line">
@@ -11349,139 +14419,38 @@
           </a:fontRef>
         </p:style>
       </p:cxnSp>
-      <p:sp>
-        <p:nvSpPr>
-          <p:cNvPr id="4" name="Title 1">
-            <a:extLst>
-              <a:ext uri="{FF2B5EF4-FFF2-40B4-BE49-F238E27FC236}">
-                <a16:creationId xmlns:a16="http://schemas.microsoft.com/office/drawing/2014/main" id="{ED17F487-4AFA-5362-FABC-706960C3A0C4}"/>
-              </a:ext>
-            </a:extLst>
-          </p:cNvPr>
-          <p:cNvSpPr txBox="1">
-            <a:spLocks/>
-          </p:cNvSpPr>
-          <p:nvPr/>
-        </p:nvSpPr>
-        <p:spPr>
-          <a:xfrm>
-            <a:off x="3476190" y="818777"/>
-            <a:ext cx="8194593" cy="5099442"/>
-          </a:xfrm>
-          <a:prstGeom prst="rect">
-            <a:avLst/>
-          </a:prstGeom>
-        </p:spPr>
-        <p:txBody>
-          <a:bodyPr vert="horz" lIns="91440" tIns="45720" rIns="91440" bIns="45720" rtlCol="0" anchor="t">
-            <a:normAutofit/>
-          </a:bodyPr>
-          <a:lstStyle>
-            <a:lvl1pPr algn="l" defTabSz="914400" rtl="0" eaLnBrk="1" latinLnBrk="0" hangingPunct="1">
-              <a:lnSpc>
-                <a:spcPct val="90000"/>
-              </a:lnSpc>
-              <a:spcBef>
-                <a:spcPct val="0"/>
-              </a:spcBef>
-              <a:buNone/>
-              <a:defRPr sz="4000" kern="1200" spc="-100" baseline="0">
-                <a:solidFill>
-                  <a:schemeClr val="tx1"/>
-                </a:solidFill>
-                <a:latin typeface="Batang" panose="02030600000101010101" pitchFamily="18" charset="-127"/>
-                <a:ea typeface="Batang" panose="02030600000101010101" pitchFamily="18" charset="-127"/>
-                <a:cs typeface="+mj-cs"/>
-              </a:defRPr>
-            </a:lvl1pPr>
-          </a:lstStyle>
-          <a:p>
-            <a:r>
-              <a:rPr lang="en-AU" sz="3000" dirty="0"/>
-              <a:t>Data Analysis: Dependent Nominal Variables</a:t>
-            </a:r>
-            <a:endParaRPr lang="en-US" sz="3000" dirty="0"/>
-          </a:p>
-        </p:txBody>
-      </p:sp>
-      <p:sp>
-        <p:nvSpPr>
-          <p:cNvPr id="5" name="Rectangle 4">
-            <a:extLst>
-              <a:ext uri="{FF2B5EF4-FFF2-40B4-BE49-F238E27FC236}">
-                <a16:creationId xmlns:a16="http://schemas.microsoft.com/office/drawing/2014/main" id="{3EDCD935-184E-C581-F880-78CF718B7861}"/>
-              </a:ext>
-            </a:extLst>
-          </p:cNvPr>
-          <p:cNvSpPr/>
-          <p:nvPr/>
-        </p:nvSpPr>
-        <p:spPr>
-          <a:xfrm>
-            <a:off x="3512752" y="1390278"/>
-            <a:ext cx="8107748" cy="4825882"/>
-          </a:xfrm>
-          <a:prstGeom prst="rect">
-            <a:avLst/>
-          </a:prstGeom>
-          <a:ln w="6350"/>
-        </p:spPr>
-        <p:style>
-          <a:lnRef idx="2">
-            <a:schemeClr val="dk1"/>
-          </a:lnRef>
-          <a:fillRef idx="1">
-            <a:schemeClr val="lt1"/>
-          </a:fillRef>
-          <a:effectRef idx="0">
-            <a:schemeClr val="dk1"/>
-          </a:effectRef>
-          <a:fontRef idx="minor">
-            <a:schemeClr val="dk1"/>
-          </a:fontRef>
-        </p:style>
-        <p:txBody>
-          <a:bodyPr rtlCol="0" anchor="ctr"/>
-          <a:lstStyle/>
-          <a:p>
-            <a:pPr algn="ctr"/>
-            <a:endParaRPr lang="en-US"/>
-          </a:p>
-        </p:txBody>
-      </p:sp>
-      <p:pic>
-        <p:nvPicPr>
-          <p:cNvPr id="15" name="Picture 14" descr="A picture containing text, furniture, cabinet&#10;&#10;Description automatically generated">
-            <a:extLst>
-              <a:ext uri="{FF2B5EF4-FFF2-40B4-BE49-F238E27FC236}">
-                <a16:creationId xmlns:a16="http://schemas.microsoft.com/office/drawing/2014/main" id="{8A7F64CF-7057-0A9B-E13A-C6CA46C0FCA5}"/>
-              </a:ext>
-            </a:extLst>
-          </p:cNvPr>
-          <p:cNvPicPr>
-            <a:picLocks noChangeAspect="1"/>
-          </p:cNvPicPr>
-          <p:nvPr/>
-        </p:nvPicPr>
-        <p:blipFill rotWithShape="1">
-          <a:blip r:embed="rId2"/>
-          <a:srcRect l="402"/>
-          <a:stretch/>
-        </p:blipFill>
-        <p:spPr>
-          <a:xfrm>
-            <a:off x="3577052" y="1857407"/>
-            <a:ext cx="7979147" cy="3961068"/>
-          </a:xfrm>
-          <a:prstGeom prst="rect">
-            <a:avLst/>
-          </a:prstGeom>
-        </p:spPr>
-      </p:pic>
+      <p:graphicFrame>
+        <p:nvGraphicFramePr>
+          <p:cNvPr id="6" name="Title 1">
+            <a:extLst>
+              <a:ext uri="{FF2B5EF4-FFF2-40B4-BE49-F238E27FC236}">
+                <a16:creationId xmlns:a16="http://schemas.microsoft.com/office/drawing/2014/main" id="{6E4E3AC1-2FDB-070B-5DAD-FAC816382032}"/>
+              </a:ext>
+            </a:extLst>
+          </p:cNvPr>
+          <p:cNvGraphicFramePr/>
+          <p:nvPr>
+            <p:extLst>
+              <p:ext uri="{D42A27DB-BD31-4B8C-83A1-F6EECF244321}">
+                <p14:modId xmlns:p14="http://schemas.microsoft.com/office/powerpoint/2010/main" val="4087965742"/>
+              </p:ext>
+            </p:extLst>
+          </p:nvPr>
+        </p:nvGraphicFramePr>
+        <p:xfrm>
+          <a:off x="4931765" y="989350"/>
+          <a:ext cx="6699544" cy="5021609"/>
+        </p:xfrm>
+        <a:graphic>
+          <a:graphicData uri="http://schemas.openxmlformats.org/drawingml/2006/diagram">
+            <dgm:relIds xmlns:dgm="http://schemas.openxmlformats.org/drawingml/2006/diagram" xmlns:r="http://schemas.openxmlformats.org/officeDocument/2006/relationships" r:dm="rId2" r:lo="rId3" r:qs="rId4" r:cs="rId5"/>
+          </a:graphicData>
+        </a:graphic>
+      </p:graphicFrame>
     </p:spTree>
     <p:extLst>
       <p:ext uri="{BB962C8B-B14F-4D97-AF65-F5344CB8AC3E}">
-        <p14:creationId xmlns:p14="http://schemas.microsoft.com/office/powerpoint/2010/main" val="504381429"/>
+        <p14:creationId xmlns:p14="http://schemas.microsoft.com/office/powerpoint/2010/main" val="3009901639"/>
       </p:ext>
     </p:extLst>
   </p:cSld>
@@ -11870,10 +14839,10 @@
       </p:sp>
       <p:pic>
         <p:nvPicPr>
-          <p:cNvPr id="3" name="Content Placeholder 4" descr="A picture containing box and whisker chart&#10;&#10;Description automatically generated">
-            <a:extLst>
-              <a:ext uri="{FF2B5EF4-FFF2-40B4-BE49-F238E27FC236}">
-                <a16:creationId xmlns:a16="http://schemas.microsoft.com/office/drawing/2014/main" id="{8EA8A733-3C5B-6670-CB11-582774BAD871}"/>
+          <p:cNvPr id="15" name="Picture 14" descr="A picture containing text, furniture, cabinet&#10;&#10;Description automatically generated">
+            <a:extLst>
+              <a:ext uri="{FF2B5EF4-FFF2-40B4-BE49-F238E27FC236}">
+                <a16:creationId xmlns:a16="http://schemas.microsoft.com/office/drawing/2014/main" id="{8A7F64CF-7057-0A9B-E13A-C6CA46C0FCA5}"/>
               </a:ext>
             </a:extLst>
           </p:cNvPr>
@@ -11884,13 +14853,13 @@
         </p:nvPicPr>
         <p:blipFill rotWithShape="1">
           <a:blip r:embed="rId2"/>
-          <a:srcRect t="1119" b="-1"/>
+          <a:srcRect l="402"/>
           <a:stretch/>
         </p:blipFill>
         <p:spPr>
           <a:xfrm>
-            <a:off x="3534719" y="1717040"/>
-            <a:ext cx="8085781" cy="4201179"/>
+            <a:off x="3577052" y="1857407"/>
+            <a:ext cx="7979147" cy="3961068"/>
           </a:xfrm>
           <a:prstGeom prst="rect">
             <a:avLst/>
@@ -11900,7 +14869,7 @@
     </p:spTree>
     <p:extLst>
       <p:ext uri="{BB962C8B-B14F-4D97-AF65-F5344CB8AC3E}">
-        <p14:creationId xmlns:p14="http://schemas.microsoft.com/office/powerpoint/2010/main" val="3108401841"/>
+        <p14:creationId xmlns:p14="http://schemas.microsoft.com/office/powerpoint/2010/main" val="504381429"/>
       </p:ext>
     </p:extLst>
   </p:cSld>
@@ -12289,70 +15258,10 @@
       </p:sp>
       <p:pic>
         <p:nvPicPr>
-          <p:cNvPr id="7" name="Picture 6">
-            <a:extLst>
-              <a:ext uri="{FF2B5EF4-FFF2-40B4-BE49-F238E27FC236}">
-                <a16:creationId xmlns:a16="http://schemas.microsoft.com/office/drawing/2014/main" id="{0F4A93B1-37C3-9BB9-5FD4-83E2AF44C833}"/>
-              </a:ext>
-            </a:extLst>
-          </p:cNvPr>
-          <p:cNvPicPr>
-            <a:picLocks noChangeAspect="1"/>
-          </p:cNvPicPr>
-          <p:nvPr/>
-        </p:nvPicPr>
-        <p:blipFill>
-          <a:blip r:embed="rId2"/>
-          <a:stretch>
-            <a:fillRect/>
-          </a:stretch>
-        </p:blipFill>
-        <p:spPr>
-          <a:xfrm>
-            <a:off x="3705660" y="1431843"/>
-            <a:ext cx="7772400" cy="258390"/>
-          </a:xfrm>
-          <a:prstGeom prst="rect">
-            <a:avLst/>
-          </a:prstGeom>
-        </p:spPr>
-      </p:pic>
-      <p:pic>
-        <p:nvPicPr>
-          <p:cNvPr id="11" name="Picture 10" descr="Chart, scatter chart&#10;&#10;Description automatically generated">
-            <a:extLst>
-              <a:ext uri="{FF2B5EF4-FFF2-40B4-BE49-F238E27FC236}">
-                <a16:creationId xmlns:a16="http://schemas.microsoft.com/office/drawing/2014/main" id="{5F748FA5-96CE-D930-9EEC-CDD8EE520E57}"/>
-              </a:ext>
-            </a:extLst>
-          </p:cNvPr>
-          <p:cNvPicPr>
-            <a:picLocks noChangeAspect="1"/>
-          </p:cNvPicPr>
-          <p:nvPr/>
-        </p:nvPicPr>
-        <p:blipFill>
-          <a:blip r:embed="rId3"/>
-          <a:stretch>
-            <a:fillRect/>
-          </a:stretch>
-        </p:blipFill>
-        <p:spPr>
-          <a:xfrm>
-            <a:off x="8873104" y="2078180"/>
-            <a:ext cx="2666566" cy="1970698"/>
-          </a:xfrm>
-          <a:prstGeom prst="rect">
-            <a:avLst/>
-          </a:prstGeom>
-        </p:spPr>
-      </p:pic>
-      <p:pic>
-        <p:nvPicPr>
-          <p:cNvPr id="15" name="Picture 14" descr="Graphical user interface&#10;&#10;Description automatically generated">
-            <a:extLst>
-              <a:ext uri="{FF2B5EF4-FFF2-40B4-BE49-F238E27FC236}">
-                <a16:creationId xmlns:a16="http://schemas.microsoft.com/office/drawing/2014/main" id="{57BA16EF-D794-016C-A94D-D2ABB1A33D53}"/>
+          <p:cNvPr id="3" name="Content Placeholder 4" descr="A picture containing box and whisker chart&#10;&#10;Description automatically generated">
+            <a:extLst>
+              <a:ext uri="{FF2B5EF4-FFF2-40B4-BE49-F238E27FC236}">
+                <a16:creationId xmlns:a16="http://schemas.microsoft.com/office/drawing/2014/main" id="{8EA8A733-3C5B-6670-CB11-582774BAD871}"/>
               </a:ext>
             </a:extLst>
           </p:cNvPr>
@@ -12362,289 +15271,24 @@
           <p:nvPr/>
         </p:nvPicPr>
         <p:blipFill rotWithShape="1">
-          <a:blip r:embed="rId4"/>
-          <a:srcRect l="52448" b="67441"/>
+          <a:blip r:embed="rId2"/>
+          <a:srcRect t="1119" b="-1"/>
           <a:stretch/>
         </p:blipFill>
         <p:spPr>
           <a:xfrm>
-            <a:off x="6260147" y="2078180"/>
-            <a:ext cx="2612957" cy="1970698"/>
+            <a:off x="3534719" y="1717040"/>
+            <a:ext cx="8085781" cy="4201179"/>
           </a:xfrm>
           <a:prstGeom prst="rect">
             <a:avLst/>
           </a:prstGeom>
         </p:spPr>
       </p:pic>
-      <p:pic>
-        <p:nvPicPr>
-          <p:cNvPr id="16" name="Picture 15" descr="Graphical user interface&#10;&#10;Description automatically generated">
-            <a:extLst>
-              <a:ext uri="{FF2B5EF4-FFF2-40B4-BE49-F238E27FC236}">
-                <a16:creationId xmlns:a16="http://schemas.microsoft.com/office/drawing/2014/main" id="{7E6E69F0-E94C-5111-2F84-23DCAAEE1333}"/>
-              </a:ext>
-            </a:extLst>
-          </p:cNvPr>
-          <p:cNvPicPr>
-            <a:picLocks noChangeAspect="1"/>
-          </p:cNvPicPr>
-          <p:nvPr/>
-        </p:nvPicPr>
-        <p:blipFill rotWithShape="1">
-          <a:blip r:embed="rId4"/>
-          <a:srcRect r="52448" b="67441"/>
-          <a:stretch/>
-        </p:blipFill>
-        <p:spPr>
-          <a:xfrm>
-            <a:off x="3599509" y="2078180"/>
-            <a:ext cx="2612956" cy="1970698"/>
-          </a:xfrm>
-          <a:prstGeom prst="rect">
-            <a:avLst/>
-          </a:prstGeom>
-        </p:spPr>
-      </p:pic>
-      <p:pic>
-        <p:nvPicPr>
-          <p:cNvPr id="17" name="Picture 16" descr="Graphical user interface&#10;&#10;Description automatically generated">
-            <a:extLst>
-              <a:ext uri="{FF2B5EF4-FFF2-40B4-BE49-F238E27FC236}">
-                <a16:creationId xmlns:a16="http://schemas.microsoft.com/office/drawing/2014/main" id="{2EAFEBAD-ECC0-1EB4-6D4A-ACAD8036C73F}"/>
-              </a:ext>
-            </a:extLst>
-          </p:cNvPr>
-          <p:cNvPicPr>
-            <a:picLocks noChangeAspect="1"/>
-          </p:cNvPicPr>
-          <p:nvPr/>
-        </p:nvPicPr>
-        <p:blipFill rotWithShape="1">
-          <a:blip r:embed="rId4"/>
-          <a:srcRect l="-2482" t="33287" r="53042" b="34154"/>
-          <a:stretch/>
-        </p:blipFill>
-        <p:spPr>
-          <a:xfrm>
-            <a:off x="3444693" y="4568906"/>
-            <a:ext cx="2113950" cy="1533451"/>
-          </a:xfrm>
-          <a:prstGeom prst="rect">
-            <a:avLst/>
-          </a:prstGeom>
-        </p:spPr>
-      </p:pic>
-      <p:pic>
-        <p:nvPicPr>
-          <p:cNvPr id="18" name="Picture 17" descr="Graphical user interface&#10;&#10;Description automatically generated">
-            <a:extLst>
-              <a:ext uri="{FF2B5EF4-FFF2-40B4-BE49-F238E27FC236}">
-                <a16:creationId xmlns:a16="http://schemas.microsoft.com/office/drawing/2014/main" id="{D2284755-7F1B-3376-B2DB-AF4972DA2D82}"/>
-              </a:ext>
-            </a:extLst>
-          </p:cNvPr>
-          <p:cNvPicPr>
-            <a:picLocks noChangeAspect="1"/>
-          </p:cNvPicPr>
-          <p:nvPr/>
-        </p:nvPicPr>
-        <p:blipFill rotWithShape="1">
-          <a:blip r:embed="rId4"/>
-          <a:srcRect l="52632" t="33721" r="-184" b="33721"/>
-          <a:stretch/>
-        </p:blipFill>
-        <p:spPr>
-          <a:xfrm>
-            <a:off x="5552841" y="4589305"/>
-            <a:ext cx="2033210" cy="1533452"/>
-          </a:xfrm>
-          <a:prstGeom prst="rect">
-            <a:avLst/>
-          </a:prstGeom>
-        </p:spPr>
-      </p:pic>
-      <p:pic>
-        <p:nvPicPr>
-          <p:cNvPr id="19" name="Picture 18" descr="Graphical user interface&#10;&#10;Description automatically generated">
-            <a:extLst>
-              <a:ext uri="{FF2B5EF4-FFF2-40B4-BE49-F238E27FC236}">
-                <a16:creationId xmlns:a16="http://schemas.microsoft.com/office/drawing/2014/main" id="{D238E715-366D-DA4C-D942-97A1B6818ADE}"/>
-              </a:ext>
-            </a:extLst>
-          </p:cNvPr>
-          <p:cNvPicPr>
-            <a:picLocks noChangeAspect="1"/>
-          </p:cNvPicPr>
-          <p:nvPr/>
-        </p:nvPicPr>
-        <p:blipFill rotWithShape="1">
-          <a:blip r:embed="rId4"/>
-          <a:srcRect l="-850" t="66389" r="53298" b="1052"/>
-          <a:stretch/>
-        </p:blipFill>
-        <p:spPr>
-          <a:xfrm>
-            <a:off x="7528031" y="4545379"/>
-            <a:ext cx="2033210" cy="1533452"/>
-          </a:xfrm>
-          <a:prstGeom prst="rect">
-            <a:avLst/>
-          </a:prstGeom>
-        </p:spPr>
-      </p:pic>
-      <p:pic>
-        <p:nvPicPr>
-          <p:cNvPr id="20" name="Picture 19" descr="Graphical user interface&#10;&#10;Description automatically generated">
-            <a:extLst>
-              <a:ext uri="{FF2B5EF4-FFF2-40B4-BE49-F238E27FC236}">
-                <a16:creationId xmlns:a16="http://schemas.microsoft.com/office/drawing/2014/main" id="{22A8B607-540F-96F0-F38D-B5648143CC5A}"/>
-              </a:ext>
-            </a:extLst>
-          </p:cNvPr>
-          <p:cNvPicPr>
-            <a:picLocks noChangeAspect="1"/>
-          </p:cNvPicPr>
-          <p:nvPr/>
-        </p:nvPicPr>
-        <p:blipFill rotWithShape="1">
-          <a:blip r:embed="rId4"/>
-          <a:srcRect l="52566" t="67093" r="-118" b="348"/>
-          <a:stretch/>
-        </p:blipFill>
-        <p:spPr>
-          <a:xfrm>
-            <a:off x="9570865" y="4595119"/>
-            <a:ext cx="2033211" cy="1533453"/>
-          </a:xfrm>
-          <a:prstGeom prst="rect">
-            <a:avLst/>
-          </a:prstGeom>
-        </p:spPr>
-      </p:pic>
-      <p:sp>
-        <p:nvSpPr>
-          <p:cNvPr id="21" name="Title 1">
-            <a:extLst>
-              <a:ext uri="{FF2B5EF4-FFF2-40B4-BE49-F238E27FC236}">
-                <a16:creationId xmlns:a16="http://schemas.microsoft.com/office/drawing/2014/main" id="{28CE2E72-6237-5D7B-AD78-8C84FB2F8EF6}"/>
-              </a:ext>
-            </a:extLst>
-          </p:cNvPr>
-          <p:cNvSpPr txBox="1">
-            <a:spLocks/>
-          </p:cNvSpPr>
-          <p:nvPr/>
-        </p:nvSpPr>
-        <p:spPr>
-          <a:xfrm>
-            <a:off x="3488754" y="1690367"/>
-            <a:ext cx="8194593" cy="481271"/>
-          </a:xfrm>
-          <a:prstGeom prst="rect">
-            <a:avLst/>
-          </a:prstGeom>
-        </p:spPr>
-        <p:txBody>
-          <a:bodyPr vert="horz" lIns="91440" tIns="45720" rIns="91440" bIns="45720" rtlCol="0" anchor="ctr">
-            <a:normAutofit/>
-          </a:bodyPr>
-          <a:lstStyle>
-            <a:lvl1pPr algn="l" defTabSz="914400" rtl="0" eaLnBrk="1" latinLnBrk="0" hangingPunct="1">
-              <a:lnSpc>
-                <a:spcPct val="90000"/>
-              </a:lnSpc>
-              <a:spcBef>
-                <a:spcPct val="0"/>
-              </a:spcBef>
-              <a:buNone/>
-              <a:defRPr sz="4000" kern="1200" spc="-100" baseline="0">
-                <a:solidFill>
-                  <a:schemeClr val="tx1"/>
-                </a:solidFill>
-                <a:latin typeface="Batang" panose="02030600000101010101" pitchFamily="18" charset="-127"/>
-                <a:ea typeface="Batang" panose="02030600000101010101" pitchFamily="18" charset="-127"/>
-                <a:cs typeface="+mj-cs"/>
-              </a:defRPr>
-            </a:lvl1pPr>
-          </a:lstStyle>
-          <a:p>
-            <a:pPr algn="ctr"/>
-            <a:r>
-              <a:rPr lang="en-AU" sz="1800" dirty="0">
-                <a:latin typeface="+mn-lt"/>
-              </a:rPr>
-              <a:t>Continuous Variables</a:t>
-            </a:r>
-            <a:endParaRPr lang="en-US" sz="1800" dirty="0">
-              <a:latin typeface="+mn-lt"/>
-            </a:endParaRPr>
-          </a:p>
-        </p:txBody>
-      </p:sp>
-      <p:sp>
-        <p:nvSpPr>
-          <p:cNvPr id="22" name="Title 1">
-            <a:extLst>
-              <a:ext uri="{FF2B5EF4-FFF2-40B4-BE49-F238E27FC236}">
-                <a16:creationId xmlns:a16="http://schemas.microsoft.com/office/drawing/2014/main" id="{F00EE982-9B5F-5792-6F4E-09948CFDB337}"/>
-              </a:ext>
-            </a:extLst>
-          </p:cNvPr>
-          <p:cNvSpPr txBox="1">
-            <a:spLocks/>
-          </p:cNvSpPr>
-          <p:nvPr/>
-        </p:nvSpPr>
-        <p:spPr>
-          <a:xfrm>
-            <a:off x="3463626" y="4062919"/>
-            <a:ext cx="8194593" cy="481271"/>
-          </a:xfrm>
-          <a:prstGeom prst="rect">
-            <a:avLst/>
-          </a:prstGeom>
-        </p:spPr>
-        <p:txBody>
-          <a:bodyPr vert="horz" lIns="91440" tIns="45720" rIns="91440" bIns="45720" rtlCol="0" anchor="ctr">
-            <a:normAutofit/>
-          </a:bodyPr>
-          <a:lstStyle>
-            <a:lvl1pPr algn="l" defTabSz="914400" rtl="0" eaLnBrk="1" latinLnBrk="0" hangingPunct="1">
-              <a:lnSpc>
-                <a:spcPct val="90000"/>
-              </a:lnSpc>
-              <a:spcBef>
-                <a:spcPct val="0"/>
-              </a:spcBef>
-              <a:buNone/>
-              <a:defRPr sz="4000" kern="1200" spc="-100" baseline="0">
-                <a:solidFill>
-                  <a:schemeClr val="tx1"/>
-                </a:solidFill>
-                <a:latin typeface="Batang" panose="02030600000101010101" pitchFamily="18" charset="-127"/>
-                <a:ea typeface="Batang" panose="02030600000101010101" pitchFamily="18" charset="-127"/>
-                <a:cs typeface="+mj-cs"/>
-              </a:defRPr>
-            </a:lvl1pPr>
-          </a:lstStyle>
-          <a:p>
-            <a:pPr algn="ctr"/>
-            <a:r>
-              <a:rPr lang="en-AU" sz="1800" dirty="0">
-                <a:latin typeface="+mn-lt"/>
-              </a:rPr>
-              <a:t>Ordinal Variables</a:t>
-            </a:r>
-            <a:endParaRPr lang="en-US" sz="1800" dirty="0">
-              <a:latin typeface="+mn-lt"/>
-            </a:endParaRPr>
-          </a:p>
-        </p:txBody>
-      </p:sp>
     </p:spTree>
     <p:extLst>
       <p:ext uri="{BB962C8B-B14F-4D97-AF65-F5344CB8AC3E}">
-        <p14:creationId xmlns:p14="http://schemas.microsoft.com/office/powerpoint/2010/main" val="1420720014"/>
+        <p14:creationId xmlns:p14="http://schemas.microsoft.com/office/powerpoint/2010/main" val="3108401841"/>
       </p:ext>
     </p:extLst>
   </p:cSld>
